--- a/week8/slides/week8.pptx
+++ b/week8/slides/week8.pptx
@@ -4,13 +4,18 @@
   <p:sldMasterIdLst>
     <p:sldMasterId id="2147483648" r:id="rId1"/>
   </p:sldMasterIdLst>
+  <p:notesMasterIdLst>
+    <p:notesMasterId r:id="rId10"/>
+  </p:notesMasterIdLst>
   <p:sldIdLst>
     <p:sldId id="256" r:id="rId2"/>
     <p:sldId id="257" r:id="rId3"/>
     <p:sldId id="258" r:id="rId4"/>
     <p:sldId id="259" r:id="rId5"/>
-    <p:sldId id="260" r:id="rId6"/>
-    <p:sldId id="261" r:id="rId7"/>
+    <p:sldId id="262" r:id="rId6"/>
+    <p:sldId id="263" r:id="rId7"/>
+    <p:sldId id="260" r:id="rId8"/>
+    <p:sldId id="261" r:id="rId9"/>
   </p:sldIdLst>
   <p:sldSz cx="9144000" cy="6858000" type="screen4x3"/>
   <p:notesSz cx="6858000" cy="9144000"/>
@@ -110,6 +115,444 @@
     </a:lvl9pPr>
   </p:defaultTextStyle>
 </p:presentation>
+</file>
+
+<file path=ppt/notesMasters/notesMaster1.xml><?xml version="1.0" encoding="utf-8"?>
+<p:notesMaster xmlns:a="http://schemas.openxmlformats.org/drawingml/2006/main" xmlns:r="http://schemas.openxmlformats.org/officeDocument/2006/relationships" xmlns:p="http://schemas.openxmlformats.org/presentationml/2006/main">
+  <p:cSld>
+    <p:bg>
+      <p:bgRef idx="1001">
+        <a:schemeClr val="bg1"/>
+      </p:bgRef>
+    </p:bg>
+    <p:spTree>
+      <p:nvGrpSpPr>
+        <p:cNvPr id="1" name=""/>
+        <p:cNvGrpSpPr/>
+        <p:nvPr/>
+      </p:nvGrpSpPr>
+      <p:grpSpPr>
+        <a:xfrm>
+          <a:off x="0" y="0"/>
+          <a:ext cx="0" cy="0"/>
+          <a:chOff x="0" y="0"/>
+          <a:chExt cx="0" cy="0"/>
+        </a:xfrm>
+      </p:grpSpPr>
+      <p:sp>
+        <p:nvSpPr>
+          <p:cNvPr id="2" name="Header Placeholder 1"/>
+          <p:cNvSpPr>
+            <a:spLocks noGrp="1"/>
+          </p:cNvSpPr>
+          <p:nvPr>
+            <p:ph type="hdr" sz="quarter"/>
+          </p:nvPr>
+        </p:nvSpPr>
+        <p:spPr>
+          <a:xfrm>
+            <a:off x="0" y="0"/>
+            <a:ext cx="2971800" cy="457200"/>
+          </a:xfrm>
+          <a:prstGeom prst="rect">
+            <a:avLst/>
+          </a:prstGeom>
+        </p:spPr>
+        <p:txBody>
+          <a:bodyPr vert="horz" lIns="91440" tIns="45720" rIns="91440" bIns="45720" rtlCol="0"/>
+          <a:lstStyle>
+            <a:lvl1pPr algn="l">
+              <a:defRPr sz="1200"/>
+            </a:lvl1pPr>
+          </a:lstStyle>
+          <a:p>
+            <a:endParaRPr lang="en-US"/>
+          </a:p>
+        </p:txBody>
+      </p:sp>
+      <p:sp>
+        <p:nvSpPr>
+          <p:cNvPr id="3" name="Date Placeholder 2"/>
+          <p:cNvSpPr>
+            <a:spLocks noGrp="1"/>
+          </p:cNvSpPr>
+          <p:nvPr>
+            <p:ph type="dt" idx="1"/>
+          </p:nvPr>
+        </p:nvSpPr>
+        <p:spPr>
+          <a:xfrm>
+            <a:off x="3884613" y="0"/>
+            <a:ext cx="2971800" cy="457200"/>
+          </a:xfrm>
+          <a:prstGeom prst="rect">
+            <a:avLst/>
+          </a:prstGeom>
+        </p:spPr>
+        <p:txBody>
+          <a:bodyPr vert="horz" lIns="91440" tIns="45720" rIns="91440" bIns="45720" rtlCol="0"/>
+          <a:lstStyle>
+            <a:lvl1pPr algn="r">
+              <a:defRPr sz="1200"/>
+            </a:lvl1pPr>
+          </a:lstStyle>
+          <a:p>
+            <a:fld id="{0DBE50BE-FB33-7D4D-BB6C-E2431BE8C69E}" type="datetimeFigureOut">
+              <a:rPr lang="en-US" smtClean="0"/>
+              <a:t>17/03/2014</a:t>
+            </a:fld>
+            <a:endParaRPr lang="en-US"/>
+          </a:p>
+        </p:txBody>
+      </p:sp>
+      <p:sp>
+        <p:nvSpPr>
+          <p:cNvPr id="4" name="Slide Image Placeholder 3"/>
+          <p:cNvSpPr>
+            <a:spLocks noGrp="1" noRot="1" noChangeAspect="1"/>
+          </p:cNvSpPr>
+          <p:nvPr>
+            <p:ph type="sldImg" idx="2"/>
+          </p:nvPr>
+        </p:nvSpPr>
+        <p:spPr>
+          <a:xfrm>
+            <a:off x="1143000" y="685800"/>
+            <a:ext cx="4572000" cy="3429000"/>
+          </a:xfrm>
+          <a:prstGeom prst="rect">
+            <a:avLst/>
+          </a:prstGeom>
+          <a:noFill/>
+          <a:ln w="12700">
+            <a:solidFill>
+              <a:prstClr val="black"/>
+            </a:solidFill>
+          </a:ln>
+        </p:spPr>
+        <p:txBody>
+          <a:bodyPr vert="horz" lIns="91440" tIns="45720" rIns="91440" bIns="45720" rtlCol="0" anchor="ctr"/>
+          <a:lstStyle/>
+          <a:p>
+            <a:endParaRPr lang="en-US"/>
+          </a:p>
+        </p:txBody>
+      </p:sp>
+      <p:sp>
+        <p:nvSpPr>
+          <p:cNvPr id="5" name="Notes Placeholder 4"/>
+          <p:cNvSpPr>
+            <a:spLocks noGrp="1"/>
+          </p:cNvSpPr>
+          <p:nvPr>
+            <p:ph type="body" sz="quarter" idx="3"/>
+          </p:nvPr>
+        </p:nvSpPr>
+        <p:spPr>
+          <a:xfrm>
+            <a:off x="685800" y="4343400"/>
+            <a:ext cx="5486400" cy="4114800"/>
+          </a:xfrm>
+          <a:prstGeom prst="rect">
+            <a:avLst/>
+          </a:prstGeom>
+        </p:spPr>
+        <p:txBody>
+          <a:bodyPr vert="horz" lIns="91440" tIns="45720" rIns="91440" bIns="45720" rtlCol="0"/>
+          <a:lstStyle/>
+          <a:p>
+            <a:pPr lvl="0"/>
+            <a:r>
+              <a:rPr lang="en-GB" smtClean="0"/>
+              <a:t>Click to edit Master text styles</a:t>
+            </a:r>
+          </a:p>
+          <a:p>
+            <a:pPr lvl="1"/>
+            <a:r>
+              <a:rPr lang="en-GB" smtClean="0"/>
+              <a:t>Second level</a:t>
+            </a:r>
+          </a:p>
+          <a:p>
+            <a:pPr lvl="2"/>
+            <a:r>
+              <a:rPr lang="en-GB" smtClean="0"/>
+              <a:t>Third level</a:t>
+            </a:r>
+          </a:p>
+          <a:p>
+            <a:pPr lvl="3"/>
+            <a:r>
+              <a:rPr lang="en-GB" smtClean="0"/>
+              <a:t>Fourth level</a:t>
+            </a:r>
+          </a:p>
+          <a:p>
+            <a:pPr lvl="4"/>
+            <a:r>
+              <a:rPr lang="en-GB" smtClean="0"/>
+              <a:t>Fifth level</a:t>
+            </a:r>
+            <a:endParaRPr lang="en-US"/>
+          </a:p>
+        </p:txBody>
+      </p:sp>
+      <p:sp>
+        <p:nvSpPr>
+          <p:cNvPr id="6" name="Footer Placeholder 5"/>
+          <p:cNvSpPr>
+            <a:spLocks noGrp="1"/>
+          </p:cNvSpPr>
+          <p:nvPr>
+            <p:ph type="ftr" sz="quarter" idx="4"/>
+          </p:nvPr>
+        </p:nvSpPr>
+        <p:spPr>
+          <a:xfrm>
+            <a:off x="0" y="8685213"/>
+            <a:ext cx="2971800" cy="457200"/>
+          </a:xfrm>
+          <a:prstGeom prst="rect">
+            <a:avLst/>
+          </a:prstGeom>
+        </p:spPr>
+        <p:txBody>
+          <a:bodyPr vert="horz" lIns="91440" tIns="45720" rIns="91440" bIns="45720" rtlCol="0" anchor="b"/>
+          <a:lstStyle>
+            <a:lvl1pPr algn="l">
+              <a:defRPr sz="1200"/>
+            </a:lvl1pPr>
+          </a:lstStyle>
+          <a:p>
+            <a:endParaRPr lang="en-US"/>
+          </a:p>
+        </p:txBody>
+      </p:sp>
+      <p:sp>
+        <p:nvSpPr>
+          <p:cNvPr id="7" name="Slide Number Placeholder 6"/>
+          <p:cNvSpPr>
+            <a:spLocks noGrp="1"/>
+          </p:cNvSpPr>
+          <p:nvPr>
+            <p:ph type="sldNum" sz="quarter" idx="5"/>
+          </p:nvPr>
+        </p:nvSpPr>
+        <p:spPr>
+          <a:xfrm>
+            <a:off x="3884613" y="8685213"/>
+            <a:ext cx="2971800" cy="457200"/>
+          </a:xfrm>
+          <a:prstGeom prst="rect">
+            <a:avLst/>
+          </a:prstGeom>
+        </p:spPr>
+        <p:txBody>
+          <a:bodyPr vert="horz" lIns="91440" tIns="45720" rIns="91440" bIns="45720" rtlCol="0" anchor="b"/>
+          <a:lstStyle>
+            <a:lvl1pPr algn="r">
+              <a:defRPr sz="1200"/>
+            </a:lvl1pPr>
+          </a:lstStyle>
+          <a:p>
+            <a:fld id="{2B360446-6C9C-5548-8868-9160698D32B9}" type="slidenum">
+              <a:rPr lang="en-US" smtClean="0"/>
+              <a:t>‹#›</a:t>
+            </a:fld>
+            <a:endParaRPr lang="en-US"/>
+          </a:p>
+        </p:txBody>
+      </p:sp>
+    </p:spTree>
+    <p:extLst>
+      <p:ext uri="{BB962C8B-B14F-4D97-AF65-F5344CB8AC3E}">
+        <p14:creationId xmlns:p14="http://schemas.microsoft.com/office/powerpoint/2010/main" val="308246324"/>
+      </p:ext>
+    </p:extLst>
+  </p:cSld>
+  <p:clrMap bg1="lt1" tx1="dk1" bg2="lt2" tx2="dk2" accent1="accent1" accent2="accent2" accent3="accent3" accent4="accent4" accent5="accent5" accent6="accent6" hlink="hlink" folHlink="folHlink"/>
+  <p:notesStyle>
+    <a:lvl1pPr marL="0" algn="l" defTabSz="457200" rtl="0" eaLnBrk="1" latinLnBrk="0" hangingPunct="1">
+      <a:defRPr sz="1200" kern="1200">
+        <a:solidFill>
+          <a:schemeClr val="tx1"/>
+        </a:solidFill>
+        <a:latin typeface="+mn-lt"/>
+        <a:ea typeface="+mn-ea"/>
+        <a:cs typeface="+mn-cs"/>
+      </a:defRPr>
+    </a:lvl1pPr>
+    <a:lvl2pPr marL="457200" algn="l" defTabSz="457200" rtl="0" eaLnBrk="1" latinLnBrk="0" hangingPunct="1">
+      <a:defRPr sz="1200" kern="1200">
+        <a:solidFill>
+          <a:schemeClr val="tx1"/>
+        </a:solidFill>
+        <a:latin typeface="+mn-lt"/>
+        <a:ea typeface="+mn-ea"/>
+        <a:cs typeface="+mn-cs"/>
+      </a:defRPr>
+    </a:lvl2pPr>
+    <a:lvl3pPr marL="914400" algn="l" defTabSz="457200" rtl="0" eaLnBrk="1" latinLnBrk="0" hangingPunct="1">
+      <a:defRPr sz="1200" kern="1200">
+        <a:solidFill>
+          <a:schemeClr val="tx1"/>
+        </a:solidFill>
+        <a:latin typeface="+mn-lt"/>
+        <a:ea typeface="+mn-ea"/>
+        <a:cs typeface="+mn-cs"/>
+      </a:defRPr>
+    </a:lvl3pPr>
+    <a:lvl4pPr marL="1371600" algn="l" defTabSz="457200" rtl="0" eaLnBrk="1" latinLnBrk="0" hangingPunct="1">
+      <a:defRPr sz="1200" kern="1200">
+        <a:solidFill>
+          <a:schemeClr val="tx1"/>
+        </a:solidFill>
+        <a:latin typeface="+mn-lt"/>
+        <a:ea typeface="+mn-ea"/>
+        <a:cs typeface="+mn-cs"/>
+      </a:defRPr>
+    </a:lvl4pPr>
+    <a:lvl5pPr marL="1828800" algn="l" defTabSz="457200" rtl="0" eaLnBrk="1" latinLnBrk="0" hangingPunct="1">
+      <a:defRPr sz="1200" kern="1200">
+        <a:solidFill>
+          <a:schemeClr val="tx1"/>
+        </a:solidFill>
+        <a:latin typeface="+mn-lt"/>
+        <a:ea typeface="+mn-ea"/>
+        <a:cs typeface="+mn-cs"/>
+      </a:defRPr>
+    </a:lvl5pPr>
+    <a:lvl6pPr marL="2286000" algn="l" defTabSz="457200" rtl="0" eaLnBrk="1" latinLnBrk="0" hangingPunct="1">
+      <a:defRPr sz="1200" kern="1200">
+        <a:solidFill>
+          <a:schemeClr val="tx1"/>
+        </a:solidFill>
+        <a:latin typeface="+mn-lt"/>
+        <a:ea typeface="+mn-ea"/>
+        <a:cs typeface="+mn-cs"/>
+      </a:defRPr>
+    </a:lvl6pPr>
+    <a:lvl7pPr marL="2743200" algn="l" defTabSz="457200" rtl="0" eaLnBrk="1" latinLnBrk="0" hangingPunct="1">
+      <a:defRPr sz="1200" kern="1200">
+        <a:solidFill>
+          <a:schemeClr val="tx1"/>
+        </a:solidFill>
+        <a:latin typeface="+mn-lt"/>
+        <a:ea typeface="+mn-ea"/>
+        <a:cs typeface="+mn-cs"/>
+      </a:defRPr>
+    </a:lvl7pPr>
+    <a:lvl8pPr marL="3200400" algn="l" defTabSz="457200" rtl="0" eaLnBrk="1" latinLnBrk="0" hangingPunct="1">
+      <a:defRPr sz="1200" kern="1200">
+        <a:solidFill>
+          <a:schemeClr val="tx1"/>
+        </a:solidFill>
+        <a:latin typeface="+mn-lt"/>
+        <a:ea typeface="+mn-ea"/>
+        <a:cs typeface="+mn-cs"/>
+      </a:defRPr>
+    </a:lvl8pPr>
+    <a:lvl9pPr marL="3657600" algn="l" defTabSz="457200" rtl="0" eaLnBrk="1" latinLnBrk="0" hangingPunct="1">
+      <a:defRPr sz="1200" kern="1200">
+        <a:solidFill>
+          <a:schemeClr val="tx1"/>
+        </a:solidFill>
+        <a:latin typeface="+mn-lt"/>
+        <a:ea typeface="+mn-ea"/>
+        <a:cs typeface="+mn-cs"/>
+      </a:defRPr>
+    </a:lvl9pPr>
+  </p:notesStyle>
+</p:notesMaster>
+</file>
+
+<file path=ppt/notesSlides/notesSlide1.xml><?xml version="1.0" encoding="utf-8"?>
+<p:notes xmlns:a="http://schemas.openxmlformats.org/drawingml/2006/main" xmlns:r="http://schemas.openxmlformats.org/officeDocument/2006/relationships" xmlns:p="http://schemas.openxmlformats.org/presentationml/2006/main">
+  <p:cSld>
+    <p:spTree>
+      <p:nvGrpSpPr>
+        <p:cNvPr id="1" name=""/>
+        <p:cNvGrpSpPr/>
+        <p:nvPr/>
+      </p:nvGrpSpPr>
+      <p:grpSpPr>
+        <a:xfrm>
+          <a:off x="0" y="0"/>
+          <a:ext cx="0" cy="0"/>
+          <a:chOff x="0" y="0"/>
+          <a:chExt cx="0" cy="0"/>
+        </a:xfrm>
+      </p:grpSpPr>
+      <p:sp>
+        <p:nvSpPr>
+          <p:cNvPr id="2" name="Slide Image Placeholder 1"/>
+          <p:cNvSpPr>
+            <a:spLocks noGrp="1" noRot="1" noChangeAspect="1"/>
+          </p:cNvSpPr>
+          <p:nvPr>
+            <p:ph type="sldImg"/>
+          </p:nvPr>
+        </p:nvSpPr>
+        <p:spPr/>
+      </p:sp>
+      <p:sp>
+        <p:nvSpPr>
+          <p:cNvPr id="3" name="Notes Placeholder 2"/>
+          <p:cNvSpPr>
+            <a:spLocks noGrp="1"/>
+          </p:cNvSpPr>
+          <p:nvPr>
+            <p:ph type="body" idx="1"/>
+          </p:nvPr>
+        </p:nvSpPr>
+        <p:spPr/>
+        <p:txBody>
+          <a:bodyPr/>
+          <a:lstStyle/>
+          <a:p>
+            <a:r>
+              <a:rPr lang="en-US" dirty="0" smtClean="0"/>
+              <a:t>follow through the procedure</a:t>
+            </a:r>
+            <a:endParaRPr lang="en-US" dirty="0"/>
+          </a:p>
+        </p:txBody>
+      </p:sp>
+      <p:sp>
+        <p:nvSpPr>
+          <p:cNvPr id="4" name="Slide Number Placeholder 3"/>
+          <p:cNvSpPr>
+            <a:spLocks noGrp="1"/>
+          </p:cNvSpPr>
+          <p:nvPr>
+            <p:ph type="sldNum" sz="quarter" idx="10"/>
+          </p:nvPr>
+        </p:nvSpPr>
+        <p:spPr/>
+        <p:txBody>
+          <a:bodyPr/>
+          <a:lstStyle/>
+          <a:p>
+            <a:fld id="{2B360446-6C9C-5548-8868-9160698D32B9}" type="slidenum">
+              <a:rPr lang="en-US" smtClean="0"/>
+              <a:t>7</a:t>
+            </a:fld>
+            <a:endParaRPr lang="en-US"/>
+          </a:p>
+        </p:txBody>
+      </p:sp>
+    </p:spTree>
+    <p:extLst>
+      <p:ext uri="{BB962C8B-B14F-4D97-AF65-F5344CB8AC3E}">
+        <p14:creationId xmlns:p14="http://schemas.microsoft.com/office/powerpoint/2010/main" val="1451267888"/>
+      </p:ext>
+    </p:extLst>
+  </p:cSld>
+  <p:clrMapOvr>
+    <a:masterClrMapping/>
+  </p:clrMapOvr>
+</p:notes>
 </file>
 
 <file path=ppt/slideLayouts/slideLayout1.xml><?xml version="1.0" encoding="utf-8"?>
@@ -3117,31 +3560,8 @@
           <a:p>
             <a:r>
               <a:rPr lang="en-US" dirty="0" smtClean="0"/>
-              <a:t>Everything about functions </a:t>
-            </a:r>
-            <a:r>
-              <a:rPr lang="en-US" dirty="0" smtClean="0"/>
-              <a:t>in JavaScript</a:t>
-            </a:r>
-            <a:endParaRPr lang="en-US" dirty="0"/>
-          </a:p>
-        </p:txBody>
-      </p:sp>
-      <p:sp>
-        <p:nvSpPr>
-          <p:cNvPr id="3" name="Subtitle 2"/>
-          <p:cNvSpPr>
-            <a:spLocks noGrp="1"/>
-          </p:cNvSpPr>
-          <p:nvPr>
-            <p:ph type="subTitle" idx="1"/>
-          </p:nvPr>
-        </p:nvSpPr>
-        <p:spPr/>
-        <p:txBody>
-          <a:bodyPr/>
-          <a:lstStyle/>
-          <a:p>
+              <a:t>Everything about functions in JavaScript</a:t>
+            </a:r>
             <a:endParaRPr lang="en-US" dirty="0"/>
           </a:p>
         </p:txBody>
@@ -3337,13 +3757,7 @@
               <a:rPr lang="en-US" sz="2400" dirty="0" smtClean="0">
                 <a:cs typeface="Consolas"/>
               </a:rPr>
-              <a:t>What’s the difference between these </a:t>
-            </a:r>
-            <a:r>
-              <a:rPr lang="en-US" sz="2400" dirty="0" smtClean="0">
-                <a:cs typeface="Consolas"/>
-              </a:rPr>
-              <a:t>?</a:t>
+              <a:t>What’s the difference between these ?</a:t>
             </a:r>
           </a:p>
           <a:p>
@@ -3434,41 +3848,8 @@
               <a:rPr lang="en-US" sz="2400" dirty="0" smtClean="0">
                 <a:cs typeface="Consolas"/>
               </a:rPr>
-              <a:t>Named functions can </a:t>
-            </a:r>
-            <a:r>
-              <a:rPr lang="en-US" sz="2400" dirty="0" smtClean="0">
-                <a:cs typeface="Consolas"/>
-              </a:rPr>
-              <a:t>be </a:t>
-            </a:r>
-            <a:r>
-              <a:rPr lang="en-US" sz="2400" dirty="0" smtClean="0">
-                <a:cs typeface="Consolas"/>
-              </a:rPr>
-              <a:t>called</a:t>
-            </a:r>
-            <a:r>
-              <a:rPr lang="en-US" sz="2400" dirty="0" smtClean="0">
-                <a:cs typeface="Consolas"/>
-              </a:rPr>
-              <a:t> before they are defined </a:t>
-            </a:r>
-            <a:r>
-              <a:rPr lang="en-US" sz="2400" dirty="0" smtClean="0">
-                <a:cs typeface="Consolas"/>
-              </a:rPr>
-              <a:t>in the </a:t>
-            </a:r>
-            <a:r>
-              <a:rPr lang="en-US" sz="2400" dirty="0" smtClean="0">
-                <a:cs typeface="Consolas"/>
-              </a:rPr>
-              <a:t>code</a:t>
-            </a:r>
-            <a:endParaRPr lang="en-US" sz="2400" dirty="0" smtClean="0">
-              <a:cs typeface="Consolas"/>
-            </a:endParaRPr>
+              <a:t>Named functions can be called before they are defined in the code</a:t>
+            </a:r>
           </a:p>
           <a:p>
             <a:pPr marL="0" indent="0">
@@ -3521,19 +3902,7 @@
               <a:rPr lang="en-US" sz="2400" dirty="0" smtClean="0">
                 <a:cs typeface="Consolas"/>
               </a:rPr>
-              <a:t>Other</a:t>
-            </a:r>
-            <a:r>
-              <a:rPr lang="en-US" sz="2400" dirty="0" smtClean="0">
-                <a:cs typeface="Consolas"/>
-              </a:rPr>
-              <a:t> functions </a:t>
-            </a:r>
-            <a:r>
-              <a:rPr lang="en-US" sz="2400" dirty="0" smtClean="0">
-                <a:cs typeface="Consolas"/>
-              </a:rPr>
-              <a:t>can’t</a:t>
+              <a:t>Other functions can’t</a:t>
             </a:r>
           </a:p>
           <a:p>
@@ -3683,7 +4052,124 @@
           <a:bodyPr/>
           <a:lstStyle/>
           <a:p>
-            <a:endParaRPr lang="en-US"/>
+            <a:r>
+              <a:rPr lang="en-US" dirty="0" smtClean="0"/>
+              <a:t>But named functions aren’t necessarily global</a:t>
+            </a:r>
+          </a:p>
+          <a:p>
+            <a:pPr marL="0" indent="0">
+              <a:buNone/>
+            </a:pPr>
+            <a:endParaRPr lang="en-US" dirty="0"/>
+          </a:p>
+          <a:p>
+            <a:pPr marL="0" indent="0">
+              <a:buNone/>
+            </a:pPr>
+            <a:r>
+              <a:rPr lang="en-US" sz="2800" dirty="0" smtClean="0">
+                <a:latin typeface="Consolas"/>
+                <a:cs typeface="Consolas"/>
+              </a:rPr>
+              <a:t>(function(){</a:t>
+            </a:r>
+          </a:p>
+          <a:p>
+            <a:pPr marL="0" indent="0">
+              <a:buNone/>
+            </a:pPr>
+            <a:r>
+              <a:rPr lang="en-US" sz="2800" dirty="0">
+                <a:latin typeface="Consolas"/>
+                <a:cs typeface="Consolas"/>
+              </a:rPr>
+              <a:t>	</a:t>
+            </a:r>
+            <a:r>
+              <a:rPr lang="en-US" sz="2800" dirty="0" smtClean="0">
+                <a:latin typeface="Consolas"/>
+                <a:cs typeface="Consolas"/>
+              </a:rPr>
+              <a:t>function </a:t>
+            </a:r>
+            <a:r>
+              <a:rPr lang="en-US" sz="2800" dirty="0" err="1" smtClean="0">
+                <a:latin typeface="Consolas"/>
+                <a:cs typeface="Consolas"/>
+              </a:rPr>
+              <a:t>isNimble</a:t>
+            </a:r>
+            <a:r>
+              <a:rPr lang="en-US" sz="2800" dirty="0" smtClean="0">
+                <a:latin typeface="Consolas"/>
+                <a:cs typeface="Consolas"/>
+              </a:rPr>
+              <a:t>(){return true;}</a:t>
+            </a:r>
+            <a:endParaRPr lang="en-US" sz="2800" dirty="0">
+              <a:latin typeface="Consolas"/>
+              <a:cs typeface="Consolas"/>
+            </a:endParaRPr>
+          </a:p>
+          <a:p>
+            <a:pPr marL="0" indent="0">
+              <a:buNone/>
+            </a:pPr>
+            <a:r>
+              <a:rPr lang="en-US" sz="2800" dirty="0" smtClean="0">
+                <a:latin typeface="Consolas"/>
+                <a:cs typeface="Consolas"/>
+              </a:rPr>
+              <a:t>})();</a:t>
+            </a:r>
+            <a:r>
+              <a:rPr lang="en-US" sz="2800" dirty="0" smtClean="0"/>
+              <a:t> </a:t>
+            </a:r>
+          </a:p>
+          <a:p>
+            <a:pPr marL="0" indent="0">
+              <a:buNone/>
+            </a:pPr>
+            <a:endParaRPr lang="en-US" sz="2800" dirty="0"/>
+          </a:p>
+          <a:p>
+            <a:pPr marL="0" indent="0">
+              <a:buNone/>
+            </a:pPr>
+            <a:r>
+              <a:rPr lang="en-US" sz="2400" dirty="0" err="1" smtClean="0">
+                <a:latin typeface="Consolas"/>
+                <a:cs typeface="Consolas"/>
+              </a:rPr>
+              <a:t>console.log</a:t>
+            </a:r>
+            <a:r>
+              <a:rPr lang="en-US" sz="2400" dirty="0" smtClean="0">
+                <a:latin typeface="Consolas"/>
+                <a:cs typeface="Consolas"/>
+              </a:rPr>
+              <a:t>(</a:t>
+            </a:r>
+            <a:r>
+              <a:rPr lang="en-US" sz="2400" dirty="0" err="1" smtClean="0">
+                <a:latin typeface="Consolas"/>
+                <a:cs typeface="Consolas"/>
+              </a:rPr>
+              <a:t>isNimble</a:t>
+            </a:r>
+            <a:r>
+              <a:rPr lang="en-US" sz="2400" dirty="0" smtClean="0">
+                <a:latin typeface="Consolas"/>
+                <a:cs typeface="Consolas"/>
+              </a:rPr>
+              <a:t>()); //causes an error</a:t>
+            </a:r>
+            <a:endParaRPr lang="en-US" sz="2400" dirty="0">
+              <a:latin typeface="Consolas"/>
+              <a:cs typeface="Consolas"/>
+            </a:endParaRPr>
           </a:p>
         </p:txBody>
       </p:sp>
@@ -3729,12 +4215,18 @@
         </p:nvSpPr>
         <p:spPr/>
         <p:txBody>
-          <a:bodyPr/>
-          <a:lstStyle/>
-          <a:p>
+          <a:bodyPr>
+            <a:normAutofit/>
+          </a:bodyPr>
+          <a:lstStyle/>
+          <a:p>
+            <a:r>
+              <a:rPr lang="en-US" dirty="0"/>
+              <a:t>F</a:t>
+            </a:r>
             <a:r>
               <a:rPr lang="en-US" dirty="0" smtClean="0"/>
-              <a:t>Recursive example</a:t>
+              <a:t>unctions as properties of objects</a:t>
             </a:r>
             <a:endParaRPr lang="en-US" dirty="0"/>
           </a:p>
@@ -3752,17 +4244,109 @@
         </p:nvSpPr>
         <p:spPr/>
         <p:txBody>
-          <a:bodyPr/>
-          <a:lstStyle/>
-          <a:p>
-            <a:endParaRPr lang="en-US"/>
+          <a:bodyPr>
+            <a:normAutofit/>
+          </a:bodyPr>
+          <a:lstStyle/>
+          <a:p>
+            <a:pPr marL="0" indent="0">
+              <a:buNone/>
+            </a:pPr>
+            <a:r>
+              <a:rPr lang="en-US" sz="2800" dirty="0" err="1" smtClean="0">
+                <a:latin typeface="Consolas"/>
+                <a:cs typeface="Consolas"/>
+              </a:rPr>
+              <a:t>var</a:t>
+            </a:r>
+            <a:r>
+              <a:rPr lang="en-US" sz="2800" dirty="0" smtClean="0">
+                <a:latin typeface="Consolas"/>
+                <a:cs typeface="Consolas"/>
+              </a:rPr>
+              <a:t> ninja = {</a:t>
+            </a:r>
+          </a:p>
+          <a:p>
+            <a:pPr marL="0" indent="0">
+              <a:buNone/>
+            </a:pPr>
+            <a:r>
+              <a:rPr lang="en-US" sz="2800" dirty="0" smtClean="0">
+                <a:latin typeface="Consolas"/>
+                <a:cs typeface="Consolas"/>
+              </a:rPr>
+              <a:t>	yell: function(){return “</a:t>
+            </a:r>
+            <a:r>
+              <a:rPr lang="en-US" sz="2800" dirty="0" err="1" smtClean="0">
+                <a:latin typeface="Consolas"/>
+                <a:cs typeface="Consolas"/>
+              </a:rPr>
+              <a:t>arrrggh</a:t>
+            </a:r>
+            <a:r>
+              <a:rPr lang="en-US" sz="2800" dirty="0" smtClean="0">
+                <a:latin typeface="Consolas"/>
+                <a:cs typeface="Consolas"/>
+              </a:rPr>
+              <a:t>”;}</a:t>
+            </a:r>
+            <a:endParaRPr lang="en-US" sz="2800" dirty="0">
+              <a:latin typeface="Consolas"/>
+              <a:cs typeface="Consolas"/>
+            </a:endParaRPr>
+          </a:p>
+          <a:p>
+            <a:pPr marL="0" indent="0">
+              <a:buNone/>
+            </a:pPr>
+            <a:r>
+              <a:rPr lang="en-US" sz="2800" dirty="0" smtClean="0">
+                <a:latin typeface="Consolas"/>
+                <a:cs typeface="Consolas"/>
+              </a:rPr>
+              <a:t>}</a:t>
+            </a:r>
+          </a:p>
+          <a:p>
+            <a:pPr marL="0" indent="0">
+              <a:buNone/>
+            </a:pPr>
+            <a:endParaRPr lang="en-US" sz="2800" dirty="0">
+              <a:latin typeface="Consolas"/>
+              <a:cs typeface="Consolas"/>
+            </a:endParaRPr>
+          </a:p>
+          <a:p>
+            <a:pPr marL="0" indent="0">
+              <a:buNone/>
+            </a:pPr>
+            <a:r>
+              <a:rPr lang="en-US" sz="2800" dirty="0" err="1" smtClean="0">
+                <a:latin typeface="Consolas"/>
+                <a:cs typeface="Consolas"/>
+              </a:rPr>
+              <a:t>ninja.yell</a:t>
+            </a:r>
+            <a:r>
+              <a:rPr lang="en-US" sz="2800" dirty="0" smtClean="0">
+                <a:latin typeface="Consolas"/>
+                <a:cs typeface="Consolas"/>
+              </a:rPr>
+              <a:t>();</a:t>
+            </a:r>
+            <a:endParaRPr lang="en-US" sz="2800" dirty="0">
+              <a:latin typeface="Consolas"/>
+              <a:cs typeface="Consolas"/>
+            </a:endParaRPr>
           </a:p>
         </p:txBody>
       </p:sp>
     </p:spTree>
     <p:extLst>
       <p:ext uri="{BB962C8B-B14F-4D97-AF65-F5344CB8AC3E}">
-        <p14:creationId xmlns:p14="http://schemas.microsoft.com/office/powerpoint/2010/main" val="2813231312"/>
+        <p14:creationId xmlns:p14="http://schemas.microsoft.com/office/powerpoint/2010/main" val="1390358961"/>
       </p:ext>
     </p:extLst>
   </p:cSld>
@@ -3806,13 +4390,476 @@
           <a:p>
             <a:r>
               <a:rPr lang="en-US" dirty="0" smtClean="0"/>
-              <a:t>What does </a:t>
-            </a:r>
-            <a:r>
-              <a:rPr lang="en-US" smtClean="0"/>
-              <a:t>new really mean ?</a:t>
-            </a:r>
-            <a:endParaRPr lang="en-US"/>
+              <a:t>Function pointers</a:t>
+            </a:r>
+            <a:endParaRPr lang="en-US" dirty="0"/>
+          </a:p>
+        </p:txBody>
+      </p:sp>
+      <p:sp>
+        <p:nvSpPr>
+          <p:cNvPr id="3" name="Content Placeholder 2"/>
+          <p:cNvSpPr>
+            <a:spLocks noGrp="1"/>
+          </p:cNvSpPr>
+          <p:nvPr>
+            <p:ph idx="1"/>
+          </p:nvPr>
+        </p:nvSpPr>
+        <p:spPr/>
+        <p:txBody>
+          <a:bodyPr/>
+          <a:lstStyle/>
+          <a:p>
+            <a:pPr marL="0" indent="0">
+              <a:buNone/>
+            </a:pPr>
+            <a:r>
+              <a:rPr lang="en-US" dirty="0" err="1">
+                <a:latin typeface="Consolas"/>
+                <a:cs typeface="Consolas"/>
+              </a:rPr>
+              <a:t>var</a:t>
+            </a:r>
+            <a:r>
+              <a:rPr lang="en-US" dirty="0">
+                <a:latin typeface="Consolas"/>
+                <a:cs typeface="Consolas"/>
+              </a:rPr>
+              <a:t> </a:t>
+            </a:r>
+            <a:r>
+              <a:rPr lang="en-US" dirty="0" smtClean="0">
+                <a:latin typeface="Consolas"/>
+                <a:cs typeface="Consolas"/>
+              </a:rPr>
+              <a:t>yell </a:t>
+            </a:r>
+            <a:r>
+              <a:rPr lang="en-US" dirty="0">
+                <a:latin typeface="Consolas"/>
+                <a:cs typeface="Consolas"/>
+              </a:rPr>
+              <a:t>= </a:t>
+            </a:r>
+            <a:r>
+              <a:rPr lang="en-US" dirty="0" smtClean="0">
+                <a:latin typeface="Consolas"/>
+                <a:cs typeface="Consolas"/>
+              </a:rPr>
+              <a:t>function</a:t>
+            </a:r>
+            <a:r>
+              <a:rPr lang="en-US" dirty="0">
+                <a:latin typeface="Consolas"/>
+                <a:cs typeface="Consolas"/>
+              </a:rPr>
+              <a:t>()</a:t>
+            </a:r>
+            <a:r>
+              <a:rPr lang="en-US" dirty="0" smtClean="0">
+                <a:latin typeface="Consolas"/>
+                <a:cs typeface="Consolas"/>
+              </a:rPr>
+              <a:t>{</a:t>
+            </a:r>
+          </a:p>
+          <a:p>
+            <a:pPr marL="0" indent="0">
+              <a:buNone/>
+            </a:pPr>
+            <a:r>
+              <a:rPr lang="en-US" dirty="0" smtClean="0">
+                <a:latin typeface="Consolas"/>
+                <a:cs typeface="Consolas"/>
+              </a:rPr>
+              <a:t>return “</a:t>
+            </a:r>
+            <a:r>
+              <a:rPr lang="en-US" dirty="0" err="1">
+                <a:latin typeface="Consolas"/>
+                <a:cs typeface="Consolas"/>
+              </a:rPr>
+              <a:t>arrrggh</a:t>
+            </a:r>
+            <a:r>
+              <a:rPr lang="en-US" dirty="0">
+                <a:latin typeface="Consolas"/>
+                <a:cs typeface="Consolas"/>
+              </a:rPr>
+              <a:t>”</a:t>
+            </a:r>
+            <a:r>
+              <a:rPr lang="en-US" dirty="0" smtClean="0">
+                <a:latin typeface="Consolas"/>
+                <a:cs typeface="Consolas"/>
+              </a:rPr>
+              <a:t>;</a:t>
+            </a:r>
+          </a:p>
+          <a:p>
+            <a:pPr marL="0" indent="0">
+              <a:buNone/>
+            </a:pPr>
+            <a:r>
+              <a:rPr lang="en-US" dirty="0" smtClean="0">
+                <a:latin typeface="Consolas"/>
+                <a:cs typeface="Consolas"/>
+              </a:rPr>
+              <a:t>};</a:t>
+            </a:r>
+            <a:endParaRPr lang="en-US" dirty="0">
+              <a:latin typeface="Consolas"/>
+              <a:cs typeface="Consolas"/>
+            </a:endParaRPr>
+          </a:p>
+          <a:p>
+            <a:pPr marL="0" indent="0">
+              <a:buNone/>
+            </a:pPr>
+            <a:endParaRPr lang="en-US" dirty="0">
+              <a:latin typeface="Consolas"/>
+              <a:cs typeface="Consolas"/>
+            </a:endParaRPr>
+          </a:p>
+          <a:p>
+            <a:pPr marL="0" indent="0">
+              <a:buNone/>
+            </a:pPr>
+            <a:r>
+              <a:rPr lang="en-US" dirty="0" smtClean="0">
+                <a:latin typeface="Consolas"/>
+                <a:cs typeface="Consolas"/>
+              </a:rPr>
+              <a:t>ninja = { scream: yell };</a:t>
+            </a:r>
+          </a:p>
+          <a:p>
+            <a:pPr marL="0" indent="0">
+              <a:buNone/>
+            </a:pPr>
+            <a:endParaRPr lang="en-US" dirty="0">
+              <a:latin typeface="Consolas"/>
+              <a:cs typeface="Consolas"/>
+            </a:endParaRPr>
+          </a:p>
+          <a:p>
+            <a:pPr marL="0" indent="0">
+              <a:buNone/>
+            </a:pPr>
+            <a:r>
+              <a:rPr lang="en-US" dirty="0" err="1" smtClean="0">
+                <a:latin typeface="Consolas"/>
+                <a:cs typeface="Consolas"/>
+              </a:rPr>
+              <a:t>ninja.scream</a:t>
+            </a:r>
+            <a:r>
+              <a:rPr lang="en-US" dirty="0" smtClean="0">
+                <a:latin typeface="Consolas"/>
+                <a:cs typeface="Consolas"/>
+              </a:rPr>
+              <a:t>();</a:t>
+            </a:r>
+            <a:endParaRPr lang="en-US" dirty="0">
+              <a:latin typeface="Consolas"/>
+              <a:cs typeface="Consolas"/>
+            </a:endParaRPr>
+          </a:p>
+          <a:p>
+            <a:pPr marL="0" indent="0">
+              <a:buNone/>
+            </a:pPr>
+            <a:endParaRPr lang="en-US" dirty="0"/>
+          </a:p>
+        </p:txBody>
+      </p:sp>
+    </p:spTree>
+    <p:extLst>
+      <p:ext uri="{BB962C8B-B14F-4D97-AF65-F5344CB8AC3E}">
+        <p14:creationId xmlns:p14="http://schemas.microsoft.com/office/powerpoint/2010/main" val="2113011173"/>
+      </p:ext>
+    </p:extLst>
+  </p:cSld>
+  <p:clrMapOvr>
+    <a:masterClrMapping/>
+  </p:clrMapOvr>
+</p:sld>
+</file>
+
+<file path=ppt/slides/slide7.xml><?xml version="1.0" encoding="utf-8"?>
+<p:sld xmlns:a="http://schemas.openxmlformats.org/drawingml/2006/main" xmlns:r="http://schemas.openxmlformats.org/officeDocument/2006/relationships" xmlns:p="http://schemas.openxmlformats.org/presentationml/2006/main">
+  <p:cSld>
+    <p:spTree>
+      <p:nvGrpSpPr>
+        <p:cNvPr id="1" name=""/>
+        <p:cNvGrpSpPr/>
+        <p:nvPr/>
+      </p:nvGrpSpPr>
+      <p:grpSpPr>
+        <a:xfrm>
+          <a:off x="0" y="0"/>
+          <a:ext cx="0" cy="0"/>
+          <a:chOff x="0" y="0"/>
+          <a:chExt cx="0" cy="0"/>
+        </a:xfrm>
+      </p:grpSpPr>
+      <p:sp>
+        <p:nvSpPr>
+          <p:cNvPr id="2" name="Title 1"/>
+          <p:cNvSpPr>
+            <a:spLocks noGrp="1"/>
+          </p:cNvSpPr>
+          <p:nvPr>
+            <p:ph type="title"/>
+          </p:nvPr>
+        </p:nvSpPr>
+        <p:spPr/>
+        <p:txBody>
+          <a:bodyPr/>
+          <a:lstStyle/>
+          <a:p>
+            <a:r>
+              <a:rPr lang="en-US" dirty="0" smtClean="0"/>
+              <a:t>A recursive </a:t>
+            </a:r>
+            <a:r>
+              <a:rPr lang="en-US" dirty="0" smtClean="0"/>
+              <a:t>example</a:t>
+            </a:r>
+            <a:endParaRPr lang="en-US" dirty="0"/>
+          </a:p>
+        </p:txBody>
+      </p:sp>
+      <p:pic>
+        <p:nvPicPr>
+          <p:cNvPr id="4" name="Picture 3"/>
+          <p:cNvPicPr>
+            <a:picLocks noChangeAspect="1"/>
+          </p:cNvPicPr>
+          <p:nvPr/>
+        </p:nvPicPr>
+        <p:blipFill>
+          <a:blip r:embed="rId3"/>
+          <a:stretch>
+            <a:fillRect/>
+          </a:stretch>
+        </p:blipFill>
+        <p:spPr>
+          <a:xfrm flipH="1">
+            <a:off x="4074075" y="2965990"/>
+            <a:ext cx="4745580" cy="3288009"/>
+          </a:xfrm>
+          <a:prstGeom prst="rect">
+            <a:avLst/>
+          </a:prstGeom>
+        </p:spPr>
+      </p:pic>
+      <p:sp>
+        <p:nvSpPr>
+          <p:cNvPr id="3" name="Content Placeholder 2"/>
+          <p:cNvSpPr>
+            <a:spLocks noGrp="1"/>
+          </p:cNvSpPr>
+          <p:nvPr>
+            <p:ph idx="1"/>
+          </p:nvPr>
+        </p:nvSpPr>
+        <p:spPr/>
+        <p:txBody>
+          <a:bodyPr/>
+          <a:lstStyle/>
+          <a:p>
+            <a:pPr marL="0" indent="0">
+              <a:buNone/>
+            </a:pPr>
+            <a:r>
+              <a:rPr lang="en-US" sz="2400" dirty="0">
+                <a:latin typeface="Consolas"/>
+                <a:cs typeface="Consolas"/>
+              </a:rPr>
+              <a:t>function yell(n){ </a:t>
+            </a:r>
+          </a:p>
+          <a:p>
+            <a:pPr marL="0" indent="0">
+              <a:buNone/>
+            </a:pPr>
+            <a:r>
+              <a:rPr lang="en-US" sz="2400" dirty="0">
+                <a:latin typeface="Consolas"/>
+                <a:cs typeface="Consolas"/>
+              </a:rPr>
+              <a:t>  return </a:t>
+            </a:r>
+            <a:r>
+              <a:rPr lang="en-US" sz="2400" dirty="0" smtClean="0">
+                <a:latin typeface="Consolas"/>
+                <a:cs typeface="Consolas"/>
+              </a:rPr>
+              <a:t>(n </a:t>
+            </a:r>
+            <a:r>
+              <a:rPr lang="en-US" sz="2400" dirty="0">
+                <a:latin typeface="Consolas"/>
+                <a:cs typeface="Consolas"/>
+              </a:rPr>
+              <a:t>&gt; </a:t>
+            </a:r>
+            <a:r>
+              <a:rPr lang="en-US" sz="2400" dirty="0" smtClean="0">
+                <a:latin typeface="Consolas"/>
+                <a:cs typeface="Consolas"/>
+              </a:rPr>
+              <a:t>0) </a:t>
+            </a:r>
+            <a:r>
+              <a:rPr lang="en-US" sz="2400" dirty="0">
+                <a:latin typeface="Consolas"/>
+                <a:cs typeface="Consolas"/>
+              </a:rPr>
+              <a:t>? yell(n-1) + "a" : "</a:t>
+            </a:r>
+            <a:r>
+              <a:rPr lang="en-US" sz="2400" dirty="0" err="1">
+                <a:latin typeface="Consolas"/>
+                <a:cs typeface="Consolas"/>
+              </a:rPr>
+              <a:t>hiy</a:t>
+            </a:r>
+            <a:r>
+              <a:rPr lang="en-US" sz="2400" dirty="0">
+                <a:latin typeface="Consolas"/>
+                <a:cs typeface="Consolas"/>
+              </a:rPr>
+              <a:t>"; </a:t>
+            </a:r>
+          </a:p>
+          <a:p>
+            <a:pPr marL="0" indent="0">
+              <a:buNone/>
+            </a:pPr>
+            <a:r>
+              <a:rPr lang="en-US" sz="2400" dirty="0">
+                <a:latin typeface="Consolas"/>
+                <a:cs typeface="Consolas"/>
+              </a:rPr>
+              <a:t>} </a:t>
+            </a:r>
+            <a:endParaRPr lang="en-US" sz="2400" dirty="0" smtClean="0">
+              <a:latin typeface="Consolas"/>
+              <a:cs typeface="Consolas"/>
+            </a:endParaRPr>
+          </a:p>
+          <a:p>
+            <a:pPr marL="0" indent="0">
+              <a:buNone/>
+            </a:pPr>
+            <a:endParaRPr lang="en-US" sz="2400" dirty="0">
+              <a:latin typeface="Consolas"/>
+              <a:cs typeface="Consolas"/>
+            </a:endParaRPr>
+          </a:p>
+          <a:p>
+            <a:pPr marL="0" indent="0">
+              <a:buNone/>
+            </a:pPr>
+            <a:r>
+              <a:rPr lang="en-US" sz="2400" dirty="0" err="1" smtClean="0">
+                <a:latin typeface="Consolas"/>
+                <a:cs typeface="Consolas"/>
+              </a:rPr>
+              <a:t>console.log</a:t>
+            </a:r>
+            <a:r>
+              <a:rPr lang="en-US" sz="2400" dirty="0" smtClean="0">
+                <a:latin typeface="Consolas"/>
+                <a:cs typeface="Consolas"/>
+              </a:rPr>
+              <a:t>(yell(4));</a:t>
+            </a:r>
+          </a:p>
+          <a:p>
+            <a:pPr marL="0" indent="0">
+              <a:buNone/>
+            </a:pPr>
+            <a:endParaRPr lang="en-US" sz="2400" dirty="0" smtClean="0">
+              <a:latin typeface="Consolas"/>
+              <a:cs typeface="Consolas"/>
+            </a:endParaRPr>
+          </a:p>
+          <a:p>
+            <a:r>
+              <a:rPr lang="en-US" sz="2400" dirty="0" smtClean="0">
+                <a:cs typeface="Consolas"/>
+              </a:rPr>
+              <a:t>can you predict the output ?</a:t>
+            </a:r>
+            <a:endParaRPr lang="en-US" sz="2400" dirty="0">
+              <a:cs typeface="Consolas"/>
+            </a:endParaRPr>
+          </a:p>
+          <a:p>
+            <a:pPr marL="0" indent="0">
+              <a:buNone/>
+            </a:pPr>
+            <a:endParaRPr lang="en-US" sz="2400" dirty="0">
+              <a:latin typeface="Consolas"/>
+              <a:cs typeface="Consolas"/>
+            </a:endParaRPr>
+          </a:p>
+        </p:txBody>
+      </p:sp>
+    </p:spTree>
+    <p:extLst>
+      <p:ext uri="{BB962C8B-B14F-4D97-AF65-F5344CB8AC3E}">
+        <p14:creationId xmlns:p14="http://schemas.microsoft.com/office/powerpoint/2010/main" val="2813231312"/>
+      </p:ext>
+    </p:extLst>
+  </p:cSld>
+  <p:clrMapOvr>
+    <a:masterClrMapping/>
+  </p:clrMapOvr>
+</p:sld>
+</file>
+
+<file path=ppt/slides/slide8.xml><?xml version="1.0" encoding="utf-8"?>
+<p:sld xmlns:a="http://schemas.openxmlformats.org/drawingml/2006/main" xmlns:r="http://schemas.openxmlformats.org/officeDocument/2006/relationships" xmlns:p="http://schemas.openxmlformats.org/presentationml/2006/main">
+  <p:cSld>
+    <p:spTree>
+      <p:nvGrpSpPr>
+        <p:cNvPr id="1" name=""/>
+        <p:cNvGrpSpPr/>
+        <p:nvPr/>
+      </p:nvGrpSpPr>
+      <p:grpSpPr>
+        <a:xfrm>
+          <a:off x="0" y="0"/>
+          <a:ext cx="0" cy="0"/>
+          <a:chOff x="0" y="0"/>
+          <a:chExt cx="0" cy="0"/>
+        </a:xfrm>
+      </p:grpSpPr>
+      <p:sp>
+        <p:nvSpPr>
+          <p:cNvPr id="2" name="Title 1"/>
+          <p:cNvSpPr>
+            <a:spLocks noGrp="1"/>
+          </p:cNvSpPr>
+          <p:nvPr>
+            <p:ph type="title"/>
+          </p:nvPr>
+        </p:nvSpPr>
+        <p:spPr/>
+        <p:txBody>
+          <a:bodyPr/>
+          <a:lstStyle/>
+          <a:p>
+            <a:r>
+              <a:rPr lang="en-US" dirty="0" smtClean="0"/>
+              <a:t>What does new really mean ?</a:t>
+            </a:r>
+            <a:endParaRPr lang="en-US" dirty="0"/>
           </a:p>
         </p:txBody>
       </p:sp>
@@ -4166,4 +5213,324 @@
   </a:objectDefaults>
   <a:extraClrSchemeLst/>
 </a:theme>
+</file>
+
+<file path=ppt/theme/theme2.xml><?xml version="1.0" encoding="utf-8"?>
+<a:theme xmlns:a="http://schemas.openxmlformats.org/drawingml/2006/main" name="Office Theme">
+  <a:themeElements>
+    <a:clrScheme name="Office">
+      <a:dk1>
+        <a:sysClr val="windowText" lastClr="000000"/>
+      </a:dk1>
+      <a:lt1>
+        <a:sysClr val="window" lastClr="FFFFFF"/>
+      </a:lt1>
+      <a:dk2>
+        <a:srgbClr val="1F497D"/>
+      </a:dk2>
+      <a:lt2>
+        <a:srgbClr val="EEECE1"/>
+      </a:lt2>
+      <a:accent1>
+        <a:srgbClr val="4F81BD"/>
+      </a:accent1>
+      <a:accent2>
+        <a:srgbClr val="C0504D"/>
+      </a:accent2>
+      <a:accent3>
+        <a:srgbClr val="9BBB59"/>
+      </a:accent3>
+      <a:accent4>
+        <a:srgbClr val="8064A2"/>
+      </a:accent4>
+      <a:accent5>
+        <a:srgbClr val="4BACC6"/>
+      </a:accent5>
+      <a:accent6>
+        <a:srgbClr val="F79646"/>
+      </a:accent6>
+      <a:hlink>
+        <a:srgbClr val="0000FF"/>
+      </a:hlink>
+      <a:folHlink>
+        <a:srgbClr val="800080"/>
+      </a:folHlink>
+    </a:clrScheme>
+    <a:fontScheme name="Office">
+      <a:majorFont>
+        <a:latin typeface="Calibri"/>
+        <a:ea typeface=""/>
+        <a:cs typeface=""/>
+        <a:font script="Jpan" typeface="ＭＳ Ｐゴシック"/>
+        <a:font script="Hang" typeface="맑은 고딕"/>
+        <a:font script="Hans" typeface="宋体"/>
+        <a:font script="Hant" typeface="新細明體"/>
+        <a:font script="Arab" typeface="Times New Roman"/>
+        <a:font script="Hebr" typeface="Times New Roman"/>
+        <a:font script="Thai" typeface="Angsana New"/>
+        <a:font script="Ethi" typeface="Nyala"/>
+        <a:font script="Beng" typeface="Vrinda"/>
+        <a:font script="Gujr" typeface="Shruti"/>
+        <a:font script="Khmr" typeface="MoolBoran"/>
+        <a:font script="Knda" typeface="Tunga"/>
+        <a:font script="Guru" typeface="Raavi"/>
+        <a:font script="Cans" typeface="Euphemia"/>
+        <a:font script="Cher" typeface="Plantagenet Cherokee"/>
+        <a:font script="Yiii" typeface="Microsoft Yi Baiti"/>
+        <a:font script="Tibt" typeface="Microsoft Himalaya"/>
+        <a:font script="Thaa" typeface="MV Boli"/>
+        <a:font script="Deva" typeface="Mangal"/>
+        <a:font script="Telu" typeface="Gautami"/>
+        <a:font script="Taml" typeface="Latha"/>
+        <a:font script="Syrc" typeface="Estrangelo Edessa"/>
+        <a:font script="Orya" typeface="Kalinga"/>
+        <a:font script="Mlym" typeface="Kartika"/>
+        <a:font script="Laoo" typeface="DokChampa"/>
+        <a:font script="Sinh" typeface="Iskoola Pota"/>
+        <a:font script="Mong" typeface="Mongolian Baiti"/>
+        <a:font script="Viet" typeface="Times New Roman"/>
+        <a:font script="Uigh" typeface="Microsoft Uighur"/>
+        <a:font script="Geor" typeface="Sylfaen"/>
+      </a:majorFont>
+      <a:minorFont>
+        <a:latin typeface="Calibri"/>
+        <a:ea typeface=""/>
+        <a:cs typeface=""/>
+        <a:font script="Jpan" typeface="ＭＳ Ｐゴシック"/>
+        <a:font script="Hang" typeface="맑은 고딕"/>
+        <a:font script="Hans" typeface="宋体"/>
+        <a:font script="Hant" typeface="新細明體"/>
+        <a:font script="Arab" typeface="Arial"/>
+        <a:font script="Hebr" typeface="Arial"/>
+        <a:font script="Thai" typeface="Cordia New"/>
+        <a:font script="Ethi" typeface="Nyala"/>
+        <a:font script="Beng" typeface="Vrinda"/>
+        <a:font script="Gujr" typeface="Shruti"/>
+        <a:font script="Khmr" typeface="DaunPenh"/>
+        <a:font script="Knda" typeface="Tunga"/>
+        <a:font script="Guru" typeface="Raavi"/>
+        <a:font script="Cans" typeface="Euphemia"/>
+        <a:font script="Cher" typeface="Plantagenet Cherokee"/>
+        <a:font script="Yiii" typeface="Microsoft Yi Baiti"/>
+        <a:font script="Tibt" typeface="Microsoft Himalaya"/>
+        <a:font script="Thaa" typeface="MV Boli"/>
+        <a:font script="Deva" typeface="Mangal"/>
+        <a:font script="Telu" typeface="Gautami"/>
+        <a:font script="Taml" typeface="Latha"/>
+        <a:font script="Syrc" typeface="Estrangelo Edessa"/>
+        <a:font script="Orya" typeface="Kalinga"/>
+        <a:font script="Mlym" typeface="Kartika"/>
+        <a:font script="Laoo" typeface="DokChampa"/>
+        <a:font script="Sinh" typeface="Iskoola Pota"/>
+        <a:font script="Mong" typeface="Mongolian Baiti"/>
+        <a:font script="Viet" typeface="Arial"/>
+        <a:font script="Uigh" typeface="Microsoft Uighur"/>
+        <a:font script="Geor" typeface="Sylfaen"/>
+      </a:minorFont>
+    </a:fontScheme>
+    <a:fmtScheme name="Office">
+      <a:fillStyleLst>
+        <a:solidFill>
+          <a:schemeClr val="phClr"/>
+        </a:solidFill>
+        <a:gradFill rotWithShape="1">
+          <a:gsLst>
+            <a:gs pos="0">
+              <a:schemeClr val="phClr">
+                <a:tint val="50000"/>
+                <a:satMod val="300000"/>
+              </a:schemeClr>
+            </a:gs>
+            <a:gs pos="35000">
+              <a:schemeClr val="phClr">
+                <a:tint val="37000"/>
+                <a:satMod val="300000"/>
+              </a:schemeClr>
+            </a:gs>
+            <a:gs pos="100000">
+              <a:schemeClr val="phClr">
+                <a:tint val="15000"/>
+                <a:satMod val="350000"/>
+              </a:schemeClr>
+            </a:gs>
+          </a:gsLst>
+          <a:lin ang="16200000" scaled="1"/>
+        </a:gradFill>
+        <a:gradFill rotWithShape="1">
+          <a:gsLst>
+            <a:gs pos="0">
+              <a:schemeClr val="phClr">
+                <a:tint val="100000"/>
+                <a:shade val="100000"/>
+                <a:satMod val="130000"/>
+              </a:schemeClr>
+            </a:gs>
+            <a:gs pos="100000">
+              <a:schemeClr val="phClr">
+                <a:tint val="50000"/>
+                <a:shade val="100000"/>
+                <a:satMod val="350000"/>
+              </a:schemeClr>
+            </a:gs>
+          </a:gsLst>
+          <a:lin ang="16200000" scaled="0"/>
+        </a:gradFill>
+      </a:fillStyleLst>
+      <a:lnStyleLst>
+        <a:ln w="9525" cap="flat" cmpd="sng" algn="ctr">
+          <a:solidFill>
+            <a:schemeClr val="phClr">
+              <a:shade val="95000"/>
+              <a:satMod val="105000"/>
+            </a:schemeClr>
+          </a:solidFill>
+          <a:prstDash val="solid"/>
+        </a:ln>
+        <a:ln w="25400" cap="flat" cmpd="sng" algn="ctr">
+          <a:solidFill>
+            <a:schemeClr val="phClr"/>
+          </a:solidFill>
+          <a:prstDash val="solid"/>
+        </a:ln>
+        <a:ln w="38100" cap="flat" cmpd="sng" algn="ctr">
+          <a:solidFill>
+            <a:schemeClr val="phClr"/>
+          </a:solidFill>
+          <a:prstDash val="solid"/>
+        </a:ln>
+      </a:lnStyleLst>
+      <a:effectStyleLst>
+        <a:effectStyle>
+          <a:effectLst>
+            <a:outerShdw blurRad="40000" dist="20000" dir="5400000" rotWithShape="0">
+              <a:srgbClr val="000000">
+                <a:alpha val="38000"/>
+              </a:srgbClr>
+            </a:outerShdw>
+          </a:effectLst>
+        </a:effectStyle>
+        <a:effectStyle>
+          <a:effectLst>
+            <a:outerShdw blurRad="40000" dist="23000" dir="5400000" rotWithShape="0">
+              <a:srgbClr val="000000">
+                <a:alpha val="35000"/>
+              </a:srgbClr>
+            </a:outerShdw>
+          </a:effectLst>
+        </a:effectStyle>
+        <a:effectStyle>
+          <a:effectLst>
+            <a:outerShdw blurRad="40000" dist="23000" dir="5400000" rotWithShape="0">
+              <a:srgbClr val="000000">
+                <a:alpha val="35000"/>
+              </a:srgbClr>
+            </a:outerShdw>
+          </a:effectLst>
+          <a:scene3d>
+            <a:camera prst="orthographicFront">
+              <a:rot lat="0" lon="0" rev="0"/>
+            </a:camera>
+            <a:lightRig rig="threePt" dir="t">
+              <a:rot lat="0" lon="0" rev="1200000"/>
+            </a:lightRig>
+          </a:scene3d>
+          <a:sp3d>
+            <a:bevelT w="63500" h="25400"/>
+          </a:sp3d>
+        </a:effectStyle>
+      </a:effectStyleLst>
+      <a:bgFillStyleLst>
+        <a:solidFill>
+          <a:schemeClr val="phClr"/>
+        </a:solidFill>
+        <a:gradFill rotWithShape="1">
+          <a:gsLst>
+            <a:gs pos="0">
+              <a:schemeClr val="phClr">
+                <a:tint val="40000"/>
+                <a:satMod val="350000"/>
+              </a:schemeClr>
+            </a:gs>
+            <a:gs pos="40000">
+              <a:schemeClr val="phClr">
+                <a:tint val="45000"/>
+                <a:shade val="99000"/>
+                <a:satMod val="350000"/>
+              </a:schemeClr>
+            </a:gs>
+            <a:gs pos="100000">
+              <a:schemeClr val="phClr">
+                <a:shade val="20000"/>
+                <a:satMod val="255000"/>
+              </a:schemeClr>
+            </a:gs>
+          </a:gsLst>
+          <a:path path="circle">
+            <a:fillToRect l="50000" t="-80000" r="50000" b="180000"/>
+          </a:path>
+        </a:gradFill>
+        <a:gradFill rotWithShape="1">
+          <a:gsLst>
+            <a:gs pos="0">
+              <a:schemeClr val="phClr">
+                <a:tint val="80000"/>
+                <a:satMod val="300000"/>
+              </a:schemeClr>
+            </a:gs>
+            <a:gs pos="100000">
+              <a:schemeClr val="phClr">
+                <a:shade val="30000"/>
+                <a:satMod val="200000"/>
+              </a:schemeClr>
+            </a:gs>
+          </a:gsLst>
+          <a:path path="circle">
+            <a:fillToRect l="50000" t="50000" r="50000" b="50000"/>
+          </a:path>
+        </a:gradFill>
+      </a:bgFillStyleLst>
+    </a:fmtScheme>
+  </a:themeElements>
+  <a:objectDefaults>
+    <a:spDef>
+      <a:spPr/>
+      <a:bodyPr/>
+      <a:lstStyle/>
+      <a:style>
+        <a:lnRef idx="1">
+          <a:schemeClr val="accent1"/>
+        </a:lnRef>
+        <a:fillRef idx="3">
+          <a:schemeClr val="accent1"/>
+        </a:fillRef>
+        <a:effectRef idx="2">
+          <a:schemeClr val="accent1"/>
+        </a:effectRef>
+        <a:fontRef idx="minor">
+          <a:schemeClr val="lt1"/>
+        </a:fontRef>
+      </a:style>
+    </a:spDef>
+    <a:lnDef>
+      <a:spPr/>
+      <a:bodyPr/>
+      <a:lstStyle/>
+      <a:style>
+        <a:lnRef idx="2">
+          <a:schemeClr val="accent1"/>
+        </a:lnRef>
+        <a:fillRef idx="0">
+          <a:schemeClr val="accent1"/>
+        </a:fillRef>
+        <a:effectRef idx="1">
+          <a:schemeClr val="accent1"/>
+        </a:effectRef>
+        <a:fontRef idx="minor">
+          <a:schemeClr val="tx1"/>
+        </a:fontRef>
+      </a:style>
+    </a:lnDef>
+  </a:objectDefaults>
+  <a:extraClrSchemeLst/>
+</a:theme>
 </file>
--- a/week8/slides/week8.pptx
+++ b/week8/slides/week8.pptx
@@ -5,7 +5,7 @@
     <p:sldMasterId id="2147483648" r:id="rId1"/>
   </p:sldMasterIdLst>
   <p:notesMasterIdLst>
-    <p:notesMasterId r:id="rId10"/>
+    <p:notesMasterId r:id="rId11"/>
   </p:notesMasterIdLst>
   <p:sldIdLst>
     <p:sldId id="256" r:id="rId2"/>
@@ -15,7 +15,8 @@
     <p:sldId id="262" r:id="rId6"/>
     <p:sldId id="263" r:id="rId7"/>
     <p:sldId id="260" r:id="rId8"/>
-    <p:sldId id="261" r:id="rId9"/>
+    <p:sldId id="264" r:id="rId9"/>
+    <p:sldId id="261" r:id="rId10"/>
   </p:sldIdLst>
   <p:sldSz cx="9144000" cy="6858000" type="screen4x3"/>
   <p:notesSz cx="6858000" cy="9144000"/>
@@ -199,7 +200,7 @@
           <a:p>
             <a:fld id="{0DBE50BE-FB33-7D4D-BB6C-E2431BE8C69E}" type="datetimeFigureOut">
               <a:rPr lang="en-US" smtClean="0"/>
-              <a:t>17/03/2014</a:t>
+              <a:t>18/03/2014</a:t>
             </a:fld>
             <a:endParaRPr lang="en-US"/>
           </a:p>
@@ -736,7 +737,7 @@
           <a:p>
             <a:fld id="{4EDEF9D4-7CA3-944C-A014-03EE8B7FB9E5}" type="datetimeFigureOut">
               <a:rPr lang="en-US" smtClean="0"/>
-              <a:t>17/03/2014</a:t>
+              <a:t>18/03/2014</a:t>
             </a:fld>
             <a:endParaRPr lang="en-US"/>
           </a:p>
@@ -906,7 +907,7 @@
           <a:p>
             <a:fld id="{4EDEF9D4-7CA3-944C-A014-03EE8B7FB9E5}" type="datetimeFigureOut">
               <a:rPr lang="en-US" smtClean="0"/>
-              <a:t>17/03/2014</a:t>
+              <a:t>18/03/2014</a:t>
             </a:fld>
             <a:endParaRPr lang="en-US"/>
           </a:p>
@@ -1086,7 +1087,7 @@
           <a:p>
             <a:fld id="{4EDEF9D4-7CA3-944C-A014-03EE8B7FB9E5}" type="datetimeFigureOut">
               <a:rPr lang="en-US" smtClean="0"/>
-              <a:t>17/03/2014</a:t>
+              <a:t>18/03/2014</a:t>
             </a:fld>
             <a:endParaRPr lang="en-US"/>
           </a:p>
@@ -1256,7 +1257,7 @@
           <a:p>
             <a:fld id="{4EDEF9D4-7CA3-944C-A014-03EE8B7FB9E5}" type="datetimeFigureOut">
               <a:rPr lang="en-US" smtClean="0"/>
-              <a:t>17/03/2014</a:t>
+              <a:t>18/03/2014</a:t>
             </a:fld>
             <a:endParaRPr lang="en-US"/>
           </a:p>
@@ -1502,7 +1503,7 @@
           <a:p>
             <a:fld id="{4EDEF9D4-7CA3-944C-A014-03EE8B7FB9E5}" type="datetimeFigureOut">
               <a:rPr lang="en-US" smtClean="0"/>
-              <a:t>17/03/2014</a:t>
+              <a:t>18/03/2014</a:t>
             </a:fld>
             <a:endParaRPr lang="en-US"/>
           </a:p>
@@ -1790,7 +1791,7 @@
           <a:p>
             <a:fld id="{4EDEF9D4-7CA3-944C-A014-03EE8B7FB9E5}" type="datetimeFigureOut">
               <a:rPr lang="en-US" smtClean="0"/>
-              <a:t>17/03/2014</a:t>
+              <a:t>18/03/2014</a:t>
             </a:fld>
             <a:endParaRPr lang="en-US"/>
           </a:p>
@@ -2212,7 +2213,7 @@
           <a:p>
             <a:fld id="{4EDEF9D4-7CA3-944C-A014-03EE8B7FB9E5}" type="datetimeFigureOut">
               <a:rPr lang="en-US" smtClean="0"/>
-              <a:t>17/03/2014</a:t>
+              <a:t>18/03/2014</a:t>
             </a:fld>
             <a:endParaRPr lang="en-US"/>
           </a:p>
@@ -2330,7 +2331,7 @@
           <a:p>
             <a:fld id="{4EDEF9D4-7CA3-944C-A014-03EE8B7FB9E5}" type="datetimeFigureOut">
               <a:rPr lang="en-US" smtClean="0"/>
-              <a:t>17/03/2014</a:t>
+              <a:t>18/03/2014</a:t>
             </a:fld>
             <a:endParaRPr lang="en-US"/>
           </a:p>
@@ -2425,7 +2426,7 @@
           <a:p>
             <a:fld id="{4EDEF9D4-7CA3-944C-A014-03EE8B7FB9E5}" type="datetimeFigureOut">
               <a:rPr lang="en-US" smtClean="0"/>
-              <a:t>17/03/2014</a:t>
+              <a:t>18/03/2014</a:t>
             </a:fld>
             <a:endParaRPr lang="en-US"/>
           </a:p>
@@ -2702,7 +2703,7 @@
           <a:p>
             <a:fld id="{4EDEF9D4-7CA3-944C-A014-03EE8B7FB9E5}" type="datetimeFigureOut">
               <a:rPr lang="en-US" smtClean="0"/>
-              <a:t>17/03/2014</a:t>
+              <a:t>18/03/2014</a:t>
             </a:fld>
             <a:endParaRPr lang="en-US"/>
           </a:p>
@@ -2955,7 +2956,7 @@
           <a:p>
             <a:fld id="{4EDEF9D4-7CA3-944C-A014-03EE8B7FB9E5}" type="datetimeFigureOut">
               <a:rPr lang="en-US" smtClean="0"/>
-              <a:t>17/03/2014</a:t>
+              <a:t>18/03/2014</a:t>
             </a:fld>
             <a:endParaRPr lang="en-US"/>
           </a:p>
@@ -3168,7 +3169,7 @@
           <a:p>
             <a:fld id="{4EDEF9D4-7CA3-944C-A014-03EE8B7FB9E5}" type="datetimeFigureOut">
               <a:rPr lang="en-US" smtClean="0"/>
-              <a:t>17/03/2014</a:t>
+              <a:t>18/03/2014</a:t>
             </a:fld>
             <a:endParaRPr lang="en-US"/>
           </a:p>
@@ -3899,10 +3900,22 @@
               <a:buNone/>
             </a:pPr>
             <a:r>
+              <a:rPr lang="en-US" sz="2400" smtClean="0">
+                <a:cs typeface="Consolas"/>
+              </a:rPr>
+              <a:t>Anonymous</a:t>
+            </a:r>
+            <a:r>
+              <a:rPr lang="en-US" sz="2400" smtClean="0">
+                <a:cs typeface="Consolas"/>
+              </a:rPr>
+              <a:t> </a:t>
+            </a:r>
+            <a:r>
               <a:rPr lang="en-US" sz="2400" dirty="0" smtClean="0">
                 <a:cs typeface="Consolas"/>
               </a:rPr>
-              <a:t>Other functions can’t</a:t>
+              <a:t>functions can’t</a:t>
             </a:r>
           </a:p>
           <a:p>
@@ -4473,7 +4486,7 @@
                 <a:latin typeface="Consolas"/>
                 <a:cs typeface="Consolas"/>
               </a:rPr>
-              <a:t>return “</a:t>
+              <a:t>	return “</a:t>
             </a:r>
             <a:r>
               <a:rPr lang="en-US" dirty="0" err="1">
@@ -4621,11 +4634,7 @@
           <a:p>
             <a:r>
               <a:rPr lang="en-US" dirty="0" smtClean="0"/>
-              <a:t>A recursive </a:t>
-            </a:r>
-            <a:r>
-              <a:rPr lang="en-US" dirty="0" smtClean="0"/>
-              <a:t>example</a:t>
+              <a:t>A recursive example</a:t>
             </a:r>
             <a:endParaRPr lang="en-US" dirty="0"/>
           </a:p>
@@ -4824,6 +4833,172 @@
 </file>
 
 <file path=ppt/slides/slide8.xml><?xml version="1.0" encoding="utf-8"?>
+<p:sld xmlns:a="http://schemas.openxmlformats.org/drawingml/2006/main" xmlns:r="http://schemas.openxmlformats.org/officeDocument/2006/relationships" xmlns:p="http://schemas.openxmlformats.org/presentationml/2006/main">
+  <p:cSld>
+    <p:spTree>
+      <p:nvGrpSpPr>
+        <p:cNvPr id="1" name=""/>
+        <p:cNvGrpSpPr/>
+        <p:nvPr/>
+      </p:nvGrpSpPr>
+      <p:grpSpPr>
+        <a:xfrm>
+          <a:off x="0" y="0"/>
+          <a:ext cx="0" cy="0"/>
+          <a:chOff x="0" y="0"/>
+          <a:chExt cx="0" cy="0"/>
+        </a:xfrm>
+      </p:grpSpPr>
+      <p:sp>
+        <p:nvSpPr>
+          <p:cNvPr id="2" name="Title 1"/>
+          <p:cNvSpPr>
+            <a:spLocks noGrp="1"/>
+          </p:cNvSpPr>
+          <p:nvPr>
+            <p:ph type="title"/>
+          </p:nvPr>
+        </p:nvSpPr>
+        <p:spPr/>
+        <p:txBody>
+          <a:bodyPr/>
+          <a:lstStyle/>
+          <a:p>
+            <a:r>
+              <a:rPr lang="en-US" dirty="0" smtClean="0"/>
+              <a:t>Adding properties to </a:t>
+            </a:r>
+            <a:r>
+              <a:rPr lang="en-US" dirty="0" smtClean="0"/>
+              <a:t>functions</a:t>
+            </a:r>
+            <a:endParaRPr lang="en-US" dirty="0"/>
+          </a:p>
+        </p:txBody>
+      </p:sp>
+      <p:sp>
+        <p:nvSpPr>
+          <p:cNvPr id="3" name="Content Placeholder 2"/>
+          <p:cNvSpPr>
+            <a:spLocks noGrp="1"/>
+          </p:cNvSpPr>
+          <p:nvPr>
+            <p:ph idx="1"/>
+          </p:nvPr>
+        </p:nvSpPr>
+        <p:spPr/>
+        <p:txBody>
+          <a:bodyPr/>
+          <a:lstStyle/>
+          <a:p>
+            <a:pPr marL="0" indent="0">
+              <a:buNone/>
+            </a:pPr>
+            <a:r>
+              <a:rPr lang="en-US" dirty="0" err="1" smtClean="0">
+                <a:latin typeface="Consolas"/>
+                <a:cs typeface="Consolas"/>
+              </a:rPr>
+              <a:t>var</a:t>
+            </a:r>
+            <a:r>
+              <a:rPr lang="en-US" dirty="0" smtClean="0">
+                <a:latin typeface="Consolas"/>
+                <a:cs typeface="Consolas"/>
+              </a:rPr>
+              <a:t> foo = function(){};</a:t>
+            </a:r>
+          </a:p>
+          <a:p>
+            <a:pPr marL="0" indent="0">
+              <a:buNone/>
+            </a:pPr>
+            <a:endParaRPr lang="en-US" dirty="0" smtClean="0">
+              <a:latin typeface="Consolas"/>
+              <a:cs typeface="Consolas"/>
+            </a:endParaRPr>
+          </a:p>
+          <a:p>
+            <a:pPr marL="0" indent="0">
+              <a:buNone/>
+            </a:pPr>
+            <a:r>
+              <a:rPr lang="en-US" dirty="0" err="1" smtClean="0">
+                <a:latin typeface="Consolas"/>
+                <a:cs typeface="Consolas"/>
+              </a:rPr>
+              <a:t>foo.kung</a:t>
+            </a:r>
+            <a:r>
+              <a:rPr lang="en-US" dirty="0" smtClean="0">
+                <a:latin typeface="Consolas"/>
+                <a:cs typeface="Consolas"/>
+              </a:rPr>
+              <a:t> = “</a:t>
+            </a:r>
+            <a:r>
+              <a:rPr lang="en-US" dirty="0" err="1" smtClean="0">
+                <a:latin typeface="Consolas"/>
+                <a:cs typeface="Consolas"/>
+              </a:rPr>
+              <a:t>hiyaaaa</a:t>
+            </a:r>
+            <a:r>
+              <a:rPr lang="en-US" dirty="0" smtClean="0">
+                <a:latin typeface="Consolas"/>
+                <a:cs typeface="Consolas"/>
+              </a:rPr>
+              <a:t>”;</a:t>
+            </a:r>
+          </a:p>
+          <a:p>
+            <a:pPr marL="0" indent="0">
+              <a:buNone/>
+            </a:pPr>
+            <a:endParaRPr lang="en-US" dirty="0">
+              <a:latin typeface="Consolas"/>
+              <a:cs typeface="Consolas"/>
+            </a:endParaRPr>
+          </a:p>
+          <a:p>
+            <a:r>
+              <a:rPr lang="en-US" dirty="0" smtClean="0">
+                <a:cs typeface="Consolas"/>
+              </a:rPr>
+              <a:t>but what if we want to </a:t>
+            </a:r>
+            <a:r>
+              <a:rPr lang="en-US" dirty="0" err="1" smtClean="0">
+                <a:cs typeface="Consolas"/>
+              </a:rPr>
+              <a:t>initialise</a:t>
+            </a:r>
+            <a:r>
+              <a:rPr lang="en-US" dirty="0" smtClean="0">
+                <a:cs typeface="Consolas"/>
+              </a:rPr>
+              <a:t> the properties when we define the function ?</a:t>
+            </a:r>
+            <a:endParaRPr lang="en-US" dirty="0">
+              <a:cs typeface="Consolas"/>
+            </a:endParaRPr>
+          </a:p>
+        </p:txBody>
+      </p:sp>
+    </p:spTree>
+    <p:extLst>
+      <p:ext uri="{BB962C8B-B14F-4D97-AF65-F5344CB8AC3E}">
+        <p14:creationId xmlns:p14="http://schemas.microsoft.com/office/powerpoint/2010/main" val="1227183003"/>
+      </p:ext>
+    </p:extLst>
+  </p:cSld>
+  <p:clrMapOvr>
+    <a:masterClrMapping/>
+  </p:clrMapOvr>
+</p:sld>
+</file>
+
+<file path=ppt/slides/slide9.xml><?xml version="1.0" encoding="utf-8"?>
 <p:sld xmlns:a="http://schemas.openxmlformats.org/drawingml/2006/main" xmlns:r="http://schemas.openxmlformats.org/officeDocument/2006/relationships" xmlns:p="http://schemas.openxmlformats.org/presentationml/2006/main">
   <p:cSld>
     <p:spTree>

--- a/week8/slides/week8.pptx
+++ b/week8/slides/week8.pptx
@@ -5,18 +5,27 @@
     <p:sldMasterId id="2147483648" r:id="rId1"/>
   </p:sldMasterIdLst>
   <p:notesMasterIdLst>
-    <p:notesMasterId r:id="rId11"/>
+    <p:notesMasterId r:id="rId20"/>
   </p:notesMasterIdLst>
   <p:sldIdLst>
     <p:sldId id="256" r:id="rId2"/>
-    <p:sldId id="257" r:id="rId3"/>
-    <p:sldId id="258" r:id="rId4"/>
-    <p:sldId id="259" r:id="rId5"/>
-    <p:sldId id="262" r:id="rId6"/>
+    <p:sldId id="265" r:id="rId3"/>
+    <p:sldId id="266" r:id="rId4"/>
+    <p:sldId id="262" r:id="rId5"/>
+    <p:sldId id="267" r:id="rId6"/>
     <p:sldId id="263" r:id="rId7"/>
-    <p:sldId id="260" r:id="rId8"/>
-    <p:sldId id="264" r:id="rId9"/>
-    <p:sldId id="261" r:id="rId10"/>
+    <p:sldId id="257" r:id="rId8"/>
+    <p:sldId id="258" r:id="rId9"/>
+    <p:sldId id="259" r:id="rId10"/>
+    <p:sldId id="260" r:id="rId11"/>
+    <p:sldId id="264" r:id="rId12"/>
+    <p:sldId id="261" r:id="rId13"/>
+    <p:sldId id="268" r:id="rId14"/>
+    <p:sldId id="269" r:id="rId15"/>
+    <p:sldId id="270" r:id="rId16"/>
+    <p:sldId id="271" r:id="rId17"/>
+    <p:sldId id="272" r:id="rId18"/>
+    <p:sldId id="273" r:id="rId19"/>
   </p:sldIdLst>
   <p:sldSz cx="9144000" cy="6858000" type="screen4x3"/>
   <p:notesSz cx="6858000" cy="9144000"/>
@@ -514,7 +523,279 @@
           <a:p>
             <a:r>
               <a:rPr lang="en-US" dirty="0" smtClean="0"/>
-              <a:t>follow through the procedure</a:t>
+              <a:t>JS Fiddle</a:t>
+            </a:r>
+            <a:endParaRPr lang="en-US" dirty="0"/>
+          </a:p>
+        </p:txBody>
+      </p:sp>
+      <p:sp>
+        <p:nvSpPr>
+          <p:cNvPr id="4" name="Slide Number Placeholder 3"/>
+          <p:cNvSpPr>
+            <a:spLocks noGrp="1"/>
+          </p:cNvSpPr>
+          <p:nvPr>
+            <p:ph type="sldNum" sz="quarter" idx="10"/>
+          </p:nvPr>
+        </p:nvSpPr>
+        <p:spPr/>
+        <p:txBody>
+          <a:bodyPr/>
+          <a:lstStyle/>
+          <a:p>
+            <a:fld id="{2B360446-6C9C-5548-8868-9160698D32B9}" type="slidenum">
+              <a:rPr lang="en-US" smtClean="0"/>
+              <a:t>2</a:t>
+            </a:fld>
+            <a:endParaRPr lang="en-US"/>
+          </a:p>
+        </p:txBody>
+      </p:sp>
+    </p:spTree>
+    <p:extLst>
+      <p:ext uri="{BB962C8B-B14F-4D97-AF65-F5344CB8AC3E}">
+        <p14:creationId xmlns:p14="http://schemas.microsoft.com/office/powerpoint/2010/main" val="863142794"/>
+      </p:ext>
+    </p:extLst>
+  </p:cSld>
+  <p:clrMapOvr>
+    <a:masterClrMapping/>
+  </p:clrMapOvr>
+</p:notes>
+</file>
+
+<file path=ppt/notesSlides/notesSlide2.xml><?xml version="1.0" encoding="utf-8"?>
+<p:notes xmlns:a="http://schemas.openxmlformats.org/drawingml/2006/main" xmlns:r="http://schemas.openxmlformats.org/officeDocument/2006/relationships" xmlns:p="http://schemas.openxmlformats.org/presentationml/2006/main">
+  <p:cSld>
+    <p:spTree>
+      <p:nvGrpSpPr>
+        <p:cNvPr id="1" name=""/>
+        <p:cNvGrpSpPr/>
+        <p:nvPr/>
+      </p:nvGrpSpPr>
+      <p:grpSpPr>
+        <a:xfrm>
+          <a:off x="0" y="0"/>
+          <a:ext cx="0" cy="0"/>
+          <a:chOff x="0" y="0"/>
+          <a:chExt cx="0" cy="0"/>
+        </a:xfrm>
+      </p:grpSpPr>
+      <p:sp>
+        <p:nvSpPr>
+          <p:cNvPr id="2" name="Slide Image Placeholder 1"/>
+          <p:cNvSpPr>
+            <a:spLocks noGrp="1" noRot="1" noChangeAspect="1"/>
+          </p:cNvSpPr>
+          <p:nvPr>
+            <p:ph type="sldImg"/>
+          </p:nvPr>
+        </p:nvSpPr>
+        <p:spPr/>
+      </p:sp>
+      <p:sp>
+        <p:nvSpPr>
+          <p:cNvPr id="3" name="Notes Placeholder 2"/>
+          <p:cNvSpPr>
+            <a:spLocks noGrp="1"/>
+          </p:cNvSpPr>
+          <p:nvPr>
+            <p:ph type="body" idx="1"/>
+          </p:nvPr>
+        </p:nvSpPr>
+        <p:spPr/>
+        <p:txBody>
+          <a:bodyPr/>
+          <a:lstStyle/>
+          <a:p>
+            <a:endParaRPr lang="en-US" dirty="0"/>
+          </a:p>
+        </p:txBody>
+      </p:sp>
+      <p:sp>
+        <p:nvSpPr>
+          <p:cNvPr id="4" name="Slide Number Placeholder 3"/>
+          <p:cNvSpPr>
+            <a:spLocks noGrp="1"/>
+          </p:cNvSpPr>
+          <p:nvPr>
+            <p:ph type="sldNum" sz="quarter" idx="10"/>
+          </p:nvPr>
+        </p:nvSpPr>
+        <p:spPr/>
+        <p:txBody>
+          <a:bodyPr/>
+          <a:lstStyle/>
+          <a:p>
+            <a:fld id="{2B360446-6C9C-5548-8868-9160698D32B9}" type="slidenum">
+              <a:rPr lang="en-US" smtClean="0"/>
+              <a:t>5</a:t>
+            </a:fld>
+            <a:endParaRPr lang="en-US"/>
+          </a:p>
+        </p:txBody>
+      </p:sp>
+    </p:spTree>
+    <p:extLst>
+      <p:ext uri="{BB962C8B-B14F-4D97-AF65-F5344CB8AC3E}">
+        <p14:creationId xmlns:p14="http://schemas.microsoft.com/office/powerpoint/2010/main" val="839934125"/>
+      </p:ext>
+    </p:extLst>
+  </p:cSld>
+  <p:clrMapOvr>
+    <a:masterClrMapping/>
+  </p:clrMapOvr>
+</p:notes>
+</file>
+
+<file path=ppt/notesSlides/notesSlide3.xml><?xml version="1.0" encoding="utf-8"?>
+<p:notes xmlns:a="http://schemas.openxmlformats.org/drawingml/2006/main" xmlns:r="http://schemas.openxmlformats.org/officeDocument/2006/relationships" xmlns:p="http://schemas.openxmlformats.org/presentationml/2006/main">
+  <p:cSld>
+    <p:spTree>
+      <p:nvGrpSpPr>
+        <p:cNvPr id="1" name=""/>
+        <p:cNvGrpSpPr/>
+        <p:nvPr/>
+      </p:nvGrpSpPr>
+      <p:grpSpPr>
+        <a:xfrm>
+          <a:off x="0" y="0"/>
+          <a:ext cx="0" cy="0"/>
+          <a:chOff x="0" y="0"/>
+          <a:chExt cx="0" cy="0"/>
+        </a:xfrm>
+      </p:grpSpPr>
+      <p:sp>
+        <p:nvSpPr>
+          <p:cNvPr id="2" name="Slide Image Placeholder 1"/>
+          <p:cNvSpPr>
+            <a:spLocks noGrp="1" noRot="1" noChangeAspect="1"/>
+          </p:cNvSpPr>
+          <p:nvPr>
+            <p:ph type="sldImg"/>
+          </p:nvPr>
+        </p:nvSpPr>
+        <p:spPr/>
+      </p:sp>
+      <p:sp>
+        <p:nvSpPr>
+          <p:cNvPr id="3" name="Notes Placeholder 2"/>
+          <p:cNvSpPr>
+            <a:spLocks noGrp="1"/>
+          </p:cNvSpPr>
+          <p:nvPr>
+            <p:ph type="body" idx="1"/>
+          </p:nvPr>
+        </p:nvSpPr>
+        <p:spPr/>
+        <p:txBody>
+          <a:bodyPr/>
+          <a:lstStyle/>
+          <a:p>
+            <a:r>
+              <a:rPr lang="en-US" dirty="0" smtClean="0"/>
+              <a:t>show going wrong</a:t>
+            </a:r>
+            <a:endParaRPr lang="en-US" dirty="0"/>
+          </a:p>
+        </p:txBody>
+      </p:sp>
+      <p:sp>
+        <p:nvSpPr>
+          <p:cNvPr id="4" name="Slide Number Placeholder 3"/>
+          <p:cNvSpPr>
+            <a:spLocks noGrp="1"/>
+          </p:cNvSpPr>
+          <p:nvPr>
+            <p:ph type="sldNum" sz="quarter" idx="10"/>
+          </p:nvPr>
+        </p:nvSpPr>
+        <p:spPr/>
+        <p:txBody>
+          <a:bodyPr/>
+          <a:lstStyle/>
+          <a:p>
+            <a:fld id="{2B360446-6C9C-5548-8868-9160698D32B9}" type="slidenum">
+              <a:rPr lang="en-US" smtClean="0"/>
+              <a:t>6</a:t>
+            </a:fld>
+            <a:endParaRPr lang="en-US"/>
+          </a:p>
+        </p:txBody>
+      </p:sp>
+    </p:spTree>
+    <p:extLst>
+      <p:ext uri="{BB962C8B-B14F-4D97-AF65-F5344CB8AC3E}">
+        <p14:creationId xmlns:p14="http://schemas.microsoft.com/office/powerpoint/2010/main" val="1306738294"/>
+      </p:ext>
+    </p:extLst>
+  </p:cSld>
+  <p:clrMapOvr>
+    <a:masterClrMapping/>
+  </p:clrMapOvr>
+</p:notes>
+</file>
+
+<file path=ppt/notesSlides/notesSlide4.xml><?xml version="1.0" encoding="utf-8"?>
+<p:notes xmlns:a="http://schemas.openxmlformats.org/drawingml/2006/main" xmlns:r="http://schemas.openxmlformats.org/officeDocument/2006/relationships" xmlns:p="http://schemas.openxmlformats.org/presentationml/2006/main">
+  <p:cSld>
+    <p:spTree>
+      <p:nvGrpSpPr>
+        <p:cNvPr id="1" name=""/>
+        <p:cNvGrpSpPr/>
+        <p:nvPr/>
+      </p:nvGrpSpPr>
+      <p:grpSpPr>
+        <a:xfrm>
+          <a:off x="0" y="0"/>
+          <a:ext cx="0" cy="0"/>
+          <a:chOff x="0" y="0"/>
+          <a:chExt cx="0" cy="0"/>
+        </a:xfrm>
+      </p:grpSpPr>
+      <p:sp>
+        <p:nvSpPr>
+          <p:cNvPr id="2" name="Slide Image Placeholder 1"/>
+          <p:cNvSpPr>
+            <a:spLocks noGrp="1" noRot="1" noChangeAspect="1"/>
+          </p:cNvSpPr>
+          <p:nvPr>
+            <p:ph type="sldImg"/>
+          </p:nvPr>
+        </p:nvSpPr>
+        <p:spPr/>
+      </p:sp>
+      <p:sp>
+        <p:nvSpPr>
+          <p:cNvPr id="3" name="Notes Placeholder 2"/>
+          <p:cNvSpPr>
+            <a:spLocks noGrp="1"/>
+          </p:cNvSpPr>
+          <p:nvPr>
+            <p:ph type="body" idx="1"/>
+          </p:nvPr>
+        </p:nvSpPr>
+        <p:spPr/>
+        <p:txBody>
+          <a:bodyPr/>
+          <a:lstStyle/>
+          <a:p>
+            <a:r>
+              <a:rPr lang="en-US" dirty="0" smtClean="0"/>
+              <a:t>show how</a:t>
+            </a:r>
+            <a:r>
+              <a:rPr lang="en-US" baseline="0" dirty="0" smtClean="0"/>
+              <a:t> named functions help with </a:t>
+            </a:r>
+            <a:r>
+              <a:rPr lang="en-US" baseline="0" dirty="0" err="1" smtClean="0"/>
+              <a:t>prev</a:t>
+            </a:r>
+            <a:r>
+              <a:rPr lang="en-US" baseline="0" dirty="0" smtClean="0"/>
+              <a:t> problem</a:t>
             </a:r>
             <a:endParaRPr lang="en-US" dirty="0"/>
           </a:p>
@@ -546,7 +827,367 @@
     </p:spTree>
     <p:extLst>
       <p:ext uri="{BB962C8B-B14F-4D97-AF65-F5344CB8AC3E}">
+        <p14:creationId xmlns:p14="http://schemas.microsoft.com/office/powerpoint/2010/main" val="1762995238"/>
+      </p:ext>
+    </p:extLst>
+  </p:cSld>
+  <p:clrMapOvr>
+    <a:masterClrMapping/>
+  </p:clrMapOvr>
+</p:notes>
+</file>
+
+<file path=ppt/notesSlides/notesSlide5.xml><?xml version="1.0" encoding="utf-8"?>
+<p:notes xmlns:a="http://schemas.openxmlformats.org/drawingml/2006/main" xmlns:r="http://schemas.openxmlformats.org/officeDocument/2006/relationships" xmlns:p="http://schemas.openxmlformats.org/presentationml/2006/main">
+  <p:cSld>
+    <p:spTree>
+      <p:nvGrpSpPr>
+        <p:cNvPr id="1" name=""/>
+        <p:cNvGrpSpPr/>
+        <p:nvPr/>
+      </p:nvGrpSpPr>
+      <p:grpSpPr>
+        <a:xfrm>
+          <a:off x="0" y="0"/>
+          <a:ext cx="0" cy="0"/>
+          <a:chOff x="0" y="0"/>
+          <a:chExt cx="0" cy="0"/>
+        </a:xfrm>
+      </p:grpSpPr>
+      <p:sp>
+        <p:nvSpPr>
+          <p:cNvPr id="2" name="Slide Image Placeholder 1"/>
+          <p:cNvSpPr>
+            <a:spLocks noGrp="1" noRot="1" noChangeAspect="1"/>
+          </p:cNvSpPr>
+          <p:nvPr>
+            <p:ph type="sldImg"/>
+          </p:nvPr>
+        </p:nvSpPr>
+        <p:spPr/>
+      </p:sp>
+      <p:sp>
+        <p:nvSpPr>
+          <p:cNvPr id="3" name="Notes Placeholder 2"/>
+          <p:cNvSpPr>
+            <a:spLocks noGrp="1"/>
+          </p:cNvSpPr>
+          <p:nvPr>
+            <p:ph type="body" idx="1"/>
+          </p:nvPr>
+        </p:nvSpPr>
+        <p:spPr/>
+        <p:txBody>
+          <a:bodyPr/>
+          <a:lstStyle/>
+          <a:p>
+            <a:r>
+              <a:rPr lang="en-US" dirty="0" smtClean="0"/>
+              <a:t>follow through the procedure</a:t>
+            </a:r>
+            <a:endParaRPr lang="en-US" dirty="0"/>
+          </a:p>
+        </p:txBody>
+      </p:sp>
+      <p:sp>
+        <p:nvSpPr>
+          <p:cNvPr id="4" name="Slide Number Placeholder 3"/>
+          <p:cNvSpPr>
+            <a:spLocks noGrp="1"/>
+          </p:cNvSpPr>
+          <p:nvPr>
+            <p:ph type="sldNum" sz="quarter" idx="10"/>
+          </p:nvPr>
+        </p:nvSpPr>
+        <p:spPr/>
+        <p:txBody>
+          <a:bodyPr/>
+          <a:lstStyle/>
+          <a:p>
+            <a:fld id="{2B360446-6C9C-5548-8868-9160698D32B9}" type="slidenum">
+              <a:rPr lang="en-US" smtClean="0"/>
+              <a:t>10</a:t>
+            </a:fld>
+            <a:endParaRPr lang="en-US"/>
+          </a:p>
+        </p:txBody>
+      </p:sp>
+    </p:spTree>
+    <p:extLst>
+      <p:ext uri="{BB962C8B-B14F-4D97-AF65-F5344CB8AC3E}">
         <p14:creationId xmlns:p14="http://schemas.microsoft.com/office/powerpoint/2010/main" val="1451267888"/>
+      </p:ext>
+    </p:extLst>
+  </p:cSld>
+  <p:clrMapOvr>
+    <a:masterClrMapping/>
+  </p:clrMapOvr>
+</p:notes>
+</file>
+
+<file path=ppt/notesSlides/notesSlide6.xml><?xml version="1.0" encoding="utf-8"?>
+<p:notes xmlns:a="http://schemas.openxmlformats.org/drawingml/2006/main" xmlns:r="http://schemas.openxmlformats.org/officeDocument/2006/relationships" xmlns:p="http://schemas.openxmlformats.org/presentationml/2006/main">
+  <p:cSld>
+    <p:spTree>
+      <p:nvGrpSpPr>
+        <p:cNvPr id="1" name=""/>
+        <p:cNvGrpSpPr/>
+        <p:nvPr/>
+      </p:nvGrpSpPr>
+      <p:grpSpPr>
+        <a:xfrm>
+          <a:off x="0" y="0"/>
+          <a:ext cx="0" cy="0"/>
+          <a:chOff x="0" y="0"/>
+          <a:chExt cx="0" cy="0"/>
+        </a:xfrm>
+      </p:grpSpPr>
+      <p:sp>
+        <p:nvSpPr>
+          <p:cNvPr id="2" name="Slide Image Placeholder 1"/>
+          <p:cNvSpPr>
+            <a:spLocks noGrp="1" noRot="1" noChangeAspect="1"/>
+          </p:cNvSpPr>
+          <p:nvPr>
+            <p:ph type="sldImg"/>
+          </p:nvPr>
+        </p:nvSpPr>
+        <p:spPr/>
+      </p:sp>
+      <p:sp>
+        <p:nvSpPr>
+          <p:cNvPr id="3" name="Notes Placeholder 2"/>
+          <p:cNvSpPr>
+            <a:spLocks noGrp="1"/>
+          </p:cNvSpPr>
+          <p:nvPr>
+            <p:ph type="body" idx="1"/>
+          </p:nvPr>
+        </p:nvSpPr>
+        <p:spPr/>
+        <p:txBody>
+          <a:bodyPr/>
+          <a:lstStyle/>
+          <a:p>
+            <a:r>
+              <a:rPr lang="en-US" dirty="0" smtClean="0"/>
+              <a:t>finish Ex 6</a:t>
+            </a:r>
+            <a:endParaRPr lang="en-US" dirty="0"/>
+          </a:p>
+        </p:txBody>
+      </p:sp>
+      <p:sp>
+        <p:nvSpPr>
+          <p:cNvPr id="4" name="Slide Number Placeholder 3"/>
+          <p:cNvSpPr>
+            <a:spLocks noGrp="1"/>
+          </p:cNvSpPr>
+          <p:nvPr>
+            <p:ph type="sldNum" sz="quarter" idx="10"/>
+          </p:nvPr>
+        </p:nvSpPr>
+        <p:spPr/>
+        <p:txBody>
+          <a:bodyPr/>
+          <a:lstStyle/>
+          <a:p>
+            <a:fld id="{2B360446-6C9C-5548-8868-9160698D32B9}" type="slidenum">
+              <a:rPr lang="en-US" smtClean="0"/>
+              <a:t>14</a:t>
+            </a:fld>
+            <a:endParaRPr lang="en-US"/>
+          </a:p>
+        </p:txBody>
+      </p:sp>
+    </p:spTree>
+    <p:extLst>
+      <p:ext uri="{BB962C8B-B14F-4D97-AF65-F5344CB8AC3E}">
+        <p14:creationId xmlns:p14="http://schemas.microsoft.com/office/powerpoint/2010/main" val="2749020060"/>
+      </p:ext>
+    </p:extLst>
+  </p:cSld>
+  <p:clrMapOvr>
+    <a:masterClrMapping/>
+  </p:clrMapOvr>
+</p:notes>
+</file>
+
+<file path=ppt/notesSlides/notesSlide7.xml><?xml version="1.0" encoding="utf-8"?>
+<p:notes xmlns:a="http://schemas.openxmlformats.org/drawingml/2006/main" xmlns:r="http://schemas.openxmlformats.org/officeDocument/2006/relationships" xmlns:p="http://schemas.openxmlformats.org/presentationml/2006/main">
+  <p:cSld>
+    <p:spTree>
+      <p:nvGrpSpPr>
+        <p:cNvPr id="1" name=""/>
+        <p:cNvGrpSpPr/>
+        <p:nvPr/>
+      </p:nvGrpSpPr>
+      <p:grpSpPr>
+        <a:xfrm>
+          <a:off x="0" y="0"/>
+          <a:ext cx="0" cy="0"/>
+          <a:chOff x="0" y="0"/>
+          <a:chExt cx="0" cy="0"/>
+        </a:xfrm>
+      </p:grpSpPr>
+      <p:sp>
+        <p:nvSpPr>
+          <p:cNvPr id="2" name="Slide Image Placeholder 1"/>
+          <p:cNvSpPr>
+            <a:spLocks noGrp="1" noRot="1" noChangeAspect="1"/>
+          </p:cNvSpPr>
+          <p:nvPr>
+            <p:ph type="sldImg"/>
+          </p:nvPr>
+        </p:nvSpPr>
+        <p:spPr/>
+      </p:sp>
+      <p:sp>
+        <p:nvSpPr>
+          <p:cNvPr id="3" name="Notes Placeholder 2"/>
+          <p:cNvSpPr>
+            <a:spLocks noGrp="1"/>
+          </p:cNvSpPr>
+          <p:nvPr>
+            <p:ph type="body" idx="1"/>
+          </p:nvPr>
+        </p:nvSpPr>
+        <p:spPr/>
+        <p:txBody>
+          <a:bodyPr/>
+          <a:lstStyle/>
+          <a:p>
+            <a:r>
+              <a:rPr lang="en-US" dirty="0" smtClean="0"/>
+              <a:t>go through</a:t>
+            </a:r>
+            <a:r>
+              <a:rPr lang="en-US" baseline="0" dirty="0" smtClean="0"/>
+              <a:t> points 1 – 4 exclude 2 until later</a:t>
+            </a:r>
+            <a:endParaRPr lang="en-US" dirty="0"/>
+          </a:p>
+        </p:txBody>
+      </p:sp>
+      <p:sp>
+        <p:nvSpPr>
+          <p:cNvPr id="4" name="Slide Number Placeholder 3"/>
+          <p:cNvSpPr>
+            <a:spLocks noGrp="1"/>
+          </p:cNvSpPr>
+          <p:nvPr>
+            <p:ph type="sldNum" sz="quarter" idx="10"/>
+          </p:nvPr>
+        </p:nvSpPr>
+        <p:spPr/>
+        <p:txBody>
+          <a:bodyPr/>
+          <a:lstStyle/>
+          <a:p>
+            <a:fld id="{2B360446-6C9C-5548-8868-9160698D32B9}" type="slidenum">
+              <a:rPr lang="en-US" smtClean="0"/>
+              <a:t>15</a:t>
+            </a:fld>
+            <a:endParaRPr lang="en-US"/>
+          </a:p>
+        </p:txBody>
+      </p:sp>
+    </p:spTree>
+    <p:extLst>
+      <p:ext uri="{BB962C8B-B14F-4D97-AF65-F5344CB8AC3E}">
+        <p14:creationId xmlns:p14="http://schemas.microsoft.com/office/powerpoint/2010/main" val="289522412"/>
+      </p:ext>
+    </p:extLst>
+  </p:cSld>
+  <p:clrMapOvr>
+    <a:masterClrMapping/>
+  </p:clrMapOvr>
+</p:notes>
+</file>
+
+<file path=ppt/notesSlides/notesSlide8.xml><?xml version="1.0" encoding="utf-8"?>
+<p:notes xmlns:a="http://schemas.openxmlformats.org/drawingml/2006/main" xmlns:r="http://schemas.openxmlformats.org/officeDocument/2006/relationships" xmlns:p="http://schemas.openxmlformats.org/presentationml/2006/main">
+  <p:cSld>
+    <p:spTree>
+      <p:nvGrpSpPr>
+        <p:cNvPr id="1" name=""/>
+        <p:cNvGrpSpPr/>
+        <p:nvPr/>
+      </p:nvGrpSpPr>
+      <p:grpSpPr>
+        <a:xfrm>
+          <a:off x="0" y="0"/>
+          <a:ext cx="0" cy="0"/>
+          <a:chOff x="0" y="0"/>
+          <a:chExt cx="0" cy="0"/>
+        </a:xfrm>
+      </p:grpSpPr>
+      <p:sp>
+        <p:nvSpPr>
+          <p:cNvPr id="2" name="Slide Image Placeholder 1"/>
+          <p:cNvSpPr>
+            <a:spLocks noGrp="1" noRot="1" noChangeAspect="1"/>
+          </p:cNvSpPr>
+          <p:nvPr>
+            <p:ph type="sldImg"/>
+          </p:nvPr>
+        </p:nvSpPr>
+        <p:spPr/>
+      </p:sp>
+      <p:sp>
+        <p:nvSpPr>
+          <p:cNvPr id="3" name="Notes Placeholder 2"/>
+          <p:cNvSpPr>
+            <a:spLocks noGrp="1"/>
+          </p:cNvSpPr>
+          <p:nvPr>
+            <p:ph type="body" idx="1"/>
+          </p:nvPr>
+        </p:nvSpPr>
+        <p:spPr/>
+        <p:txBody>
+          <a:bodyPr/>
+          <a:lstStyle/>
+          <a:p>
+            <a:r>
+              <a:rPr lang="en-US" dirty="0" smtClean="0"/>
+              <a:t>demonstrate</a:t>
+            </a:r>
+            <a:r>
+              <a:rPr lang="en-US" baseline="0" dirty="0" smtClean="0"/>
+              <a:t> in console as well</a:t>
+            </a:r>
+            <a:endParaRPr lang="en-US" dirty="0"/>
+          </a:p>
+        </p:txBody>
+      </p:sp>
+      <p:sp>
+        <p:nvSpPr>
+          <p:cNvPr id="4" name="Slide Number Placeholder 3"/>
+          <p:cNvSpPr>
+            <a:spLocks noGrp="1"/>
+          </p:cNvSpPr>
+          <p:nvPr>
+            <p:ph type="sldNum" sz="quarter" idx="10"/>
+          </p:nvPr>
+        </p:nvSpPr>
+        <p:spPr/>
+        <p:txBody>
+          <a:bodyPr/>
+          <a:lstStyle/>
+          <a:p>
+            <a:fld id="{2B360446-6C9C-5548-8868-9160698D32B9}" type="slidenum">
+              <a:rPr lang="en-US" smtClean="0"/>
+              <a:t>17</a:t>
+            </a:fld>
+            <a:endParaRPr lang="en-US"/>
+          </a:p>
+        </p:txBody>
+      </p:sp>
+    </p:spTree>
+    <p:extLst>
+      <p:ext uri="{BB962C8B-B14F-4D97-AF65-F5344CB8AC3E}">
+        <p14:creationId xmlns:p14="http://schemas.microsoft.com/office/powerpoint/2010/main" val="882737715"/>
       </p:ext>
     </p:extLst>
   </p:cSld>
@@ -3580,6 +4221,2722 @@
 </p:sld>
 </file>
 
+<file path=ppt/slides/slide10.xml><?xml version="1.0" encoding="utf-8"?>
+<p:sld xmlns:a="http://schemas.openxmlformats.org/drawingml/2006/main" xmlns:r="http://schemas.openxmlformats.org/officeDocument/2006/relationships" xmlns:p="http://schemas.openxmlformats.org/presentationml/2006/main">
+  <p:cSld>
+    <p:spTree>
+      <p:nvGrpSpPr>
+        <p:cNvPr id="1" name=""/>
+        <p:cNvGrpSpPr/>
+        <p:nvPr/>
+      </p:nvGrpSpPr>
+      <p:grpSpPr>
+        <a:xfrm>
+          <a:off x="0" y="0"/>
+          <a:ext cx="0" cy="0"/>
+          <a:chOff x="0" y="0"/>
+          <a:chExt cx="0" cy="0"/>
+        </a:xfrm>
+      </p:grpSpPr>
+      <p:sp>
+        <p:nvSpPr>
+          <p:cNvPr id="2" name="Title 1"/>
+          <p:cNvSpPr>
+            <a:spLocks noGrp="1"/>
+          </p:cNvSpPr>
+          <p:nvPr>
+            <p:ph type="title"/>
+          </p:nvPr>
+        </p:nvSpPr>
+        <p:spPr/>
+        <p:txBody>
+          <a:bodyPr/>
+          <a:lstStyle/>
+          <a:p>
+            <a:r>
+              <a:rPr lang="en-US" dirty="0" smtClean="0"/>
+              <a:t>A recursive example</a:t>
+            </a:r>
+            <a:endParaRPr lang="en-US" dirty="0"/>
+          </a:p>
+        </p:txBody>
+      </p:sp>
+      <p:pic>
+        <p:nvPicPr>
+          <p:cNvPr id="4" name="Picture 3"/>
+          <p:cNvPicPr>
+            <a:picLocks noChangeAspect="1"/>
+          </p:cNvPicPr>
+          <p:nvPr/>
+        </p:nvPicPr>
+        <p:blipFill>
+          <a:blip r:embed="rId3"/>
+          <a:stretch>
+            <a:fillRect/>
+          </a:stretch>
+        </p:blipFill>
+        <p:spPr>
+          <a:xfrm flipH="1">
+            <a:off x="4074075" y="2965990"/>
+            <a:ext cx="4745580" cy="3288009"/>
+          </a:xfrm>
+          <a:prstGeom prst="rect">
+            <a:avLst/>
+          </a:prstGeom>
+        </p:spPr>
+      </p:pic>
+      <p:sp>
+        <p:nvSpPr>
+          <p:cNvPr id="3" name="Content Placeholder 2"/>
+          <p:cNvSpPr>
+            <a:spLocks noGrp="1"/>
+          </p:cNvSpPr>
+          <p:nvPr>
+            <p:ph idx="1"/>
+          </p:nvPr>
+        </p:nvSpPr>
+        <p:spPr/>
+        <p:txBody>
+          <a:bodyPr/>
+          <a:lstStyle/>
+          <a:p>
+            <a:pPr marL="0" indent="0">
+              <a:buNone/>
+            </a:pPr>
+            <a:r>
+              <a:rPr lang="en-US" sz="2400" dirty="0">
+                <a:latin typeface="Consolas"/>
+                <a:cs typeface="Consolas"/>
+              </a:rPr>
+              <a:t>function yell(n){ </a:t>
+            </a:r>
+          </a:p>
+          <a:p>
+            <a:pPr marL="0" indent="0">
+              <a:buNone/>
+            </a:pPr>
+            <a:r>
+              <a:rPr lang="en-US" sz="2400" dirty="0">
+                <a:latin typeface="Consolas"/>
+                <a:cs typeface="Consolas"/>
+              </a:rPr>
+              <a:t>  return </a:t>
+            </a:r>
+            <a:r>
+              <a:rPr lang="en-US" sz="2400" dirty="0" smtClean="0">
+                <a:latin typeface="Consolas"/>
+                <a:cs typeface="Consolas"/>
+              </a:rPr>
+              <a:t>(n </a:t>
+            </a:r>
+            <a:r>
+              <a:rPr lang="en-US" sz="2400" dirty="0">
+                <a:latin typeface="Consolas"/>
+                <a:cs typeface="Consolas"/>
+              </a:rPr>
+              <a:t>&gt; </a:t>
+            </a:r>
+            <a:r>
+              <a:rPr lang="en-US" sz="2400" dirty="0" smtClean="0">
+                <a:latin typeface="Consolas"/>
+                <a:cs typeface="Consolas"/>
+              </a:rPr>
+              <a:t>0) </a:t>
+            </a:r>
+            <a:r>
+              <a:rPr lang="en-US" sz="2400" dirty="0">
+                <a:latin typeface="Consolas"/>
+                <a:cs typeface="Consolas"/>
+              </a:rPr>
+              <a:t>? yell(n-1) + "a" : "</a:t>
+            </a:r>
+            <a:r>
+              <a:rPr lang="en-US" sz="2400" dirty="0" err="1">
+                <a:latin typeface="Consolas"/>
+                <a:cs typeface="Consolas"/>
+              </a:rPr>
+              <a:t>hiy</a:t>
+            </a:r>
+            <a:r>
+              <a:rPr lang="en-US" sz="2400" dirty="0">
+                <a:latin typeface="Consolas"/>
+                <a:cs typeface="Consolas"/>
+              </a:rPr>
+              <a:t>"; </a:t>
+            </a:r>
+          </a:p>
+          <a:p>
+            <a:pPr marL="0" indent="0">
+              <a:buNone/>
+            </a:pPr>
+            <a:r>
+              <a:rPr lang="en-US" sz="2400" dirty="0">
+                <a:latin typeface="Consolas"/>
+                <a:cs typeface="Consolas"/>
+              </a:rPr>
+              <a:t>} </a:t>
+            </a:r>
+            <a:endParaRPr lang="en-US" sz="2400" dirty="0" smtClean="0">
+              <a:latin typeface="Consolas"/>
+              <a:cs typeface="Consolas"/>
+            </a:endParaRPr>
+          </a:p>
+          <a:p>
+            <a:pPr marL="0" indent="0">
+              <a:buNone/>
+            </a:pPr>
+            <a:endParaRPr lang="en-US" sz="2400" dirty="0">
+              <a:latin typeface="Consolas"/>
+              <a:cs typeface="Consolas"/>
+            </a:endParaRPr>
+          </a:p>
+          <a:p>
+            <a:pPr marL="0" indent="0">
+              <a:buNone/>
+            </a:pPr>
+            <a:r>
+              <a:rPr lang="en-US" sz="2400" dirty="0" err="1" smtClean="0">
+                <a:latin typeface="Consolas"/>
+                <a:cs typeface="Consolas"/>
+              </a:rPr>
+              <a:t>console.log</a:t>
+            </a:r>
+            <a:r>
+              <a:rPr lang="en-US" sz="2400" dirty="0" smtClean="0">
+                <a:latin typeface="Consolas"/>
+                <a:cs typeface="Consolas"/>
+              </a:rPr>
+              <a:t>(yell(4));</a:t>
+            </a:r>
+          </a:p>
+          <a:p>
+            <a:pPr marL="0" indent="0">
+              <a:buNone/>
+            </a:pPr>
+            <a:endParaRPr lang="en-US" sz="2400" dirty="0" smtClean="0">
+              <a:latin typeface="Consolas"/>
+              <a:cs typeface="Consolas"/>
+            </a:endParaRPr>
+          </a:p>
+          <a:p>
+            <a:r>
+              <a:rPr lang="en-US" sz="2400" dirty="0" smtClean="0">
+                <a:cs typeface="Consolas"/>
+              </a:rPr>
+              <a:t>can you predict the output ?</a:t>
+            </a:r>
+            <a:endParaRPr lang="en-US" sz="2400" dirty="0">
+              <a:cs typeface="Consolas"/>
+            </a:endParaRPr>
+          </a:p>
+          <a:p>
+            <a:pPr marL="0" indent="0">
+              <a:buNone/>
+            </a:pPr>
+            <a:endParaRPr lang="en-US" sz="2400" dirty="0">
+              <a:latin typeface="Consolas"/>
+              <a:cs typeface="Consolas"/>
+            </a:endParaRPr>
+          </a:p>
+        </p:txBody>
+      </p:sp>
+    </p:spTree>
+    <p:extLst>
+      <p:ext uri="{BB962C8B-B14F-4D97-AF65-F5344CB8AC3E}">
+        <p14:creationId xmlns:p14="http://schemas.microsoft.com/office/powerpoint/2010/main" val="2813231312"/>
+      </p:ext>
+    </p:extLst>
+  </p:cSld>
+  <p:clrMapOvr>
+    <a:masterClrMapping/>
+  </p:clrMapOvr>
+  <p:timing>
+    <p:tnLst>
+      <p:par>
+        <p:cTn xmlns:p14="http://schemas.microsoft.com/office/powerpoint/2010/main" id="1" dur="indefinite" restart="never" nodeType="tmRoot"/>
+      </p:par>
+    </p:tnLst>
+  </p:timing>
+</p:sld>
+</file>
+
+<file path=ppt/slides/slide11.xml><?xml version="1.0" encoding="utf-8"?>
+<p:sld xmlns:a="http://schemas.openxmlformats.org/drawingml/2006/main" xmlns:r="http://schemas.openxmlformats.org/officeDocument/2006/relationships" xmlns:p="http://schemas.openxmlformats.org/presentationml/2006/main">
+  <p:cSld>
+    <p:spTree>
+      <p:nvGrpSpPr>
+        <p:cNvPr id="1" name=""/>
+        <p:cNvGrpSpPr/>
+        <p:nvPr/>
+      </p:nvGrpSpPr>
+      <p:grpSpPr>
+        <a:xfrm>
+          <a:off x="0" y="0"/>
+          <a:ext cx="0" cy="0"/>
+          <a:chOff x="0" y="0"/>
+          <a:chExt cx="0" cy="0"/>
+        </a:xfrm>
+      </p:grpSpPr>
+      <p:sp>
+        <p:nvSpPr>
+          <p:cNvPr id="2" name="Title 1"/>
+          <p:cNvSpPr>
+            <a:spLocks noGrp="1"/>
+          </p:cNvSpPr>
+          <p:nvPr>
+            <p:ph type="title"/>
+          </p:nvPr>
+        </p:nvSpPr>
+        <p:spPr/>
+        <p:txBody>
+          <a:bodyPr/>
+          <a:lstStyle/>
+          <a:p>
+            <a:r>
+              <a:rPr lang="en-US" dirty="0" smtClean="0"/>
+              <a:t>Adding properties to functions</a:t>
+            </a:r>
+            <a:endParaRPr lang="en-US" dirty="0"/>
+          </a:p>
+        </p:txBody>
+      </p:sp>
+      <p:sp>
+        <p:nvSpPr>
+          <p:cNvPr id="3" name="Content Placeholder 2"/>
+          <p:cNvSpPr>
+            <a:spLocks noGrp="1"/>
+          </p:cNvSpPr>
+          <p:nvPr>
+            <p:ph idx="1"/>
+          </p:nvPr>
+        </p:nvSpPr>
+        <p:spPr/>
+        <p:txBody>
+          <a:bodyPr/>
+          <a:lstStyle/>
+          <a:p>
+            <a:pPr marL="0" indent="0">
+              <a:buNone/>
+            </a:pPr>
+            <a:r>
+              <a:rPr lang="en-US" dirty="0" smtClean="0">
+                <a:latin typeface="Consolas"/>
+                <a:cs typeface="Consolas"/>
+              </a:rPr>
+              <a:t>function foo(</a:t>
+            </a:r>
+            <a:r>
+              <a:rPr lang="en-US" dirty="0" smtClean="0">
+                <a:latin typeface="Consolas"/>
+                <a:cs typeface="Consolas"/>
+              </a:rPr>
+              <a:t>){};</a:t>
+            </a:r>
+          </a:p>
+          <a:p>
+            <a:pPr marL="0" indent="0">
+              <a:buNone/>
+            </a:pPr>
+            <a:endParaRPr lang="en-US" dirty="0" smtClean="0">
+              <a:latin typeface="Consolas"/>
+              <a:cs typeface="Consolas"/>
+            </a:endParaRPr>
+          </a:p>
+          <a:p>
+            <a:pPr marL="0" indent="0">
+              <a:buNone/>
+            </a:pPr>
+            <a:r>
+              <a:rPr lang="en-US" dirty="0" err="1" smtClean="0">
+                <a:latin typeface="Consolas"/>
+                <a:cs typeface="Consolas"/>
+              </a:rPr>
+              <a:t>foo.kung</a:t>
+            </a:r>
+            <a:r>
+              <a:rPr lang="en-US" dirty="0" smtClean="0">
+                <a:latin typeface="Consolas"/>
+                <a:cs typeface="Consolas"/>
+              </a:rPr>
+              <a:t> = “</a:t>
+            </a:r>
+            <a:r>
+              <a:rPr lang="en-US" dirty="0" err="1" smtClean="0">
+                <a:latin typeface="Consolas"/>
+                <a:cs typeface="Consolas"/>
+              </a:rPr>
+              <a:t>hiyaaaa</a:t>
+            </a:r>
+            <a:r>
+              <a:rPr lang="en-US" dirty="0" smtClean="0">
+                <a:latin typeface="Consolas"/>
+                <a:cs typeface="Consolas"/>
+              </a:rPr>
+              <a:t>”;</a:t>
+            </a:r>
+          </a:p>
+          <a:p>
+            <a:pPr marL="0" indent="0">
+              <a:buNone/>
+            </a:pPr>
+            <a:endParaRPr lang="en-US" dirty="0">
+              <a:latin typeface="Consolas"/>
+              <a:cs typeface="Consolas"/>
+            </a:endParaRPr>
+          </a:p>
+          <a:p>
+            <a:r>
+              <a:rPr lang="en-US" dirty="0">
+                <a:cs typeface="Consolas"/>
+              </a:rPr>
+              <a:t>B</a:t>
+            </a:r>
+            <a:r>
+              <a:rPr lang="en-US" dirty="0" smtClean="0">
+                <a:cs typeface="Consolas"/>
+              </a:rPr>
+              <a:t>ut this isn’t very useful. I can’t refer to the property inside function itself.</a:t>
+            </a:r>
+            <a:endParaRPr lang="en-US" dirty="0">
+              <a:cs typeface="Consolas"/>
+            </a:endParaRPr>
+          </a:p>
+        </p:txBody>
+      </p:sp>
+    </p:spTree>
+    <p:extLst>
+      <p:ext uri="{BB962C8B-B14F-4D97-AF65-F5344CB8AC3E}">
+        <p14:creationId xmlns:p14="http://schemas.microsoft.com/office/powerpoint/2010/main" val="1227183003"/>
+      </p:ext>
+    </p:extLst>
+  </p:cSld>
+  <p:clrMapOvr>
+    <a:masterClrMapping/>
+  </p:clrMapOvr>
+  <p:timing>
+    <p:tnLst>
+      <p:par>
+        <p:cTn xmlns:p14="http://schemas.microsoft.com/office/powerpoint/2010/main" id="1" dur="indefinite" restart="never" nodeType="tmRoot"/>
+      </p:par>
+    </p:tnLst>
+  </p:timing>
+</p:sld>
+</file>
+
+<file path=ppt/slides/slide12.xml><?xml version="1.0" encoding="utf-8"?>
+<p:sld xmlns:a="http://schemas.openxmlformats.org/drawingml/2006/main" xmlns:r="http://schemas.openxmlformats.org/officeDocument/2006/relationships" xmlns:p="http://schemas.openxmlformats.org/presentationml/2006/main">
+  <p:cSld>
+    <p:spTree>
+      <p:nvGrpSpPr>
+        <p:cNvPr id="1" name=""/>
+        <p:cNvGrpSpPr/>
+        <p:nvPr/>
+      </p:nvGrpSpPr>
+      <p:grpSpPr>
+        <a:xfrm>
+          <a:off x="0" y="0"/>
+          <a:ext cx="0" cy="0"/>
+          <a:chOff x="0" y="0"/>
+          <a:chExt cx="0" cy="0"/>
+        </a:xfrm>
+      </p:grpSpPr>
+      <p:sp>
+        <p:nvSpPr>
+          <p:cNvPr id="2" name="Title 1"/>
+          <p:cNvSpPr>
+            <a:spLocks noGrp="1"/>
+          </p:cNvSpPr>
+          <p:nvPr>
+            <p:ph type="title"/>
+          </p:nvPr>
+        </p:nvSpPr>
+        <p:spPr/>
+        <p:txBody>
+          <a:bodyPr>
+            <a:normAutofit fontScale="90000"/>
+          </a:bodyPr>
+          <a:lstStyle/>
+          <a:p>
+            <a:r>
+              <a:rPr lang="en-US" dirty="0" smtClean="0"/>
+              <a:t>Instantiating an object from a function</a:t>
+            </a:r>
+            <a:endParaRPr lang="en-US" dirty="0"/>
+          </a:p>
+        </p:txBody>
+      </p:sp>
+      <p:sp>
+        <p:nvSpPr>
+          <p:cNvPr id="3" name="Content Placeholder 2"/>
+          <p:cNvSpPr>
+            <a:spLocks noGrp="1"/>
+          </p:cNvSpPr>
+          <p:nvPr>
+            <p:ph idx="1"/>
+          </p:nvPr>
+        </p:nvSpPr>
+        <p:spPr/>
+        <p:txBody>
+          <a:bodyPr/>
+          <a:lstStyle/>
+          <a:p>
+            <a:pPr marL="0" indent="0">
+              <a:buNone/>
+            </a:pPr>
+            <a:r>
+              <a:rPr lang="en-US" dirty="0" smtClean="0">
+                <a:latin typeface="Consolas"/>
+                <a:cs typeface="Consolas"/>
+              </a:rPr>
+              <a:t>function Ninja(){};</a:t>
+            </a:r>
+          </a:p>
+          <a:p>
+            <a:pPr marL="0" indent="0">
+              <a:buNone/>
+            </a:pPr>
+            <a:endParaRPr lang="en-US" dirty="0">
+              <a:latin typeface="Consolas"/>
+              <a:cs typeface="Consolas"/>
+            </a:endParaRPr>
+          </a:p>
+          <a:p>
+            <a:pPr marL="0" indent="0">
+              <a:buNone/>
+            </a:pPr>
+            <a:r>
+              <a:rPr lang="en-US" dirty="0" err="1" smtClean="0">
+                <a:latin typeface="Consolas"/>
+                <a:cs typeface="Consolas"/>
+              </a:rPr>
+              <a:t>var</a:t>
+            </a:r>
+            <a:r>
+              <a:rPr lang="en-US" dirty="0" smtClean="0">
+                <a:latin typeface="Consolas"/>
+                <a:cs typeface="Consolas"/>
+              </a:rPr>
+              <a:t> ninja = new Ninja();</a:t>
+            </a:r>
+          </a:p>
+          <a:p>
+            <a:pPr marL="0" indent="0">
+              <a:buNone/>
+            </a:pPr>
+            <a:endParaRPr lang="en-US" dirty="0">
+              <a:latin typeface="Consolas"/>
+              <a:cs typeface="Consolas"/>
+            </a:endParaRPr>
+          </a:p>
+          <a:p>
+            <a:r>
+              <a:rPr lang="en-US" dirty="0" smtClean="0">
+                <a:cs typeface="Consolas"/>
+              </a:rPr>
+              <a:t>Now we have an object ninja</a:t>
+            </a:r>
+          </a:p>
+          <a:p>
+            <a:r>
+              <a:rPr lang="en-US" i="1" dirty="0" smtClean="0">
+                <a:cs typeface="Consolas"/>
+              </a:rPr>
+              <a:t>Look at ‘6. objects from functions’</a:t>
+            </a:r>
+            <a:r>
+              <a:rPr lang="en-US" dirty="0" smtClean="0">
+                <a:cs typeface="Consolas"/>
+              </a:rPr>
+              <a:t> </a:t>
+            </a:r>
+            <a:endParaRPr lang="en-US" dirty="0">
+              <a:cs typeface="Consolas"/>
+            </a:endParaRPr>
+          </a:p>
+        </p:txBody>
+      </p:sp>
+    </p:spTree>
+    <p:extLst>
+      <p:ext uri="{BB962C8B-B14F-4D97-AF65-F5344CB8AC3E}">
+        <p14:creationId xmlns:p14="http://schemas.microsoft.com/office/powerpoint/2010/main" val="3902866657"/>
+      </p:ext>
+    </p:extLst>
+  </p:cSld>
+  <p:clrMapOvr>
+    <a:masterClrMapping/>
+  </p:clrMapOvr>
+  <p:timing>
+    <p:tnLst>
+      <p:par>
+        <p:cTn xmlns:p14="http://schemas.microsoft.com/office/powerpoint/2010/main" id="1" dur="indefinite" restart="never" nodeType="tmRoot"/>
+      </p:par>
+    </p:tnLst>
+  </p:timing>
+</p:sld>
+</file>
+
+<file path=ppt/slides/slide13.xml><?xml version="1.0" encoding="utf-8"?>
+<p:sld xmlns:a="http://schemas.openxmlformats.org/drawingml/2006/main" xmlns:r="http://schemas.openxmlformats.org/officeDocument/2006/relationships" xmlns:p="http://schemas.openxmlformats.org/presentationml/2006/main">
+  <p:cSld>
+    <p:spTree>
+      <p:nvGrpSpPr>
+        <p:cNvPr id="1" name=""/>
+        <p:cNvGrpSpPr/>
+        <p:nvPr/>
+      </p:nvGrpSpPr>
+      <p:grpSpPr>
+        <a:xfrm>
+          <a:off x="0" y="0"/>
+          <a:ext cx="0" cy="0"/>
+          <a:chOff x="0" y="0"/>
+          <a:chExt cx="0" cy="0"/>
+        </a:xfrm>
+      </p:grpSpPr>
+      <p:sp>
+        <p:nvSpPr>
+          <p:cNvPr id="2" name="Title 1"/>
+          <p:cNvSpPr>
+            <a:spLocks noGrp="1"/>
+          </p:cNvSpPr>
+          <p:nvPr>
+            <p:ph type="title"/>
+          </p:nvPr>
+        </p:nvSpPr>
+        <p:spPr/>
+        <p:txBody>
+          <a:bodyPr/>
+          <a:lstStyle/>
+          <a:p>
+            <a:r>
+              <a:rPr lang="en-US" dirty="0" smtClean="0"/>
+              <a:t>Properties &amp; arguments</a:t>
+            </a:r>
+            <a:endParaRPr lang="en-US" dirty="0"/>
+          </a:p>
+        </p:txBody>
+      </p:sp>
+      <p:sp>
+        <p:nvSpPr>
+          <p:cNvPr id="3" name="Content Placeholder 2"/>
+          <p:cNvSpPr>
+            <a:spLocks noGrp="1"/>
+          </p:cNvSpPr>
+          <p:nvPr>
+            <p:ph idx="1"/>
+          </p:nvPr>
+        </p:nvSpPr>
+        <p:spPr/>
+        <p:txBody>
+          <a:bodyPr/>
+          <a:lstStyle/>
+          <a:p>
+            <a:pPr marL="0" indent="0">
+              <a:buNone/>
+            </a:pPr>
+            <a:r>
+              <a:rPr lang="en-US" sz="2400" dirty="0">
+                <a:latin typeface="Consolas"/>
+                <a:cs typeface="Consolas"/>
+              </a:rPr>
+              <a:t>function Ninja</a:t>
+            </a:r>
+            <a:r>
+              <a:rPr lang="en-US" sz="2400" dirty="0" smtClean="0">
+                <a:latin typeface="Consolas"/>
+                <a:cs typeface="Consolas"/>
+              </a:rPr>
+              <a:t>(yell){</a:t>
+            </a:r>
+          </a:p>
+          <a:p>
+            <a:pPr marL="0" indent="0">
+              <a:buNone/>
+            </a:pPr>
+            <a:r>
+              <a:rPr lang="en-US" sz="2400" dirty="0" smtClean="0">
+                <a:latin typeface="Consolas"/>
+                <a:cs typeface="Consolas"/>
+              </a:rPr>
+              <a:t>	</a:t>
+            </a:r>
+            <a:r>
+              <a:rPr lang="en-US" sz="2400" dirty="0" err="1" smtClean="0">
+                <a:latin typeface="Consolas"/>
+                <a:cs typeface="Consolas"/>
+              </a:rPr>
+              <a:t>this.yell</a:t>
+            </a:r>
+            <a:r>
+              <a:rPr lang="en-US" sz="2400" dirty="0" smtClean="0">
+                <a:latin typeface="Consolas"/>
+                <a:cs typeface="Consolas"/>
+              </a:rPr>
+              <a:t> = yell;</a:t>
+            </a:r>
+          </a:p>
+          <a:p>
+            <a:pPr marL="0" indent="0">
+              <a:buNone/>
+            </a:pPr>
+            <a:r>
+              <a:rPr lang="en-US" sz="2400" dirty="0">
+                <a:latin typeface="Consolas"/>
+                <a:cs typeface="Consolas"/>
+              </a:rPr>
+              <a:t>	</a:t>
+            </a:r>
+            <a:r>
+              <a:rPr lang="en-US" sz="2400" dirty="0" err="1" smtClean="0">
+                <a:latin typeface="Consolas"/>
+                <a:cs typeface="Consolas"/>
+              </a:rPr>
+              <a:t>var</a:t>
+            </a:r>
+            <a:r>
+              <a:rPr lang="en-US" sz="2400" dirty="0" smtClean="0">
+                <a:latin typeface="Consolas"/>
+                <a:cs typeface="Consolas"/>
+              </a:rPr>
+              <a:t> </a:t>
+            </a:r>
+            <a:r>
+              <a:rPr lang="en-US" sz="2400" dirty="0" err="1" smtClean="0">
+                <a:latin typeface="Consolas"/>
+                <a:cs typeface="Consolas"/>
+              </a:rPr>
+              <a:t>ninjaSecret</a:t>
+            </a:r>
+            <a:r>
+              <a:rPr lang="en-US" sz="2400" dirty="0" smtClean="0">
+                <a:latin typeface="Consolas"/>
+                <a:cs typeface="Consolas"/>
+              </a:rPr>
+              <a:t> = “?” //a private property</a:t>
+            </a:r>
+          </a:p>
+          <a:p>
+            <a:pPr marL="0" indent="0">
+              <a:buNone/>
+            </a:pPr>
+            <a:endParaRPr lang="en-US" sz="2400" dirty="0">
+              <a:latin typeface="Consolas"/>
+              <a:cs typeface="Consolas"/>
+            </a:endParaRPr>
+          </a:p>
+          <a:p>
+            <a:pPr marL="0" indent="0">
+              <a:buNone/>
+            </a:pPr>
+            <a:r>
+              <a:rPr lang="en-US" sz="2400" dirty="0" smtClean="0">
+                <a:latin typeface="Consolas"/>
+                <a:cs typeface="Consolas"/>
+              </a:rPr>
+              <a:t>	//this is a constructor function</a:t>
+            </a:r>
+          </a:p>
+          <a:p>
+            <a:pPr marL="0" indent="0">
+              <a:buNone/>
+            </a:pPr>
+            <a:endParaRPr lang="en-US" sz="2400" dirty="0">
+              <a:latin typeface="Consolas"/>
+              <a:cs typeface="Consolas"/>
+            </a:endParaRPr>
+          </a:p>
+          <a:p>
+            <a:pPr marL="0" indent="0">
+              <a:buNone/>
+            </a:pPr>
+            <a:r>
+              <a:rPr lang="en-US" sz="2400" dirty="0" smtClean="0">
+                <a:latin typeface="Consolas"/>
+                <a:cs typeface="Consolas"/>
+              </a:rPr>
+              <a:t>}</a:t>
+            </a:r>
+            <a:r>
+              <a:rPr lang="en-US" sz="2400" dirty="0">
+                <a:latin typeface="Consolas"/>
+                <a:cs typeface="Consolas"/>
+              </a:rPr>
+              <a:t>;</a:t>
+            </a:r>
+          </a:p>
+          <a:p>
+            <a:pPr marL="0" indent="0">
+              <a:buNone/>
+            </a:pPr>
+            <a:endParaRPr lang="en-US" sz="2400" dirty="0">
+              <a:latin typeface="Consolas"/>
+              <a:cs typeface="Consolas"/>
+            </a:endParaRPr>
+          </a:p>
+          <a:p>
+            <a:pPr marL="0" indent="0">
+              <a:buNone/>
+            </a:pPr>
+            <a:r>
+              <a:rPr lang="en-US" sz="2400" dirty="0" err="1">
+                <a:latin typeface="Consolas"/>
+                <a:cs typeface="Consolas"/>
+              </a:rPr>
+              <a:t>var</a:t>
+            </a:r>
+            <a:r>
+              <a:rPr lang="en-US" sz="2400" dirty="0">
+                <a:latin typeface="Consolas"/>
+                <a:cs typeface="Consolas"/>
+              </a:rPr>
+              <a:t> ninja = new Ninja</a:t>
+            </a:r>
+            <a:r>
+              <a:rPr lang="en-US" sz="2400" dirty="0" smtClean="0">
+                <a:latin typeface="Consolas"/>
+                <a:cs typeface="Consolas"/>
+              </a:rPr>
+              <a:t>(“</a:t>
+            </a:r>
+            <a:r>
+              <a:rPr lang="en-US" sz="2400" dirty="0" err="1" smtClean="0">
+                <a:latin typeface="Consolas"/>
+                <a:cs typeface="Consolas"/>
+              </a:rPr>
+              <a:t>hiyaaa</a:t>
+            </a:r>
+            <a:r>
+              <a:rPr lang="en-US" sz="2400" dirty="0" smtClean="0">
+                <a:latin typeface="Consolas"/>
+                <a:cs typeface="Consolas"/>
+              </a:rPr>
+              <a:t>”)</a:t>
+            </a:r>
+            <a:r>
+              <a:rPr lang="en-US" sz="2400" dirty="0">
+                <a:latin typeface="Consolas"/>
+                <a:cs typeface="Consolas"/>
+              </a:rPr>
+              <a:t>;</a:t>
+            </a:r>
+            <a:endParaRPr lang="en-US" dirty="0">
+              <a:latin typeface="Consolas"/>
+              <a:cs typeface="Consolas"/>
+            </a:endParaRPr>
+          </a:p>
+          <a:p>
+            <a:pPr marL="0" indent="0">
+              <a:buNone/>
+            </a:pPr>
+            <a:endParaRPr lang="en-US" dirty="0"/>
+          </a:p>
+        </p:txBody>
+      </p:sp>
+    </p:spTree>
+    <p:extLst>
+      <p:ext uri="{BB962C8B-B14F-4D97-AF65-F5344CB8AC3E}">
+        <p14:creationId xmlns:p14="http://schemas.microsoft.com/office/powerpoint/2010/main" val="1576322793"/>
+      </p:ext>
+    </p:extLst>
+  </p:cSld>
+  <p:clrMapOvr>
+    <a:masterClrMapping/>
+  </p:clrMapOvr>
+  <p:timing>
+    <p:tnLst>
+      <p:par>
+        <p:cTn xmlns:p14="http://schemas.microsoft.com/office/powerpoint/2010/main" id="1" dur="indefinite" restart="never" nodeType="tmRoot"/>
+      </p:par>
+    </p:tnLst>
+  </p:timing>
+</p:sld>
+</file>
+
+<file path=ppt/slides/slide14.xml><?xml version="1.0" encoding="utf-8"?>
+<p:sld xmlns:a="http://schemas.openxmlformats.org/drawingml/2006/main" xmlns:r="http://schemas.openxmlformats.org/officeDocument/2006/relationships" xmlns:p="http://schemas.openxmlformats.org/presentationml/2006/main">
+  <p:cSld>
+    <p:spTree>
+      <p:nvGrpSpPr>
+        <p:cNvPr id="1" name=""/>
+        <p:cNvGrpSpPr/>
+        <p:nvPr/>
+      </p:nvGrpSpPr>
+      <p:grpSpPr>
+        <a:xfrm>
+          <a:off x="0" y="0"/>
+          <a:ext cx="0" cy="0"/>
+          <a:chOff x="0" y="0"/>
+          <a:chExt cx="0" cy="0"/>
+        </a:xfrm>
+      </p:grpSpPr>
+      <p:sp>
+        <p:nvSpPr>
+          <p:cNvPr id="2" name="Title 1"/>
+          <p:cNvSpPr>
+            <a:spLocks noGrp="1"/>
+          </p:cNvSpPr>
+          <p:nvPr>
+            <p:ph type="title"/>
+          </p:nvPr>
+        </p:nvSpPr>
+        <p:spPr/>
+        <p:txBody>
+          <a:bodyPr/>
+          <a:lstStyle/>
+          <a:p>
+            <a:r>
+              <a:rPr lang="en-US" dirty="0" smtClean="0"/>
+              <a:t>Methods</a:t>
+            </a:r>
+            <a:endParaRPr lang="en-US" dirty="0"/>
+          </a:p>
+        </p:txBody>
+      </p:sp>
+      <p:sp>
+        <p:nvSpPr>
+          <p:cNvPr id="3" name="Content Placeholder 2"/>
+          <p:cNvSpPr>
+            <a:spLocks noGrp="1"/>
+          </p:cNvSpPr>
+          <p:nvPr>
+            <p:ph idx="1"/>
+          </p:nvPr>
+        </p:nvSpPr>
+        <p:spPr/>
+        <p:txBody>
+          <a:bodyPr>
+            <a:normAutofit/>
+          </a:bodyPr>
+          <a:lstStyle/>
+          <a:p>
+            <a:r>
+              <a:rPr lang="en-US" dirty="0" smtClean="0"/>
+              <a:t>A function of an object is called a method</a:t>
+            </a:r>
+          </a:p>
+          <a:p>
+            <a:pPr marL="0" indent="0">
+              <a:buNone/>
+            </a:pPr>
+            <a:endParaRPr lang="en-US" dirty="0" smtClean="0">
+              <a:latin typeface="Consolas"/>
+              <a:cs typeface="Consolas"/>
+            </a:endParaRPr>
+          </a:p>
+          <a:p>
+            <a:pPr marL="0" indent="0">
+              <a:buNone/>
+            </a:pPr>
+            <a:r>
+              <a:rPr lang="en-US" sz="2600" dirty="0" smtClean="0">
+                <a:latin typeface="Consolas"/>
+                <a:cs typeface="Consolas"/>
+              </a:rPr>
+              <a:t>function </a:t>
+            </a:r>
+            <a:r>
+              <a:rPr lang="en-US" sz="2600" dirty="0">
+                <a:latin typeface="Consolas"/>
+                <a:cs typeface="Consolas"/>
+              </a:rPr>
+              <a:t>Ninja</a:t>
+            </a:r>
+            <a:r>
+              <a:rPr lang="en-US" sz="2600" dirty="0" smtClean="0">
+                <a:latin typeface="Consolas"/>
+                <a:cs typeface="Consolas"/>
+              </a:rPr>
+              <a:t>()</a:t>
+            </a:r>
+            <a:r>
+              <a:rPr lang="en-US" sz="2600" dirty="0">
+                <a:latin typeface="Consolas"/>
+                <a:cs typeface="Consolas"/>
+              </a:rPr>
+              <a:t>{</a:t>
+            </a:r>
+          </a:p>
+          <a:p>
+            <a:pPr marL="0" indent="0">
+              <a:buNone/>
+            </a:pPr>
+            <a:r>
+              <a:rPr lang="en-US" sz="2400" dirty="0">
+                <a:latin typeface="Consolas"/>
+                <a:cs typeface="Consolas"/>
+              </a:rPr>
+              <a:t>	</a:t>
+            </a:r>
+            <a:r>
+              <a:rPr lang="en-US" sz="2400" dirty="0" err="1" smtClean="0">
+                <a:latin typeface="Consolas"/>
+                <a:cs typeface="Consolas"/>
+              </a:rPr>
+              <a:t>this.scream</a:t>
+            </a:r>
+            <a:r>
+              <a:rPr lang="en-US" sz="2400" dirty="0" smtClean="0">
+                <a:latin typeface="Consolas"/>
+                <a:cs typeface="Consolas"/>
+              </a:rPr>
+              <a:t> = function(){return “</a:t>
+            </a:r>
+            <a:r>
+              <a:rPr lang="en-US" sz="2400" dirty="0" err="1" smtClean="0">
+                <a:latin typeface="Consolas"/>
+                <a:cs typeface="Consolas"/>
+              </a:rPr>
+              <a:t>hiyaaa</a:t>
+            </a:r>
+            <a:r>
+              <a:rPr lang="en-US" sz="2400" dirty="0" smtClean="0">
+                <a:latin typeface="Consolas"/>
+                <a:cs typeface="Consolas"/>
+              </a:rPr>
+              <a:t>”};</a:t>
+            </a:r>
+            <a:endParaRPr lang="en-US" sz="2600" dirty="0">
+              <a:latin typeface="Consolas"/>
+              <a:cs typeface="Consolas"/>
+            </a:endParaRPr>
+          </a:p>
+          <a:p>
+            <a:pPr marL="0" indent="0">
+              <a:buNone/>
+            </a:pPr>
+            <a:r>
+              <a:rPr lang="en-US" sz="2600" dirty="0">
+                <a:latin typeface="Consolas"/>
+                <a:cs typeface="Consolas"/>
+              </a:rPr>
+              <a:t>};</a:t>
+            </a:r>
+          </a:p>
+          <a:p>
+            <a:pPr marL="0" indent="0">
+              <a:buNone/>
+            </a:pPr>
+            <a:endParaRPr lang="en-US" dirty="0">
+              <a:latin typeface="Consolas"/>
+              <a:cs typeface="Consolas"/>
+            </a:endParaRPr>
+          </a:p>
+          <a:p>
+            <a:pPr marL="0" indent="0">
+              <a:buNone/>
+            </a:pPr>
+            <a:r>
+              <a:rPr lang="en-US" dirty="0" err="1">
+                <a:latin typeface="Consolas"/>
+                <a:cs typeface="Consolas"/>
+              </a:rPr>
+              <a:t>var</a:t>
+            </a:r>
+            <a:r>
+              <a:rPr lang="en-US" dirty="0">
+                <a:latin typeface="Consolas"/>
+                <a:cs typeface="Consolas"/>
+              </a:rPr>
+              <a:t> ninja = new Ninja</a:t>
+            </a:r>
+            <a:r>
+              <a:rPr lang="en-US" dirty="0" smtClean="0">
+                <a:latin typeface="Consolas"/>
+                <a:cs typeface="Consolas"/>
+              </a:rPr>
+              <a:t>();</a:t>
+            </a:r>
+          </a:p>
+          <a:p>
+            <a:pPr marL="0" indent="0">
+              <a:buNone/>
+            </a:pPr>
+            <a:r>
+              <a:rPr lang="en-US" dirty="0" err="1" smtClean="0">
+                <a:latin typeface="Consolas"/>
+                <a:cs typeface="Consolas"/>
+              </a:rPr>
+              <a:t>ninja.scream</a:t>
+            </a:r>
+            <a:r>
+              <a:rPr lang="en-US" dirty="0" smtClean="0">
+                <a:latin typeface="Consolas"/>
+                <a:cs typeface="Consolas"/>
+              </a:rPr>
+              <a:t>();</a:t>
+            </a:r>
+            <a:endParaRPr lang="en-US" dirty="0"/>
+          </a:p>
+          <a:p>
+            <a:pPr marL="0" indent="0">
+              <a:buNone/>
+            </a:pPr>
+            <a:endParaRPr lang="en-US" dirty="0"/>
+          </a:p>
+        </p:txBody>
+      </p:sp>
+    </p:spTree>
+    <p:extLst>
+      <p:ext uri="{BB962C8B-B14F-4D97-AF65-F5344CB8AC3E}">
+        <p14:creationId xmlns:p14="http://schemas.microsoft.com/office/powerpoint/2010/main" val="1429210847"/>
+      </p:ext>
+    </p:extLst>
+  </p:cSld>
+  <p:clrMapOvr>
+    <a:masterClrMapping/>
+  </p:clrMapOvr>
+  <p:timing>
+    <p:tnLst>
+      <p:par>
+        <p:cTn xmlns:p14="http://schemas.microsoft.com/office/powerpoint/2010/main" id="1" dur="indefinite" restart="never" nodeType="tmRoot"/>
+      </p:par>
+    </p:tnLst>
+  </p:timing>
+</p:sld>
+</file>
+
+<file path=ppt/slides/slide15.xml><?xml version="1.0" encoding="utf-8"?>
+<p:sld xmlns:a="http://schemas.openxmlformats.org/drawingml/2006/main" xmlns:r="http://schemas.openxmlformats.org/officeDocument/2006/relationships" xmlns:p="http://schemas.openxmlformats.org/presentationml/2006/main">
+  <p:cSld>
+    <p:spTree>
+      <p:nvGrpSpPr>
+        <p:cNvPr id="1" name=""/>
+        <p:cNvGrpSpPr/>
+        <p:nvPr/>
+      </p:nvGrpSpPr>
+      <p:grpSpPr>
+        <a:xfrm>
+          <a:off x="0" y="0"/>
+          <a:ext cx="0" cy="0"/>
+          <a:chOff x="0" y="0"/>
+          <a:chExt cx="0" cy="0"/>
+        </a:xfrm>
+      </p:grpSpPr>
+      <p:sp>
+        <p:nvSpPr>
+          <p:cNvPr id="2" name="Title 1"/>
+          <p:cNvSpPr>
+            <a:spLocks noGrp="1"/>
+          </p:cNvSpPr>
+          <p:nvPr>
+            <p:ph type="title"/>
+          </p:nvPr>
+        </p:nvSpPr>
+        <p:spPr/>
+        <p:txBody>
+          <a:bodyPr/>
+          <a:lstStyle/>
+          <a:p>
+            <a:r>
+              <a:rPr lang="en-US" dirty="0" smtClean="0"/>
+              <a:t>What ‘new’ actually does ...</a:t>
+            </a:r>
+            <a:endParaRPr lang="en-US" dirty="0"/>
+          </a:p>
+        </p:txBody>
+      </p:sp>
+      <p:sp>
+        <p:nvSpPr>
+          <p:cNvPr id="3" name="Content Placeholder 2"/>
+          <p:cNvSpPr>
+            <a:spLocks noGrp="1"/>
+          </p:cNvSpPr>
+          <p:nvPr>
+            <p:ph idx="1"/>
+          </p:nvPr>
+        </p:nvSpPr>
+        <p:spPr/>
+        <p:txBody>
+          <a:bodyPr>
+            <a:normAutofit fontScale="92500"/>
+          </a:bodyPr>
+          <a:lstStyle/>
+          <a:p>
+            <a:pPr marL="514350" indent="-514350">
+              <a:buFont typeface="+mj-lt"/>
+              <a:buAutoNum type="arabicPeriod"/>
+            </a:pPr>
+            <a:r>
+              <a:rPr lang="en-US" dirty="0" smtClean="0"/>
+              <a:t>creates a new object</a:t>
+            </a:r>
+          </a:p>
+          <a:p>
+            <a:pPr marL="514350" indent="-514350">
+              <a:buFont typeface="+mj-lt"/>
+              <a:buAutoNum type="arabicPeriod"/>
+            </a:pPr>
+            <a:r>
+              <a:rPr lang="en-US" dirty="0" smtClean="0"/>
+              <a:t>sets the new object’s internal, inaccessible, </a:t>
+            </a:r>
+            <a:r>
+              <a:rPr lang="en-US" i="1" dirty="0" smtClean="0"/>
+              <a:t>[[prototype]] </a:t>
+            </a:r>
+            <a:r>
+              <a:rPr lang="en-US" dirty="0" smtClean="0"/>
+              <a:t>property to be the constructor function’s external, accessible, </a:t>
+            </a:r>
+            <a:r>
+              <a:rPr lang="en-US" i="1" dirty="0" smtClean="0"/>
+              <a:t>prototype</a:t>
+            </a:r>
+            <a:r>
+              <a:rPr lang="en-US" dirty="0" smtClean="0"/>
+              <a:t> object</a:t>
+            </a:r>
+          </a:p>
+          <a:p>
+            <a:pPr marL="514350" indent="-514350">
+              <a:buFont typeface="+mj-lt"/>
+              <a:buAutoNum type="arabicPeriod"/>
+            </a:pPr>
+            <a:r>
+              <a:rPr lang="en-US" dirty="0" smtClean="0"/>
+              <a:t>executes the constructor function using the newly created object whenever </a:t>
+            </a:r>
+            <a:r>
+              <a:rPr lang="en-US" i="1" dirty="0" smtClean="0"/>
+              <a:t>this</a:t>
+            </a:r>
+            <a:r>
+              <a:rPr lang="en-US" dirty="0" smtClean="0"/>
+              <a:t> is mentioned</a:t>
+            </a:r>
+          </a:p>
+          <a:p>
+            <a:pPr marL="514350" indent="-514350">
+              <a:buFont typeface="+mj-lt"/>
+              <a:buAutoNum type="arabicPeriod"/>
+            </a:pPr>
+            <a:r>
+              <a:rPr lang="en-US" dirty="0" smtClean="0"/>
+              <a:t>returns the newly created object (unless another non-primitive is returned)</a:t>
+            </a:r>
+            <a:endParaRPr lang="en-US" dirty="0"/>
+          </a:p>
+        </p:txBody>
+      </p:sp>
+    </p:spTree>
+    <p:extLst>
+      <p:ext uri="{BB962C8B-B14F-4D97-AF65-F5344CB8AC3E}">
+        <p14:creationId xmlns:p14="http://schemas.microsoft.com/office/powerpoint/2010/main" val="3808215376"/>
+      </p:ext>
+    </p:extLst>
+  </p:cSld>
+  <p:clrMapOvr>
+    <a:masterClrMapping/>
+  </p:clrMapOvr>
+  <p:timing>
+    <p:tnLst>
+      <p:par>
+        <p:cTn xmlns:p14="http://schemas.microsoft.com/office/powerpoint/2010/main" id="1" dur="indefinite" restart="never" nodeType="tmRoot">
+          <p:childTnLst>
+            <p:seq concurrent="1" nextAc="seek">
+              <p:cTn id="2" dur="indefinite" nodeType="mainSeq">
+                <p:childTnLst>
+                  <p:par>
+                    <p:cTn id="3" fill="hold">
+                      <p:stCondLst>
+                        <p:cond delay="indefinite"/>
+                      </p:stCondLst>
+                      <p:childTnLst>
+                        <p:par>
+                          <p:cTn id="4" fill="hold">
+                            <p:stCondLst>
+                              <p:cond delay="0"/>
+                            </p:stCondLst>
+                            <p:childTnLst>
+                              <p:par>
+                                <p:cTn id="5" presetID="1" presetClass="entr" presetSubtype="0" fill="hold" grpId="0" nodeType="clickEffect">
+                                  <p:stCondLst>
+                                    <p:cond delay="0"/>
+                                  </p:stCondLst>
+                                  <p:childTnLst>
+                                    <p:set>
+                                      <p:cBhvr>
+                                        <p:cTn id="6" dur="1" fill="hold">
+                                          <p:stCondLst>
+                                            <p:cond delay="0"/>
+                                          </p:stCondLst>
+                                        </p:cTn>
+                                        <p:tgtEl>
+                                          <p:spTgt spid="3">
+                                            <p:txEl>
+                                              <p:pRg st="0" end="0"/>
+                                            </p:txEl>
+                                          </p:spTgt>
+                                        </p:tgtEl>
+                                        <p:attrNameLst>
+                                          <p:attrName>style.visibility</p:attrName>
+                                        </p:attrNameLst>
+                                      </p:cBhvr>
+                                      <p:to>
+                                        <p:strVal val="visible"/>
+                                      </p:to>
+                                    </p:set>
+                                  </p:childTnLst>
+                                </p:cTn>
+                              </p:par>
+                            </p:childTnLst>
+                          </p:cTn>
+                        </p:par>
+                      </p:childTnLst>
+                    </p:cTn>
+                  </p:par>
+                  <p:par>
+                    <p:cTn id="7" fill="hold">
+                      <p:stCondLst>
+                        <p:cond delay="indefinite"/>
+                      </p:stCondLst>
+                      <p:childTnLst>
+                        <p:par>
+                          <p:cTn id="8" fill="hold">
+                            <p:stCondLst>
+                              <p:cond delay="0"/>
+                            </p:stCondLst>
+                            <p:childTnLst>
+                              <p:par>
+                                <p:cTn id="9" presetID="1" presetClass="entr" presetSubtype="0" fill="hold" grpId="0" nodeType="clickEffect">
+                                  <p:stCondLst>
+                                    <p:cond delay="0"/>
+                                  </p:stCondLst>
+                                  <p:childTnLst>
+                                    <p:set>
+                                      <p:cBhvr>
+                                        <p:cTn id="10" dur="1" fill="hold">
+                                          <p:stCondLst>
+                                            <p:cond delay="0"/>
+                                          </p:stCondLst>
+                                        </p:cTn>
+                                        <p:tgtEl>
+                                          <p:spTgt spid="3">
+                                            <p:txEl>
+                                              <p:pRg st="1" end="1"/>
+                                            </p:txEl>
+                                          </p:spTgt>
+                                        </p:tgtEl>
+                                        <p:attrNameLst>
+                                          <p:attrName>style.visibility</p:attrName>
+                                        </p:attrNameLst>
+                                      </p:cBhvr>
+                                      <p:to>
+                                        <p:strVal val="visible"/>
+                                      </p:to>
+                                    </p:set>
+                                  </p:childTnLst>
+                                </p:cTn>
+                              </p:par>
+                            </p:childTnLst>
+                          </p:cTn>
+                        </p:par>
+                      </p:childTnLst>
+                    </p:cTn>
+                  </p:par>
+                  <p:par>
+                    <p:cTn id="11" fill="hold">
+                      <p:stCondLst>
+                        <p:cond delay="indefinite"/>
+                      </p:stCondLst>
+                      <p:childTnLst>
+                        <p:par>
+                          <p:cTn id="12" fill="hold">
+                            <p:stCondLst>
+                              <p:cond delay="0"/>
+                            </p:stCondLst>
+                            <p:childTnLst>
+                              <p:par>
+                                <p:cTn id="13" presetID="1" presetClass="entr" presetSubtype="0" fill="hold" grpId="0" nodeType="clickEffect">
+                                  <p:stCondLst>
+                                    <p:cond delay="0"/>
+                                  </p:stCondLst>
+                                  <p:childTnLst>
+                                    <p:set>
+                                      <p:cBhvr>
+                                        <p:cTn id="14" dur="1" fill="hold">
+                                          <p:stCondLst>
+                                            <p:cond delay="0"/>
+                                          </p:stCondLst>
+                                        </p:cTn>
+                                        <p:tgtEl>
+                                          <p:spTgt spid="3">
+                                            <p:txEl>
+                                              <p:pRg st="2" end="2"/>
+                                            </p:txEl>
+                                          </p:spTgt>
+                                        </p:tgtEl>
+                                        <p:attrNameLst>
+                                          <p:attrName>style.visibility</p:attrName>
+                                        </p:attrNameLst>
+                                      </p:cBhvr>
+                                      <p:to>
+                                        <p:strVal val="visible"/>
+                                      </p:to>
+                                    </p:set>
+                                  </p:childTnLst>
+                                </p:cTn>
+                              </p:par>
+                            </p:childTnLst>
+                          </p:cTn>
+                        </p:par>
+                      </p:childTnLst>
+                    </p:cTn>
+                  </p:par>
+                  <p:par>
+                    <p:cTn id="15" fill="hold">
+                      <p:stCondLst>
+                        <p:cond delay="indefinite"/>
+                      </p:stCondLst>
+                      <p:childTnLst>
+                        <p:par>
+                          <p:cTn id="16" fill="hold">
+                            <p:stCondLst>
+                              <p:cond delay="0"/>
+                            </p:stCondLst>
+                            <p:childTnLst>
+                              <p:par>
+                                <p:cTn id="17" presetID="1" presetClass="entr" presetSubtype="0" fill="hold" grpId="0" nodeType="clickEffect">
+                                  <p:stCondLst>
+                                    <p:cond delay="0"/>
+                                  </p:stCondLst>
+                                  <p:childTnLst>
+                                    <p:set>
+                                      <p:cBhvr>
+                                        <p:cTn id="18" dur="1" fill="hold">
+                                          <p:stCondLst>
+                                            <p:cond delay="0"/>
+                                          </p:stCondLst>
+                                        </p:cTn>
+                                        <p:tgtEl>
+                                          <p:spTgt spid="3">
+                                            <p:txEl>
+                                              <p:pRg st="3" end="3"/>
+                                            </p:txEl>
+                                          </p:spTgt>
+                                        </p:tgtEl>
+                                        <p:attrNameLst>
+                                          <p:attrName>style.visibility</p:attrName>
+                                        </p:attrNameLst>
+                                      </p:cBhvr>
+                                      <p:to>
+                                        <p:strVal val="visible"/>
+                                      </p:to>
+                                    </p:set>
+                                  </p:childTnLst>
+                                </p:cTn>
+                              </p:par>
+                            </p:childTnLst>
+                          </p:cTn>
+                        </p:par>
+                      </p:childTnLst>
+                    </p:cTn>
+                  </p:par>
+                </p:childTnLst>
+              </p:cTn>
+              <p:prevCondLst>
+                <p:cond evt="onPrev" delay="0">
+                  <p:tgtEl>
+                    <p:sldTgt/>
+                  </p:tgtEl>
+                </p:cond>
+              </p:prevCondLst>
+              <p:nextCondLst>
+                <p:cond evt="onNext" delay="0">
+                  <p:tgtEl>
+                    <p:sldTgt/>
+                  </p:tgtEl>
+                </p:cond>
+              </p:nextCondLst>
+            </p:seq>
+          </p:childTnLst>
+        </p:cTn>
+      </p:par>
+    </p:tnLst>
+    <p:bldLst>
+      <p:bldP spid="3" grpId="0" build="p"/>
+    </p:bldLst>
+  </p:timing>
+</p:sld>
+</file>
+
+<file path=ppt/slides/slide16.xml><?xml version="1.0" encoding="utf-8"?>
+<p:sld xmlns:a="http://schemas.openxmlformats.org/drawingml/2006/main" xmlns:r="http://schemas.openxmlformats.org/officeDocument/2006/relationships" xmlns:p="http://schemas.openxmlformats.org/presentationml/2006/main">
+  <p:cSld>
+    <p:spTree>
+      <p:nvGrpSpPr>
+        <p:cNvPr id="1" name=""/>
+        <p:cNvGrpSpPr/>
+        <p:nvPr/>
+      </p:nvGrpSpPr>
+      <p:grpSpPr>
+        <a:xfrm>
+          <a:off x="0" y="0"/>
+          <a:ext cx="0" cy="0"/>
+          <a:chOff x="0" y="0"/>
+          <a:chExt cx="0" cy="0"/>
+        </a:xfrm>
+      </p:grpSpPr>
+      <p:sp>
+        <p:nvSpPr>
+          <p:cNvPr id="2" name="Title 1"/>
+          <p:cNvSpPr>
+            <a:spLocks noGrp="1"/>
+          </p:cNvSpPr>
+          <p:nvPr>
+            <p:ph type="title"/>
+          </p:nvPr>
+        </p:nvSpPr>
+        <p:spPr/>
+        <p:txBody>
+          <a:bodyPr/>
+          <a:lstStyle/>
+          <a:p>
+            <a:r>
+              <a:rPr lang="en-US" dirty="0" smtClean="0"/>
+              <a:t>Review of inheritance</a:t>
+            </a:r>
+            <a:endParaRPr lang="en-US" dirty="0"/>
+          </a:p>
+        </p:txBody>
+      </p:sp>
+      <p:sp>
+        <p:nvSpPr>
+          <p:cNvPr id="3" name="Content Placeholder 2"/>
+          <p:cNvSpPr>
+            <a:spLocks noGrp="1"/>
+          </p:cNvSpPr>
+          <p:nvPr>
+            <p:ph idx="1"/>
+          </p:nvPr>
+        </p:nvSpPr>
+        <p:spPr/>
+        <p:txBody>
+          <a:bodyPr>
+            <a:normAutofit fontScale="92500" lnSpcReduction="20000"/>
+          </a:bodyPr>
+          <a:lstStyle/>
+          <a:p>
+            <a:r>
+              <a:rPr lang="en-US" dirty="0"/>
+              <a:t>B</a:t>
+            </a:r>
+            <a:r>
+              <a:rPr lang="en-US" dirty="0" smtClean="0"/>
+              <a:t>ase class (has some common features)</a:t>
+            </a:r>
+          </a:p>
+          <a:p>
+            <a:r>
+              <a:rPr lang="en-US" dirty="0" smtClean="0"/>
+              <a:t>Derived class (inherits those features from the base class and adds its own specialist features)</a:t>
+            </a:r>
+          </a:p>
+          <a:p>
+            <a:r>
+              <a:rPr lang="en-US" dirty="0" smtClean="0"/>
+              <a:t>Means common features don’t have to be rewritten for every new type of object</a:t>
+            </a:r>
+          </a:p>
+          <a:p>
+            <a:r>
+              <a:rPr lang="en-US" dirty="0" smtClean="0"/>
+              <a:t>Derived properties override inherited ones</a:t>
+            </a:r>
+          </a:p>
+          <a:p>
+            <a:r>
+              <a:rPr lang="en-US" dirty="0" err="1" smtClean="0"/>
+              <a:t>Javascript</a:t>
+            </a:r>
+            <a:r>
+              <a:rPr lang="en-US" dirty="0" smtClean="0"/>
+              <a:t> has </a:t>
+            </a:r>
+            <a:r>
+              <a:rPr lang="en-US" dirty="0" err="1" smtClean="0"/>
+              <a:t>psuedo</a:t>
+            </a:r>
+            <a:r>
+              <a:rPr lang="en-US" dirty="0" smtClean="0"/>
+              <a:t>-inheritance ... there aren’t actually any classes. The results are still pretty much the same.</a:t>
+            </a:r>
+          </a:p>
+          <a:p>
+            <a:r>
+              <a:rPr lang="en-US" i="1" dirty="0" smtClean="0"/>
+              <a:t>Look at ‘7. inheritance in </a:t>
+            </a:r>
+            <a:r>
+              <a:rPr lang="en-US" i="1" dirty="0" err="1" smtClean="0"/>
+              <a:t>javascript</a:t>
+            </a:r>
+            <a:r>
+              <a:rPr lang="en-US" i="1" dirty="0" smtClean="0"/>
+              <a:t>’</a:t>
+            </a:r>
+            <a:endParaRPr lang="en-US" i="1" dirty="0"/>
+          </a:p>
+        </p:txBody>
+      </p:sp>
+    </p:spTree>
+    <p:extLst>
+      <p:ext uri="{BB962C8B-B14F-4D97-AF65-F5344CB8AC3E}">
+        <p14:creationId xmlns:p14="http://schemas.microsoft.com/office/powerpoint/2010/main" val="2911063286"/>
+      </p:ext>
+    </p:extLst>
+  </p:cSld>
+  <p:clrMapOvr>
+    <a:masterClrMapping/>
+  </p:clrMapOvr>
+  <p:timing>
+    <p:tnLst>
+      <p:par>
+        <p:cTn xmlns:p14="http://schemas.microsoft.com/office/powerpoint/2010/main" id="1" dur="indefinite" restart="never" nodeType="tmRoot">
+          <p:childTnLst>
+            <p:seq concurrent="1" nextAc="seek">
+              <p:cTn id="2" dur="indefinite" nodeType="mainSeq">
+                <p:childTnLst>
+                  <p:par>
+                    <p:cTn id="3" fill="hold">
+                      <p:stCondLst>
+                        <p:cond delay="indefinite"/>
+                      </p:stCondLst>
+                      <p:childTnLst>
+                        <p:par>
+                          <p:cTn id="4" fill="hold">
+                            <p:stCondLst>
+                              <p:cond delay="0"/>
+                            </p:stCondLst>
+                            <p:childTnLst>
+                              <p:par>
+                                <p:cTn id="5" presetID="1" presetClass="entr" presetSubtype="0" fill="hold" grpId="0" nodeType="clickEffect">
+                                  <p:stCondLst>
+                                    <p:cond delay="0"/>
+                                  </p:stCondLst>
+                                  <p:childTnLst>
+                                    <p:set>
+                                      <p:cBhvr>
+                                        <p:cTn id="6" dur="1" fill="hold">
+                                          <p:stCondLst>
+                                            <p:cond delay="0"/>
+                                          </p:stCondLst>
+                                        </p:cTn>
+                                        <p:tgtEl>
+                                          <p:spTgt spid="3">
+                                            <p:txEl>
+                                              <p:pRg st="0" end="0"/>
+                                            </p:txEl>
+                                          </p:spTgt>
+                                        </p:tgtEl>
+                                        <p:attrNameLst>
+                                          <p:attrName>style.visibility</p:attrName>
+                                        </p:attrNameLst>
+                                      </p:cBhvr>
+                                      <p:to>
+                                        <p:strVal val="visible"/>
+                                      </p:to>
+                                    </p:set>
+                                  </p:childTnLst>
+                                </p:cTn>
+                              </p:par>
+                            </p:childTnLst>
+                          </p:cTn>
+                        </p:par>
+                      </p:childTnLst>
+                    </p:cTn>
+                  </p:par>
+                  <p:par>
+                    <p:cTn id="7" fill="hold">
+                      <p:stCondLst>
+                        <p:cond delay="indefinite"/>
+                      </p:stCondLst>
+                      <p:childTnLst>
+                        <p:par>
+                          <p:cTn id="8" fill="hold">
+                            <p:stCondLst>
+                              <p:cond delay="0"/>
+                            </p:stCondLst>
+                            <p:childTnLst>
+                              <p:par>
+                                <p:cTn id="9" presetID="1" presetClass="entr" presetSubtype="0" fill="hold" grpId="0" nodeType="clickEffect">
+                                  <p:stCondLst>
+                                    <p:cond delay="0"/>
+                                  </p:stCondLst>
+                                  <p:childTnLst>
+                                    <p:set>
+                                      <p:cBhvr>
+                                        <p:cTn id="10" dur="1" fill="hold">
+                                          <p:stCondLst>
+                                            <p:cond delay="0"/>
+                                          </p:stCondLst>
+                                        </p:cTn>
+                                        <p:tgtEl>
+                                          <p:spTgt spid="3">
+                                            <p:txEl>
+                                              <p:pRg st="1" end="1"/>
+                                            </p:txEl>
+                                          </p:spTgt>
+                                        </p:tgtEl>
+                                        <p:attrNameLst>
+                                          <p:attrName>style.visibility</p:attrName>
+                                        </p:attrNameLst>
+                                      </p:cBhvr>
+                                      <p:to>
+                                        <p:strVal val="visible"/>
+                                      </p:to>
+                                    </p:set>
+                                  </p:childTnLst>
+                                </p:cTn>
+                              </p:par>
+                            </p:childTnLst>
+                          </p:cTn>
+                        </p:par>
+                      </p:childTnLst>
+                    </p:cTn>
+                  </p:par>
+                  <p:par>
+                    <p:cTn id="11" fill="hold">
+                      <p:stCondLst>
+                        <p:cond delay="indefinite"/>
+                      </p:stCondLst>
+                      <p:childTnLst>
+                        <p:par>
+                          <p:cTn id="12" fill="hold">
+                            <p:stCondLst>
+                              <p:cond delay="0"/>
+                            </p:stCondLst>
+                            <p:childTnLst>
+                              <p:par>
+                                <p:cTn id="13" presetID="1" presetClass="entr" presetSubtype="0" fill="hold" grpId="0" nodeType="clickEffect">
+                                  <p:stCondLst>
+                                    <p:cond delay="0"/>
+                                  </p:stCondLst>
+                                  <p:childTnLst>
+                                    <p:set>
+                                      <p:cBhvr>
+                                        <p:cTn id="14" dur="1" fill="hold">
+                                          <p:stCondLst>
+                                            <p:cond delay="0"/>
+                                          </p:stCondLst>
+                                        </p:cTn>
+                                        <p:tgtEl>
+                                          <p:spTgt spid="3">
+                                            <p:txEl>
+                                              <p:pRg st="2" end="2"/>
+                                            </p:txEl>
+                                          </p:spTgt>
+                                        </p:tgtEl>
+                                        <p:attrNameLst>
+                                          <p:attrName>style.visibility</p:attrName>
+                                        </p:attrNameLst>
+                                      </p:cBhvr>
+                                      <p:to>
+                                        <p:strVal val="visible"/>
+                                      </p:to>
+                                    </p:set>
+                                  </p:childTnLst>
+                                </p:cTn>
+                              </p:par>
+                            </p:childTnLst>
+                          </p:cTn>
+                        </p:par>
+                      </p:childTnLst>
+                    </p:cTn>
+                  </p:par>
+                  <p:par>
+                    <p:cTn id="15" fill="hold">
+                      <p:stCondLst>
+                        <p:cond delay="indefinite"/>
+                      </p:stCondLst>
+                      <p:childTnLst>
+                        <p:par>
+                          <p:cTn id="16" fill="hold">
+                            <p:stCondLst>
+                              <p:cond delay="0"/>
+                            </p:stCondLst>
+                            <p:childTnLst>
+                              <p:par>
+                                <p:cTn id="17" presetID="1" presetClass="entr" presetSubtype="0" fill="hold" grpId="0" nodeType="clickEffect">
+                                  <p:stCondLst>
+                                    <p:cond delay="0"/>
+                                  </p:stCondLst>
+                                  <p:childTnLst>
+                                    <p:set>
+                                      <p:cBhvr>
+                                        <p:cTn id="18" dur="1" fill="hold">
+                                          <p:stCondLst>
+                                            <p:cond delay="0"/>
+                                          </p:stCondLst>
+                                        </p:cTn>
+                                        <p:tgtEl>
+                                          <p:spTgt spid="3">
+                                            <p:txEl>
+                                              <p:pRg st="3" end="3"/>
+                                            </p:txEl>
+                                          </p:spTgt>
+                                        </p:tgtEl>
+                                        <p:attrNameLst>
+                                          <p:attrName>style.visibility</p:attrName>
+                                        </p:attrNameLst>
+                                      </p:cBhvr>
+                                      <p:to>
+                                        <p:strVal val="visible"/>
+                                      </p:to>
+                                    </p:set>
+                                  </p:childTnLst>
+                                </p:cTn>
+                              </p:par>
+                            </p:childTnLst>
+                          </p:cTn>
+                        </p:par>
+                      </p:childTnLst>
+                    </p:cTn>
+                  </p:par>
+                  <p:par>
+                    <p:cTn id="19" fill="hold">
+                      <p:stCondLst>
+                        <p:cond delay="indefinite"/>
+                      </p:stCondLst>
+                      <p:childTnLst>
+                        <p:par>
+                          <p:cTn id="20" fill="hold">
+                            <p:stCondLst>
+                              <p:cond delay="0"/>
+                            </p:stCondLst>
+                            <p:childTnLst>
+                              <p:par>
+                                <p:cTn id="21" presetID="1" presetClass="entr" presetSubtype="0" fill="hold" grpId="0" nodeType="clickEffect">
+                                  <p:stCondLst>
+                                    <p:cond delay="0"/>
+                                  </p:stCondLst>
+                                  <p:childTnLst>
+                                    <p:set>
+                                      <p:cBhvr>
+                                        <p:cTn id="22" dur="1" fill="hold">
+                                          <p:stCondLst>
+                                            <p:cond delay="0"/>
+                                          </p:stCondLst>
+                                        </p:cTn>
+                                        <p:tgtEl>
+                                          <p:spTgt spid="3">
+                                            <p:txEl>
+                                              <p:pRg st="4" end="4"/>
+                                            </p:txEl>
+                                          </p:spTgt>
+                                        </p:tgtEl>
+                                        <p:attrNameLst>
+                                          <p:attrName>style.visibility</p:attrName>
+                                        </p:attrNameLst>
+                                      </p:cBhvr>
+                                      <p:to>
+                                        <p:strVal val="visible"/>
+                                      </p:to>
+                                    </p:set>
+                                  </p:childTnLst>
+                                </p:cTn>
+                              </p:par>
+                            </p:childTnLst>
+                          </p:cTn>
+                        </p:par>
+                      </p:childTnLst>
+                    </p:cTn>
+                  </p:par>
+                  <p:par>
+                    <p:cTn id="23" fill="hold">
+                      <p:stCondLst>
+                        <p:cond delay="indefinite"/>
+                      </p:stCondLst>
+                      <p:childTnLst>
+                        <p:par>
+                          <p:cTn id="24" fill="hold">
+                            <p:stCondLst>
+                              <p:cond delay="0"/>
+                            </p:stCondLst>
+                            <p:childTnLst>
+                              <p:par>
+                                <p:cTn id="25" presetID="1" presetClass="entr" presetSubtype="0" fill="hold" grpId="0" nodeType="clickEffect">
+                                  <p:stCondLst>
+                                    <p:cond delay="0"/>
+                                  </p:stCondLst>
+                                  <p:childTnLst>
+                                    <p:set>
+                                      <p:cBhvr>
+                                        <p:cTn id="26" dur="1" fill="hold">
+                                          <p:stCondLst>
+                                            <p:cond delay="0"/>
+                                          </p:stCondLst>
+                                        </p:cTn>
+                                        <p:tgtEl>
+                                          <p:spTgt spid="3">
+                                            <p:txEl>
+                                              <p:pRg st="5" end="5"/>
+                                            </p:txEl>
+                                          </p:spTgt>
+                                        </p:tgtEl>
+                                        <p:attrNameLst>
+                                          <p:attrName>style.visibility</p:attrName>
+                                        </p:attrNameLst>
+                                      </p:cBhvr>
+                                      <p:to>
+                                        <p:strVal val="visible"/>
+                                      </p:to>
+                                    </p:set>
+                                  </p:childTnLst>
+                                </p:cTn>
+                              </p:par>
+                            </p:childTnLst>
+                          </p:cTn>
+                        </p:par>
+                      </p:childTnLst>
+                    </p:cTn>
+                  </p:par>
+                </p:childTnLst>
+              </p:cTn>
+              <p:prevCondLst>
+                <p:cond evt="onPrev" delay="0">
+                  <p:tgtEl>
+                    <p:sldTgt/>
+                  </p:tgtEl>
+                </p:cond>
+              </p:prevCondLst>
+              <p:nextCondLst>
+                <p:cond evt="onNext" delay="0">
+                  <p:tgtEl>
+                    <p:sldTgt/>
+                  </p:tgtEl>
+                </p:cond>
+              </p:nextCondLst>
+            </p:seq>
+          </p:childTnLst>
+        </p:cTn>
+      </p:par>
+    </p:tnLst>
+    <p:bldLst>
+      <p:bldP spid="3" grpId="0" build="p"/>
+    </p:bldLst>
+  </p:timing>
+</p:sld>
+</file>
+
+<file path=ppt/slides/slide17.xml><?xml version="1.0" encoding="utf-8"?>
+<p:sld xmlns:a="http://schemas.openxmlformats.org/drawingml/2006/main" xmlns:r="http://schemas.openxmlformats.org/officeDocument/2006/relationships" xmlns:p="http://schemas.openxmlformats.org/presentationml/2006/main">
+  <p:cSld>
+    <p:spTree>
+      <p:nvGrpSpPr>
+        <p:cNvPr id="1" name=""/>
+        <p:cNvGrpSpPr/>
+        <p:nvPr/>
+      </p:nvGrpSpPr>
+      <p:grpSpPr>
+        <a:xfrm>
+          <a:off x="0" y="0"/>
+          <a:ext cx="0" cy="0"/>
+          <a:chOff x="0" y="0"/>
+          <a:chExt cx="0" cy="0"/>
+        </a:xfrm>
+      </p:grpSpPr>
+      <p:sp>
+        <p:nvSpPr>
+          <p:cNvPr id="2" name="Title 1"/>
+          <p:cNvSpPr>
+            <a:spLocks noGrp="1"/>
+          </p:cNvSpPr>
+          <p:nvPr>
+            <p:ph type="title"/>
+          </p:nvPr>
+        </p:nvSpPr>
+        <p:spPr/>
+        <p:txBody>
+          <a:bodyPr/>
+          <a:lstStyle/>
+          <a:p>
+            <a:r>
+              <a:rPr lang="en-US" dirty="0" smtClean="0"/>
+              <a:t>What’s actually happening</a:t>
+            </a:r>
+            <a:endParaRPr lang="en-US" dirty="0"/>
+          </a:p>
+        </p:txBody>
+      </p:sp>
+      <p:sp>
+        <p:nvSpPr>
+          <p:cNvPr id="3" name="Content Placeholder 2"/>
+          <p:cNvSpPr>
+            <a:spLocks noGrp="1"/>
+          </p:cNvSpPr>
+          <p:nvPr>
+            <p:ph idx="1"/>
+          </p:nvPr>
+        </p:nvSpPr>
+        <p:spPr/>
+        <p:txBody>
+          <a:bodyPr/>
+          <a:lstStyle/>
+          <a:p>
+            <a:r>
+              <a:rPr lang="en-US" dirty="0" err="1" smtClean="0">
+                <a:latin typeface="Consolas"/>
+                <a:cs typeface="Consolas"/>
+              </a:rPr>
+              <a:t>Ninja.prototype</a:t>
+            </a:r>
+            <a:r>
+              <a:rPr lang="en-US" dirty="0" smtClean="0"/>
+              <a:t> is the external accessible prototype of the Ninja constructor function</a:t>
+            </a:r>
+          </a:p>
+          <a:p>
+            <a:r>
+              <a:rPr lang="en-US" dirty="0" smtClean="0"/>
+              <a:t>We can add single or multiple properties to it </a:t>
+            </a:r>
+            <a:r>
+              <a:rPr lang="en-US" dirty="0" err="1" smtClean="0"/>
+              <a:t>eg</a:t>
+            </a:r>
+            <a:r>
+              <a:rPr lang="en-US" dirty="0" smtClean="0"/>
+              <a:t>. </a:t>
+            </a:r>
+            <a:r>
+              <a:rPr lang="en-US" dirty="0" err="1" smtClean="0">
+                <a:latin typeface="Consolas"/>
+                <a:cs typeface="Consolas"/>
+              </a:rPr>
+              <a:t>Ninja.prototype.hood</a:t>
+            </a:r>
+            <a:r>
+              <a:rPr lang="en-US" dirty="0" smtClean="0">
+                <a:latin typeface="Consolas"/>
+                <a:cs typeface="Consolas"/>
+              </a:rPr>
+              <a:t> = true</a:t>
+            </a:r>
+          </a:p>
+          <a:p>
+            <a:r>
+              <a:rPr lang="en-US" dirty="0" smtClean="0">
+                <a:cs typeface="Consolas"/>
+              </a:rPr>
+              <a:t>When we run </a:t>
+            </a:r>
+          </a:p>
+          <a:p>
+            <a:pPr marL="0" indent="0">
+              <a:buNone/>
+            </a:pPr>
+            <a:r>
+              <a:rPr lang="en-US" dirty="0">
+                <a:latin typeface="Consolas"/>
+                <a:cs typeface="Consolas"/>
+              </a:rPr>
+              <a:t>	</a:t>
+            </a:r>
+            <a:r>
+              <a:rPr lang="en-US" dirty="0" smtClean="0">
+                <a:latin typeface="Consolas"/>
+                <a:cs typeface="Consolas"/>
+              </a:rPr>
+              <a:t>	</a:t>
+            </a:r>
+            <a:r>
+              <a:rPr lang="en-US" dirty="0" err="1" smtClean="0">
+                <a:latin typeface="Consolas"/>
+                <a:cs typeface="Consolas"/>
+              </a:rPr>
+              <a:t>Ninja.prototype</a:t>
+            </a:r>
+            <a:r>
+              <a:rPr lang="en-US" dirty="0" smtClean="0">
+                <a:latin typeface="Consolas"/>
+                <a:cs typeface="Consolas"/>
+              </a:rPr>
+              <a:t> = new Fighter()</a:t>
+            </a:r>
+          </a:p>
+          <a:p>
+            <a:pPr marL="0" indent="0">
+              <a:buNone/>
+            </a:pPr>
+            <a:r>
+              <a:rPr lang="en-US" dirty="0" smtClean="0">
+                <a:latin typeface="+mj-lt"/>
+                <a:cs typeface="Consolas"/>
+              </a:rPr>
+              <a:t>we take the all the properties of fighter and add them onto Ninja’s properties.</a:t>
+            </a:r>
+            <a:endParaRPr lang="en-US" dirty="0">
+              <a:latin typeface="+mj-lt"/>
+              <a:cs typeface="Consolas"/>
+            </a:endParaRPr>
+          </a:p>
+        </p:txBody>
+      </p:sp>
+    </p:spTree>
+    <p:extLst>
+      <p:ext uri="{BB962C8B-B14F-4D97-AF65-F5344CB8AC3E}">
+        <p14:creationId xmlns:p14="http://schemas.microsoft.com/office/powerpoint/2010/main" val="1323900312"/>
+      </p:ext>
+    </p:extLst>
+  </p:cSld>
+  <p:clrMapOvr>
+    <a:masterClrMapping/>
+  </p:clrMapOvr>
+  <p:timing>
+    <p:tnLst>
+      <p:par>
+        <p:cTn xmlns:p14="http://schemas.microsoft.com/office/powerpoint/2010/main" id="1" dur="indefinite" restart="never" nodeType="tmRoot">
+          <p:childTnLst>
+            <p:seq concurrent="1" nextAc="seek">
+              <p:cTn id="2" dur="indefinite" nodeType="mainSeq">
+                <p:childTnLst>
+                  <p:par>
+                    <p:cTn id="3" fill="hold">
+                      <p:stCondLst>
+                        <p:cond delay="indefinite"/>
+                      </p:stCondLst>
+                      <p:childTnLst>
+                        <p:par>
+                          <p:cTn id="4" fill="hold">
+                            <p:stCondLst>
+                              <p:cond delay="0"/>
+                            </p:stCondLst>
+                            <p:childTnLst>
+                              <p:par>
+                                <p:cTn id="5" presetID="1" presetClass="entr" presetSubtype="0" fill="hold" grpId="0" nodeType="clickEffect">
+                                  <p:stCondLst>
+                                    <p:cond delay="0"/>
+                                  </p:stCondLst>
+                                  <p:childTnLst>
+                                    <p:set>
+                                      <p:cBhvr>
+                                        <p:cTn id="6" dur="1" fill="hold">
+                                          <p:stCondLst>
+                                            <p:cond delay="0"/>
+                                          </p:stCondLst>
+                                        </p:cTn>
+                                        <p:tgtEl>
+                                          <p:spTgt spid="3">
+                                            <p:txEl>
+                                              <p:pRg st="0" end="0"/>
+                                            </p:txEl>
+                                          </p:spTgt>
+                                        </p:tgtEl>
+                                        <p:attrNameLst>
+                                          <p:attrName>style.visibility</p:attrName>
+                                        </p:attrNameLst>
+                                      </p:cBhvr>
+                                      <p:to>
+                                        <p:strVal val="visible"/>
+                                      </p:to>
+                                    </p:set>
+                                  </p:childTnLst>
+                                </p:cTn>
+                              </p:par>
+                            </p:childTnLst>
+                          </p:cTn>
+                        </p:par>
+                      </p:childTnLst>
+                    </p:cTn>
+                  </p:par>
+                  <p:par>
+                    <p:cTn id="7" fill="hold">
+                      <p:stCondLst>
+                        <p:cond delay="indefinite"/>
+                      </p:stCondLst>
+                      <p:childTnLst>
+                        <p:par>
+                          <p:cTn id="8" fill="hold">
+                            <p:stCondLst>
+                              <p:cond delay="0"/>
+                            </p:stCondLst>
+                            <p:childTnLst>
+                              <p:par>
+                                <p:cTn id="9" presetID="1" presetClass="entr" presetSubtype="0" fill="hold" grpId="0" nodeType="clickEffect">
+                                  <p:stCondLst>
+                                    <p:cond delay="0"/>
+                                  </p:stCondLst>
+                                  <p:childTnLst>
+                                    <p:set>
+                                      <p:cBhvr>
+                                        <p:cTn id="10" dur="1" fill="hold">
+                                          <p:stCondLst>
+                                            <p:cond delay="0"/>
+                                          </p:stCondLst>
+                                        </p:cTn>
+                                        <p:tgtEl>
+                                          <p:spTgt spid="3">
+                                            <p:txEl>
+                                              <p:pRg st="1" end="1"/>
+                                            </p:txEl>
+                                          </p:spTgt>
+                                        </p:tgtEl>
+                                        <p:attrNameLst>
+                                          <p:attrName>style.visibility</p:attrName>
+                                        </p:attrNameLst>
+                                      </p:cBhvr>
+                                      <p:to>
+                                        <p:strVal val="visible"/>
+                                      </p:to>
+                                    </p:set>
+                                  </p:childTnLst>
+                                </p:cTn>
+                              </p:par>
+                            </p:childTnLst>
+                          </p:cTn>
+                        </p:par>
+                      </p:childTnLst>
+                    </p:cTn>
+                  </p:par>
+                  <p:par>
+                    <p:cTn id="11" fill="hold">
+                      <p:stCondLst>
+                        <p:cond delay="indefinite"/>
+                      </p:stCondLst>
+                      <p:childTnLst>
+                        <p:par>
+                          <p:cTn id="12" fill="hold">
+                            <p:stCondLst>
+                              <p:cond delay="0"/>
+                            </p:stCondLst>
+                            <p:childTnLst>
+                              <p:par>
+                                <p:cTn id="13" presetID="1" presetClass="entr" presetSubtype="0" fill="hold" grpId="0" nodeType="clickEffect">
+                                  <p:stCondLst>
+                                    <p:cond delay="0"/>
+                                  </p:stCondLst>
+                                  <p:childTnLst>
+                                    <p:set>
+                                      <p:cBhvr>
+                                        <p:cTn id="14" dur="1" fill="hold">
+                                          <p:stCondLst>
+                                            <p:cond delay="0"/>
+                                          </p:stCondLst>
+                                        </p:cTn>
+                                        <p:tgtEl>
+                                          <p:spTgt spid="3">
+                                            <p:txEl>
+                                              <p:pRg st="2" end="2"/>
+                                            </p:txEl>
+                                          </p:spTgt>
+                                        </p:tgtEl>
+                                        <p:attrNameLst>
+                                          <p:attrName>style.visibility</p:attrName>
+                                        </p:attrNameLst>
+                                      </p:cBhvr>
+                                      <p:to>
+                                        <p:strVal val="visible"/>
+                                      </p:to>
+                                    </p:set>
+                                  </p:childTnLst>
+                                </p:cTn>
+                              </p:par>
+                            </p:childTnLst>
+                          </p:cTn>
+                        </p:par>
+                      </p:childTnLst>
+                    </p:cTn>
+                  </p:par>
+                </p:childTnLst>
+              </p:cTn>
+              <p:prevCondLst>
+                <p:cond evt="onPrev" delay="0">
+                  <p:tgtEl>
+                    <p:sldTgt/>
+                  </p:tgtEl>
+                </p:cond>
+              </p:prevCondLst>
+              <p:nextCondLst>
+                <p:cond evt="onNext" delay="0">
+                  <p:tgtEl>
+                    <p:sldTgt/>
+                  </p:tgtEl>
+                </p:cond>
+              </p:nextCondLst>
+            </p:seq>
+          </p:childTnLst>
+        </p:cTn>
+      </p:par>
+    </p:tnLst>
+    <p:bldLst>
+      <p:bldP spid="3" grpId="0" uiExpand="1" build="p"/>
+    </p:bldLst>
+  </p:timing>
+</p:sld>
+</file>
+
+<file path=ppt/slides/slide18.xml><?xml version="1.0" encoding="utf-8"?>
+<p:sld xmlns:a="http://schemas.openxmlformats.org/drawingml/2006/main" xmlns:r="http://schemas.openxmlformats.org/officeDocument/2006/relationships" xmlns:p="http://schemas.openxmlformats.org/presentationml/2006/main">
+  <p:cSld>
+    <p:spTree>
+      <p:nvGrpSpPr>
+        <p:cNvPr id="1" name=""/>
+        <p:cNvGrpSpPr/>
+        <p:nvPr/>
+      </p:nvGrpSpPr>
+      <p:grpSpPr>
+        <a:xfrm>
+          <a:off x="0" y="0"/>
+          <a:ext cx="0" cy="0"/>
+          <a:chOff x="0" y="0"/>
+          <a:chExt cx="0" cy="0"/>
+        </a:xfrm>
+      </p:grpSpPr>
+      <p:sp>
+        <p:nvSpPr>
+          <p:cNvPr id="2" name="Title 1"/>
+          <p:cNvSpPr>
+            <a:spLocks noGrp="1"/>
+          </p:cNvSpPr>
+          <p:nvPr>
+            <p:ph type="title"/>
+          </p:nvPr>
+        </p:nvSpPr>
+        <p:spPr/>
+        <p:txBody>
+          <a:bodyPr/>
+          <a:lstStyle/>
+          <a:p>
+            <a:r>
+              <a:rPr lang="en-US" dirty="0" smtClean="0"/>
+              <a:t>Context</a:t>
+            </a:r>
+            <a:endParaRPr lang="en-US" dirty="0"/>
+          </a:p>
+        </p:txBody>
+      </p:sp>
+      <p:sp>
+        <p:nvSpPr>
+          <p:cNvPr id="3" name="Content Placeholder 2"/>
+          <p:cNvSpPr>
+            <a:spLocks noGrp="1"/>
+          </p:cNvSpPr>
+          <p:nvPr>
+            <p:ph idx="1"/>
+          </p:nvPr>
+        </p:nvSpPr>
+        <p:spPr/>
+        <p:txBody>
+          <a:bodyPr>
+            <a:normAutofit fontScale="92500" lnSpcReduction="20000"/>
+          </a:bodyPr>
+          <a:lstStyle/>
+          <a:p>
+            <a:r>
+              <a:rPr lang="en-US" dirty="0" smtClean="0"/>
+              <a:t>Sometimes ‘this’ doesn’t give the context you want...</a:t>
+            </a:r>
+          </a:p>
+          <a:p>
+            <a:r>
+              <a:rPr lang="en-US" dirty="0" smtClean="0"/>
+              <a:t>Often happens with call backs and timed functions</a:t>
+            </a:r>
+          </a:p>
+          <a:p>
+            <a:r>
+              <a:rPr lang="en-US" dirty="0" smtClean="0"/>
+              <a:t> We can do this by assigning </a:t>
+            </a:r>
+            <a:r>
+              <a:rPr lang="en-US" i="1" dirty="0" smtClean="0"/>
+              <a:t>this</a:t>
+            </a:r>
+            <a:r>
+              <a:rPr lang="en-US" dirty="0" smtClean="0"/>
+              <a:t> from the right context to a different variable</a:t>
+            </a:r>
+          </a:p>
+          <a:p>
+            <a:r>
+              <a:rPr lang="en-US" dirty="0" smtClean="0"/>
+              <a:t>Or using </a:t>
+            </a:r>
+            <a:r>
+              <a:rPr lang="en-US" dirty="0" smtClean="0">
+                <a:latin typeface="Consolas"/>
+                <a:cs typeface="Consolas"/>
+              </a:rPr>
+              <a:t>.bind(context)</a:t>
+            </a:r>
+          </a:p>
+          <a:p>
+            <a:r>
+              <a:rPr lang="en-US" dirty="0" smtClean="0"/>
+              <a:t>Other methods include .call</a:t>
+            </a:r>
+            <a:r>
+              <a:rPr lang="en-US" dirty="0" smtClean="0">
+                <a:latin typeface="Consolas"/>
+                <a:cs typeface="Consolas"/>
+              </a:rPr>
+              <a:t>(context, p1, p2) </a:t>
+            </a:r>
+            <a:r>
+              <a:rPr lang="en-US" dirty="0" smtClean="0"/>
+              <a:t>&amp; </a:t>
+            </a:r>
+            <a:r>
+              <a:rPr lang="en-US" dirty="0" smtClean="0">
+                <a:latin typeface="Consolas"/>
+                <a:cs typeface="Consolas"/>
+              </a:rPr>
+              <a:t>.apply(context, [p1,p2])</a:t>
+            </a:r>
+          </a:p>
+          <a:p>
+            <a:r>
+              <a:rPr lang="en-US" dirty="0"/>
+              <a:t>Look at </a:t>
+            </a:r>
+            <a:r>
+              <a:rPr lang="en-US" dirty="0" smtClean="0"/>
+              <a:t>8. manipulating context</a:t>
+            </a:r>
+            <a:endParaRPr lang="en-US" dirty="0"/>
+          </a:p>
+        </p:txBody>
+      </p:sp>
+    </p:spTree>
+    <p:extLst>
+      <p:ext uri="{BB962C8B-B14F-4D97-AF65-F5344CB8AC3E}">
+        <p14:creationId xmlns:p14="http://schemas.microsoft.com/office/powerpoint/2010/main" val="2299128352"/>
+      </p:ext>
+    </p:extLst>
+  </p:cSld>
+  <p:clrMapOvr>
+    <a:masterClrMapping/>
+  </p:clrMapOvr>
+  <p:timing>
+    <p:tnLst>
+      <p:par>
+        <p:cTn xmlns:p14="http://schemas.microsoft.com/office/powerpoint/2010/main" id="1" dur="indefinite" restart="never" nodeType="tmRoot">
+          <p:childTnLst>
+            <p:seq concurrent="1" nextAc="seek">
+              <p:cTn id="2" dur="indefinite" nodeType="mainSeq">
+                <p:childTnLst>
+                  <p:par>
+                    <p:cTn id="3" fill="hold">
+                      <p:stCondLst>
+                        <p:cond delay="indefinite"/>
+                      </p:stCondLst>
+                      <p:childTnLst>
+                        <p:par>
+                          <p:cTn id="4" fill="hold">
+                            <p:stCondLst>
+                              <p:cond delay="0"/>
+                            </p:stCondLst>
+                            <p:childTnLst>
+                              <p:par>
+                                <p:cTn id="5" presetID="1" presetClass="entr" presetSubtype="0" fill="hold" grpId="0" nodeType="clickEffect">
+                                  <p:stCondLst>
+                                    <p:cond delay="0"/>
+                                  </p:stCondLst>
+                                  <p:childTnLst>
+                                    <p:set>
+                                      <p:cBhvr>
+                                        <p:cTn id="6" dur="1" fill="hold">
+                                          <p:stCondLst>
+                                            <p:cond delay="0"/>
+                                          </p:stCondLst>
+                                        </p:cTn>
+                                        <p:tgtEl>
+                                          <p:spTgt spid="3">
+                                            <p:txEl>
+                                              <p:pRg st="0" end="0"/>
+                                            </p:txEl>
+                                          </p:spTgt>
+                                        </p:tgtEl>
+                                        <p:attrNameLst>
+                                          <p:attrName>style.visibility</p:attrName>
+                                        </p:attrNameLst>
+                                      </p:cBhvr>
+                                      <p:to>
+                                        <p:strVal val="visible"/>
+                                      </p:to>
+                                    </p:set>
+                                  </p:childTnLst>
+                                </p:cTn>
+                              </p:par>
+                            </p:childTnLst>
+                          </p:cTn>
+                        </p:par>
+                      </p:childTnLst>
+                    </p:cTn>
+                  </p:par>
+                  <p:par>
+                    <p:cTn id="7" fill="hold">
+                      <p:stCondLst>
+                        <p:cond delay="indefinite"/>
+                      </p:stCondLst>
+                      <p:childTnLst>
+                        <p:par>
+                          <p:cTn id="8" fill="hold">
+                            <p:stCondLst>
+                              <p:cond delay="0"/>
+                            </p:stCondLst>
+                            <p:childTnLst>
+                              <p:par>
+                                <p:cTn id="9" presetID="1" presetClass="entr" presetSubtype="0" fill="hold" grpId="0" nodeType="clickEffect">
+                                  <p:stCondLst>
+                                    <p:cond delay="0"/>
+                                  </p:stCondLst>
+                                  <p:childTnLst>
+                                    <p:set>
+                                      <p:cBhvr>
+                                        <p:cTn id="10" dur="1" fill="hold">
+                                          <p:stCondLst>
+                                            <p:cond delay="0"/>
+                                          </p:stCondLst>
+                                        </p:cTn>
+                                        <p:tgtEl>
+                                          <p:spTgt spid="3">
+                                            <p:txEl>
+                                              <p:pRg st="1" end="1"/>
+                                            </p:txEl>
+                                          </p:spTgt>
+                                        </p:tgtEl>
+                                        <p:attrNameLst>
+                                          <p:attrName>style.visibility</p:attrName>
+                                        </p:attrNameLst>
+                                      </p:cBhvr>
+                                      <p:to>
+                                        <p:strVal val="visible"/>
+                                      </p:to>
+                                    </p:set>
+                                  </p:childTnLst>
+                                </p:cTn>
+                              </p:par>
+                            </p:childTnLst>
+                          </p:cTn>
+                        </p:par>
+                      </p:childTnLst>
+                    </p:cTn>
+                  </p:par>
+                  <p:par>
+                    <p:cTn id="11" fill="hold">
+                      <p:stCondLst>
+                        <p:cond delay="indefinite"/>
+                      </p:stCondLst>
+                      <p:childTnLst>
+                        <p:par>
+                          <p:cTn id="12" fill="hold">
+                            <p:stCondLst>
+                              <p:cond delay="0"/>
+                            </p:stCondLst>
+                            <p:childTnLst>
+                              <p:par>
+                                <p:cTn id="13" presetID="1" presetClass="entr" presetSubtype="0" fill="hold" grpId="0" nodeType="clickEffect">
+                                  <p:stCondLst>
+                                    <p:cond delay="0"/>
+                                  </p:stCondLst>
+                                  <p:childTnLst>
+                                    <p:set>
+                                      <p:cBhvr>
+                                        <p:cTn id="14" dur="1" fill="hold">
+                                          <p:stCondLst>
+                                            <p:cond delay="0"/>
+                                          </p:stCondLst>
+                                        </p:cTn>
+                                        <p:tgtEl>
+                                          <p:spTgt spid="3">
+                                            <p:txEl>
+                                              <p:pRg st="2" end="2"/>
+                                            </p:txEl>
+                                          </p:spTgt>
+                                        </p:tgtEl>
+                                        <p:attrNameLst>
+                                          <p:attrName>style.visibility</p:attrName>
+                                        </p:attrNameLst>
+                                      </p:cBhvr>
+                                      <p:to>
+                                        <p:strVal val="visible"/>
+                                      </p:to>
+                                    </p:set>
+                                  </p:childTnLst>
+                                </p:cTn>
+                              </p:par>
+                            </p:childTnLst>
+                          </p:cTn>
+                        </p:par>
+                      </p:childTnLst>
+                    </p:cTn>
+                  </p:par>
+                  <p:par>
+                    <p:cTn id="15" fill="hold">
+                      <p:stCondLst>
+                        <p:cond delay="indefinite"/>
+                      </p:stCondLst>
+                      <p:childTnLst>
+                        <p:par>
+                          <p:cTn id="16" fill="hold">
+                            <p:stCondLst>
+                              <p:cond delay="0"/>
+                            </p:stCondLst>
+                            <p:childTnLst>
+                              <p:par>
+                                <p:cTn id="17" presetID="1" presetClass="entr" presetSubtype="0" fill="hold" grpId="0" nodeType="clickEffect">
+                                  <p:stCondLst>
+                                    <p:cond delay="0"/>
+                                  </p:stCondLst>
+                                  <p:childTnLst>
+                                    <p:set>
+                                      <p:cBhvr>
+                                        <p:cTn id="18" dur="1" fill="hold">
+                                          <p:stCondLst>
+                                            <p:cond delay="0"/>
+                                          </p:stCondLst>
+                                        </p:cTn>
+                                        <p:tgtEl>
+                                          <p:spTgt spid="3">
+                                            <p:txEl>
+                                              <p:pRg st="3" end="3"/>
+                                            </p:txEl>
+                                          </p:spTgt>
+                                        </p:tgtEl>
+                                        <p:attrNameLst>
+                                          <p:attrName>style.visibility</p:attrName>
+                                        </p:attrNameLst>
+                                      </p:cBhvr>
+                                      <p:to>
+                                        <p:strVal val="visible"/>
+                                      </p:to>
+                                    </p:set>
+                                  </p:childTnLst>
+                                </p:cTn>
+                              </p:par>
+                            </p:childTnLst>
+                          </p:cTn>
+                        </p:par>
+                      </p:childTnLst>
+                    </p:cTn>
+                  </p:par>
+                  <p:par>
+                    <p:cTn id="19" fill="hold">
+                      <p:stCondLst>
+                        <p:cond delay="indefinite"/>
+                      </p:stCondLst>
+                      <p:childTnLst>
+                        <p:par>
+                          <p:cTn id="20" fill="hold">
+                            <p:stCondLst>
+                              <p:cond delay="0"/>
+                            </p:stCondLst>
+                            <p:childTnLst>
+                              <p:par>
+                                <p:cTn id="21" presetID="1" presetClass="entr" presetSubtype="0" fill="hold" grpId="0" nodeType="clickEffect">
+                                  <p:stCondLst>
+                                    <p:cond delay="0"/>
+                                  </p:stCondLst>
+                                  <p:childTnLst>
+                                    <p:set>
+                                      <p:cBhvr>
+                                        <p:cTn id="22" dur="1" fill="hold">
+                                          <p:stCondLst>
+                                            <p:cond delay="0"/>
+                                          </p:stCondLst>
+                                        </p:cTn>
+                                        <p:tgtEl>
+                                          <p:spTgt spid="3">
+                                            <p:txEl>
+                                              <p:pRg st="4" end="4"/>
+                                            </p:txEl>
+                                          </p:spTgt>
+                                        </p:tgtEl>
+                                        <p:attrNameLst>
+                                          <p:attrName>style.visibility</p:attrName>
+                                        </p:attrNameLst>
+                                      </p:cBhvr>
+                                      <p:to>
+                                        <p:strVal val="visible"/>
+                                      </p:to>
+                                    </p:set>
+                                  </p:childTnLst>
+                                </p:cTn>
+                              </p:par>
+                            </p:childTnLst>
+                          </p:cTn>
+                        </p:par>
+                      </p:childTnLst>
+                    </p:cTn>
+                  </p:par>
+                  <p:par>
+                    <p:cTn id="23" fill="hold">
+                      <p:stCondLst>
+                        <p:cond delay="indefinite"/>
+                      </p:stCondLst>
+                      <p:childTnLst>
+                        <p:par>
+                          <p:cTn id="24" fill="hold">
+                            <p:stCondLst>
+                              <p:cond delay="0"/>
+                            </p:stCondLst>
+                            <p:childTnLst>
+                              <p:par>
+                                <p:cTn id="25" presetID="1" presetClass="entr" presetSubtype="0" fill="hold" grpId="0" nodeType="clickEffect">
+                                  <p:stCondLst>
+                                    <p:cond delay="0"/>
+                                  </p:stCondLst>
+                                  <p:childTnLst>
+                                    <p:set>
+                                      <p:cBhvr>
+                                        <p:cTn id="26" dur="1" fill="hold">
+                                          <p:stCondLst>
+                                            <p:cond delay="0"/>
+                                          </p:stCondLst>
+                                        </p:cTn>
+                                        <p:tgtEl>
+                                          <p:spTgt spid="3">
+                                            <p:txEl>
+                                              <p:pRg st="5" end="5"/>
+                                            </p:txEl>
+                                          </p:spTgt>
+                                        </p:tgtEl>
+                                        <p:attrNameLst>
+                                          <p:attrName>style.visibility</p:attrName>
+                                        </p:attrNameLst>
+                                      </p:cBhvr>
+                                      <p:to>
+                                        <p:strVal val="visible"/>
+                                      </p:to>
+                                    </p:set>
+                                  </p:childTnLst>
+                                </p:cTn>
+                              </p:par>
+                            </p:childTnLst>
+                          </p:cTn>
+                        </p:par>
+                      </p:childTnLst>
+                    </p:cTn>
+                  </p:par>
+                </p:childTnLst>
+              </p:cTn>
+              <p:prevCondLst>
+                <p:cond evt="onPrev" delay="0">
+                  <p:tgtEl>
+                    <p:sldTgt/>
+                  </p:tgtEl>
+                </p:cond>
+              </p:prevCondLst>
+              <p:nextCondLst>
+                <p:cond evt="onNext" delay="0">
+                  <p:tgtEl>
+                    <p:sldTgt/>
+                  </p:tgtEl>
+                </p:cond>
+              </p:nextCondLst>
+            </p:seq>
+          </p:childTnLst>
+        </p:cTn>
+      </p:par>
+    </p:tnLst>
+    <p:bldLst>
+      <p:bldP spid="3" grpId="0" build="p"/>
+    </p:bldLst>
+  </p:timing>
+</p:sld>
+</file>
+
 <file path=ppt/slides/slide2.xml><?xml version="1.0" encoding="utf-8"?>
 <p:sld xmlns:a="http://schemas.openxmlformats.org/drawingml/2006/main" xmlns:r="http://schemas.openxmlformats.org/officeDocument/2006/relationships" xmlns:p="http://schemas.openxmlformats.org/presentationml/2006/main">
   <p:cSld>
@@ -3614,7 +6971,7 @@
           <a:p>
             <a:r>
               <a:rPr lang="en-US" dirty="0" smtClean="0"/>
-              <a:t>Defining functions</a:t>
+              <a:t>Basics of functions (revision)</a:t>
             </a:r>
             <a:endParaRPr lang="en-US" dirty="0"/>
           </a:p>
@@ -3633,151 +6990,91 @@
         <p:spPr/>
         <p:txBody>
           <a:bodyPr>
-            <a:normAutofit/>
+            <a:normAutofit lnSpcReduction="10000"/>
           </a:bodyPr>
           <a:lstStyle/>
           <a:p>
+            <a:r>
+              <a:rPr lang="en-US" dirty="0" smtClean="0"/>
+              <a:t>Functions do things</a:t>
+            </a:r>
+          </a:p>
+          <a:p>
+            <a:r>
+              <a:rPr lang="en-US" dirty="0" smtClean="0"/>
+              <a:t>Can be used for repetitive tasks</a:t>
+            </a:r>
+          </a:p>
+          <a:p>
+            <a:r>
+              <a:rPr lang="en-US" dirty="0"/>
+              <a:t>T</a:t>
+            </a:r>
+            <a:r>
+              <a:rPr lang="en-US" dirty="0" smtClean="0"/>
+              <a:t>ake arguments as input</a:t>
+            </a:r>
+          </a:p>
+          <a:p>
+            <a:r>
+              <a:rPr lang="en-US" dirty="0"/>
+              <a:t>C</a:t>
+            </a:r>
+            <a:r>
+              <a:rPr lang="en-US" dirty="0" smtClean="0"/>
+              <a:t>an return a value, object or even a function</a:t>
+            </a:r>
+          </a:p>
+          <a:p>
+            <a:endParaRPr lang="en-US" dirty="0" smtClean="0"/>
+          </a:p>
+          <a:p>
+            <a:r>
+              <a:rPr lang="en-US" i="1" dirty="0" smtClean="0"/>
+              <a:t>Code with me ...</a:t>
+            </a:r>
+            <a:endParaRPr lang="en-US" i="1" dirty="0"/>
+          </a:p>
+          <a:p>
             <a:pPr marL="0" indent="0">
               <a:buNone/>
             </a:pPr>
             <a:r>
-              <a:rPr lang="en-US" sz="2400" dirty="0" smtClean="0">
-                <a:latin typeface="Consolas"/>
-                <a:cs typeface="Consolas"/>
-              </a:rPr>
-              <a:t>function </a:t>
-            </a:r>
-            <a:r>
-              <a:rPr lang="en-US" sz="2400" dirty="0" err="1" smtClean="0">
-                <a:latin typeface="Consolas"/>
-                <a:cs typeface="Consolas"/>
-              </a:rPr>
-              <a:t>isNimble</a:t>
-            </a:r>
-            <a:r>
-              <a:rPr lang="en-US" sz="2400" dirty="0" smtClean="0">
-                <a:latin typeface="Consolas"/>
-                <a:cs typeface="Consolas"/>
-              </a:rPr>
-              <a:t>(){ return true; } </a:t>
-            </a:r>
+              <a:rPr lang="hr-HR" i="1" dirty="0">
+                <a:hlinkClick r:id="rId3"/>
+              </a:rPr>
+              <a:t>http://jsfiddle.net/user/kimonsatan/fiddles</a:t>
+            </a:r>
+            <a:r>
+              <a:rPr lang="hr-HR" i="1" dirty="0" smtClean="0">
+                <a:hlinkClick r:id="rId3"/>
+              </a:rPr>
+              <a:t>/</a:t>
+            </a:r>
+            <a:endParaRPr lang="hr-HR" i="1" dirty="0" smtClean="0"/>
           </a:p>
           <a:p>
             <a:pPr marL="0" indent="0">
               <a:buNone/>
             </a:pPr>
-            <a:endParaRPr lang="en-US" sz="2400" dirty="0" smtClean="0">
-              <a:latin typeface="Consolas"/>
-              <a:cs typeface="Consolas"/>
-            </a:endParaRPr>
+            <a:r>
+              <a:rPr lang="hr-HR" i="1" dirty="0" smtClean="0"/>
+              <a:t>	- 1. base sandbox</a:t>
+            </a:r>
+            <a:endParaRPr lang="pl-PL" i="1" dirty="0" smtClean="0"/>
           </a:p>
           <a:p>
             <a:pPr marL="0" indent="0">
               <a:buNone/>
             </a:pPr>
-            <a:r>
-              <a:rPr lang="en-US" sz="2400" dirty="0" err="1" smtClean="0">
-                <a:latin typeface="Consolas"/>
-                <a:cs typeface="Consolas"/>
-              </a:rPr>
-              <a:t>var</a:t>
-            </a:r>
-            <a:r>
-              <a:rPr lang="en-US" sz="2400" dirty="0" smtClean="0">
-                <a:latin typeface="Consolas"/>
-                <a:cs typeface="Consolas"/>
-              </a:rPr>
-              <a:t> </a:t>
-            </a:r>
-            <a:r>
-              <a:rPr lang="en-US" sz="2400" dirty="0" err="1" smtClean="0">
-                <a:latin typeface="Consolas"/>
-                <a:cs typeface="Consolas"/>
-              </a:rPr>
-              <a:t>canFly</a:t>
-            </a:r>
-            <a:r>
-              <a:rPr lang="en-US" sz="2400" dirty="0" smtClean="0">
-                <a:latin typeface="Consolas"/>
-                <a:cs typeface="Consolas"/>
-              </a:rPr>
-              <a:t> = function(){ return true; };</a:t>
-            </a:r>
-          </a:p>
-          <a:p>
-            <a:pPr marL="0" indent="0">
-              <a:buNone/>
-            </a:pPr>
-            <a:r>
-              <a:rPr lang="en-US" sz="2400" dirty="0" smtClean="0">
-                <a:latin typeface="Consolas"/>
-                <a:cs typeface="Consolas"/>
-              </a:rPr>
-              <a:t> </a:t>
-            </a:r>
-          </a:p>
-          <a:p>
-            <a:pPr marL="0" indent="0">
-              <a:buNone/>
-            </a:pPr>
-            <a:r>
-              <a:rPr lang="en-US" sz="2400" dirty="0" err="1" smtClean="0">
-                <a:latin typeface="Consolas"/>
-                <a:cs typeface="Consolas"/>
-              </a:rPr>
-              <a:t>window.isDeadly</a:t>
-            </a:r>
-            <a:r>
-              <a:rPr lang="en-US" sz="2400" dirty="0" smtClean="0">
-                <a:latin typeface="Consolas"/>
-                <a:cs typeface="Consolas"/>
-              </a:rPr>
-              <a:t> = function(){ return true; }; </a:t>
-            </a:r>
-          </a:p>
-          <a:p>
-            <a:pPr marL="0" indent="0">
-              <a:buNone/>
-            </a:pPr>
-            <a:endParaRPr lang="en-US" sz="2400" dirty="0">
-              <a:latin typeface="Consolas"/>
-              <a:cs typeface="Consolas"/>
-            </a:endParaRPr>
-          </a:p>
-          <a:p>
-            <a:pPr marL="0" indent="0">
-              <a:buNone/>
-            </a:pPr>
-            <a:endParaRPr lang="en-US" sz="2400" dirty="0" smtClean="0">
-              <a:latin typeface="Consolas"/>
-              <a:cs typeface="Consolas"/>
-            </a:endParaRPr>
-          </a:p>
-          <a:p>
-            <a:r>
-              <a:rPr lang="en-US" sz="2400" dirty="0" smtClean="0">
-                <a:cs typeface="Consolas"/>
-              </a:rPr>
-              <a:t>What’s the difference between these ?</a:t>
-            </a:r>
-          </a:p>
-          <a:p>
-            <a:r>
-              <a:rPr lang="en-US" sz="2400" dirty="0" smtClean="0">
-                <a:cs typeface="Consolas"/>
-              </a:rPr>
-              <a:t>Try out exercise 1</a:t>
-            </a:r>
-            <a:endParaRPr lang="en-US" sz="2400" dirty="0">
-              <a:cs typeface="Consolas"/>
-            </a:endParaRPr>
+            <a:endParaRPr lang="en-US" dirty="0"/>
           </a:p>
         </p:txBody>
       </p:sp>
     </p:spTree>
     <p:extLst>
       <p:ext uri="{BB962C8B-B14F-4D97-AF65-F5344CB8AC3E}">
-        <p14:creationId xmlns:p14="http://schemas.microsoft.com/office/powerpoint/2010/main" val="3292752590"/>
+        <p14:creationId xmlns:p14="http://schemas.microsoft.com/office/powerpoint/2010/main" val="2354906838"/>
       </p:ext>
     </p:extLst>
   </p:cSld>
@@ -3821,7 +7118,7 @@
           <a:p>
             <a:r>
               <a:rPr lang="en-US" dirty="0" smtClean="0"/>
-              <a:t>Named functions</a:t>
+              <a:t>But we need functions to do more</a:t>
             </a:r>
             <a:endParaRPr lang="en-US" dirty="0"/>
           </a:p>
@@ -3842,171 +7139,329 @@
           <a:bodyPr/>
           <a:lstStyle/>
           <a:p>
-            <a:pPr marL="0" indent="0">
-              <a:buNone/>
-            </a:pPr>
-            <a:r>
-              <a:rPr lang="en-US" sz="2400" dirty="0" smtClean="0">
-                <a:cs typeface="Consolas"/>
-              </a:rPr>
-              <a:t>Named functions can be called before they are defined in the code</a:t>
-            </a:r>
-          </a:p>
-          <a:p>
-            <a:pPr marL="0" indent="0">
-              <a:buNone/>
-            </a:pPr>
-            <a:endParaRPr lang="en-US" sz="2400" dirty="0" smtClean="0">
-              <a:latin typeface="Consolas"/>
-              <a:cs typeface="Consolas"/>
-            </a:endParaRPr>
-          </a:p>
-          <a:p>
-            <a:pPr marL="0" indent="0">
-              <a:buNone/>
-            </a:pPr>
-            <a:r>
-              <a:rPr lang="en-US" sz="2400" dirty="0" smtClean="0">
-                <a:latin typeface="Consolas"/>
-                <a:cs typeface="Consolas"/>
-              </a:rPr>
-              <a:t>function </a:t>
-            </a:r>
-            <a:r>
-              <a:rPr lang="en-US" sz="2400" dirty="0" err="1" smtClean="0">
-                <a:latin typeface="Consolas"/>
-                <a:cs typeface="Consolas"/>
-              </a:rPr>
-              <a:t>isNimble</a:t>
-            </a:r>
-            <a:r>
-              <a:rPr lang="en-US" sz="2400" dirty="0" smtClean="0">
-                <a:latin typeface="Consolas"/>
-                <a:cs typeface="Consolas"/>
-              </a:rPr>
-              <a:t>(){ return true; } </a:t>
-            </a:r>
-          </a:p>
-          <a:p>
-            <a:pPr marL="0" indent="0">
-              <a:buNone/>
-            </a:pPr>
-            <a:endParaRPr lang="en-US" sz="2400" dirty="0" smtClean="0">
-              <a:cs typeface="Consolas"/>
-            </a:endParaRPr>
-          </a:p>
-          <a:p>
-            <a:pPr marL="0" indent="0">
-              <a:buNone/>
-            </a:pPr>
-            <a:r>
-              <a:rPr lang="en-US" sz="2400" smtClean="0">
-                <a:cs typeface="Consolas"/>
-              </a:rPr>
-              <a:t>Anonymous</a:t>
-            </a:r>
-            <a:r>
-              <a:rPr lang="en-US" sz="2400" smtClean="0">
-                <a:cs typeface="Consolas"/>
-              </a:rPr>
-              <a:t> </a:t>
-            </a:r>
-            <a:r>
-              <a:rPr lang="en-US" sz="2400" dirty="0" smtClean="0">
-                <a:cs typeface="Consolas"/>
-              </a:rPr>
-              <a:t>functions can’t</a:t>
-            </a:r>
-          </a:p>
-          <a:p>
-            <a:pPr marL="0" indent="0">
-              <a:buNone/>
-            </a:pPr>
-            <a:endParaRPr lang="en-US" sz="2400" dirty="0">
-              <a:cs typeface="Consolas"/>
-            </a:endParaRPr>
-          </a:p>
-          <a:p>
-            <a:pPr marL="0" indent="0">
-              <a:buNone/>
-            </a:pPr>
-            <a:r>
-              <a:rPr lang="en-US" sz="2400" dirty="0" err="1" smtClean="0">
-                <a:latin typeface="Consolas"/>
-                <a:cs typeface="Consolas"/>
-              </a:rPr>
-              <a:t>var</a:t>
-            </a:r>
-            <a:r>
-              <a:rPr lang="en-US" sz="2400" dirty="0" smtClean="0">
-                <a:latin typeface="Consolas"/>
-                <a:cs typeface="Consolas"/>
-              </a:rPr>
-              <a:t> </a:t>
-            </a:r>
-            <a:r>
-              <a:rPr lang="en-US" sz="2400" dirty="0" err="1" smtClean="0">
-                <a:latin typeface="Consolas"/>
-                <a:cs typeface="Consolas"/>
-              </a:rPr>
-              <a:t>canFly</a:t>
-            </a:r>
-            <a:r>
-              <a:rPr lang="en-US" sz="2400" dirty="0" smtClean="0">
-                <a:latin typeface="Consolas"/>
-                <a:cs typeface="Consolas"/>
-              </a:rPr>
-              <a:t> = function(){ return true; };</a:t>
-            </a:r>
-          </a:p>
-          <a:p>
-            <a:pPr marL="0" indent="0">
-              <a:buNone/>
-            </a:pPr>
-            <a:r>
-              <a:rPr lang="en-US" sz="2400" dirty="0" err="1" smtClean="0">
-                <a:latin typeface="Consolas"/>
-                <a:cs typeface="Consolas"/>
-              </a:rPr>
-              <a:t>window.isDeadly</a:t>
-            </a:r>
-            <a:r>
-              <a:rPr lang="en-US" sz="2400" dirty="0" smtClean="0">
-                <a:latin typeface="Consolas"/>
-                <a:cs typeface="Consolas"/>
-              </a:rPr>
-              <a:t> = function(){ return true; }; </a:t>
-            </a:r>
-          </a:p>
-          <a:p>
-            <a:pPr marL="0" indent="0">
-              <a:buNone/>
-            </a:pPr>
-            <a:endParaRPr lang="en-US" sz="2400" dirty="0">
-              <a:cs typeface="Consolas"/>
-            </a:endParaRPr>
-          </a:p>
-          <a:p>
-            <a:pPr marL="0" indent="0">
-              <a:buNone/>
-            </a:pPr>
-            <a:endParaRPr lang="en-US" dirty="0">
-              <a:latin typeface="Consolas"/>
-              <a:cs typeface="Consolas"/>
-            </a:endParaRPr>
+            <a:r>
+              <a:rPr lang="en-US" dirty="0" smtClean="0"/>
+              <a:t>Store their own data</a:t>
+            </a:r>
+          </a:p>
+          <a:p>
+            <a:r>
+              <a:rPr lang="en-US" dirty="0" smtClean="0"/>
+              <a:t>Have public and private properties</a:t>
+            </a:r>
+          </a:p>
+          <a:p>
+            <a:r>
+              <a:rPr lang="en-US" dirty="0" smtClean="0"/>
+              <a:t>Allow multiple instantiations from a prototype</a:t>
+            </a:r>
+          </a:p>
+          <a:p>
+            <a:r>
+              <a:rPr lang="en-US" dirty="0" smtClean="0"/>
+              <a:t>Inherit properties from other functions</a:t>
+            </a:r>
+          </a:p>
+          <a:p>
+            <a:endParaRPr lang="en-US" dirty="0"/>
+          </a:p>
+          <a:p>
+            <a:r>
+              <a:rPr lang="en-US" i="1" dirty="0" smtClean="0"/>
+              <a:t>look at ‘2. the problem with anonymous functions’</a:t>
+            </a:r>
+            <a:endParaRPr lang="en-US" i="1" dirty="0"/>
           </a:p>
         </p:txBody>
       </p:sp>
     </p:spTree>
     <p:extLst>
       <p:ext uri="{BB962C8B-B14F-4D97-AF65-F5344CB8AC3E}">
-        <p14:creationId xmlns:p14="http://schemas.microsoft.com/office/powerpoint/2010/main" val="2637370294"/>
+        <p14:creationId xmlns:p14="http://schemas.microsoft.com/office/powerpoint/2010/main" val="2967794343"/>
       </p:ext>
     </p:extLst>
   </p:cSld>
   <p:clrMapOvr>
     <a:masterClrMapping/>
   </p:clrMapOvr>
+  <p:timing>
+    <p:tnLst>
+      <p:par>
+        <p:cTn xmlns:p14="http://schemas.microsoft.com/office/powerpoint/2010/main" id="1" dur="indefinite" restart="never" nodeType="tmRoot">
+          <p:childTnLst>
+            <p:seq concurrent="1" nextAc="seek">
+              <p:cTn id="2" dur="indefinite" nodeType="mainSeq">
+                <p:childTnLst>
+                  <p:par>
+                    <p:cTn id="3" fill="hold">
+                      <p:stCondLst>
+                        <p:cond delay="indefinite"/>
+                      </p:stCondLst>
+                      <p:childTnLst>
+                        <p:par>
+                          <p:cTn id="4" fill="hold">
+                            <p:stCondLst>
+                              <p:cond delay="0"/>
+                            </p:stCondLst>
+                            <p:childTnLst>
+                              <p:par>
+                                <p:cTn id="5" presetID="1" presetClass="entr" presetSubtype="0" fill="hold" grpId="0" nodeType="clickEffect">
+                                  <p:stCondLst>
+                                    <p:cond delay="0"/>
+                                  </p:stCondLst>
+                                  <p:childTnLst>
+                                    <p:set>
+                                      <p:cBhvr>
+                                        <p:cTn id="6" dur="1" fill="hold">
+                                          <p:stCondLst>
+                                            <p:cond delay="0"/>
+                                          </p:stCondLst>
+                                        </p:cTn>
+                                        <p:tgtEl>
+                                          <p:spTgt spid="3">
+                                            <p:txEl>
+                                              <p:pRg st="0" end="0"/>
+                                            </p:txEl>
+                                          </p:spTgt>
+                                        </p:tgtEl>
+                                        <p:attrNameLst>
+                                          <p:attrName>style.visibility</p:attrName>
+                                        </p:attrNameLst>
+                                      </p:cBhvr>
+                                      <p:to>
+                                        <p:strVal val="visible"/>
+                                      </p:to>
+                                    </p:set>
+                                  </p:childTnLst>
+                                </p:cTn>
+                              </p:par>
+                            </p:childTnLst>
+                          </p:cTn>
+                        </p:par>
+                      </p:childTnLst>
+                    </p:cTn>
+                  </p:par>
+                  <p:par>
+                    <p:cTn id="7" fill="hold">
+                      <p:stCondLst>
+                        <p:cond delay="indefinite"/>
+                      </p:stCondLst>
+                      <p:childTnLst>
+                        <p:par>
+                          <p:cTn id="8" fill="hold">
+                            <p:stCondLst>
+                              <p:cond delay="0"/>
+                            </p:stCondLst>
+                            <p:childTnLst>
+                              <p:par>
+                                <p:cTn id="9" presetID="1" presetClass="entr" presetSubtype="0" fill="hold" grpId="0" nodeType="clickEffect">
+                                  <p:stCondLst>
+                                    <p:cond delay="0"/>
+                                  </p:stCondLst>
+                                  <p:childTnLst>
+                                    <p:set>
+                                      <p:cBhvr>
+                                        <p:cTn id="10" dur="1" fill="hold">
+                                          <p:stCondLst>
+                                            <p:cond delay="0"/>
+                                          </p:stCondLst>
+                                        </p:cTn>
+                                        <p:tgtEl>
+                                          <p:spTgt spid="3">
+                                            <p:txEl>
+                                              <p:pRg st="1" end="1"/>
+                                            </p:txEl>
+                                          </p:spTgt>
+                                        </p:tgtEl>
+                                        <p:attrNameLst>
+                                          <p:attrName>style.visibility</p:attrName>
+                                        </p:attrNameLst>
+                                      </p:cBhvr>
+                                      <p:to>
+                                        <p:strVal val="visible"/>
+                                      </p:to>
+                                    </p:set>
+                                  </p:childTnLst>
+                                </p:cTn>
+                              </p:par>
+                            </p:childTnLst>
+                          </p:cTn>
+                        </p:par>
+                      </p:childTnLst>
+                    </p:cTn>
+                  </p:par>
+                  <p:par>
+                    <p:cTn id="11" fill="hold">
+                      <p:stCondLst>
+                        <p:cond delay="indefinite"/>
+                      </p:stCondLst>
+                      <p:childTnLst>
+                        <p:par>
+                          <p:cTn id="12" fill="hold">
+                            <p:stCondLst>
+                              <p:cond delay="0"/>
+                            </p:stCondLst>
+                            <p:childTnLst>
+                              <p:par>
+                                <p:cTn id="13" presetID="1" presetClass="entr" presetSubtype="0" fill="hold" grpId="0" nodeType="clickEffect">
+                                  <p:stCondLst>
+                                    <p:cond delay="0"/>
+                                  </p:stCondLst>
+                                  <p:childTnLst>
+                                    <p:set>
+                                      <p:cBhvr>
+                                        <p:cTn id="14" dur="1" fill="hold">
+                                          <p:stCondLst>
+                                            <p:cond delay="0"/>
+                                          </p:stCondLst>
+                                        </p:cTn>
+                                        <p:tgtEl>
+                                          <p:spTgt spid="3">
+                                            <p:txEl>
+                                              <p:pRg st="2" end="2"/>
+                                            </p:txEl>
+                                          </p:spTgt>
+                                        </p:tgtEl>
+                                        <p:attrNameLst>
+                                          <p:attrName>style.visibility</p:attrName>
+                                        </p:attrNameLst>
+                                      </p:cBhvr>
+                                      <p:to>
+                                        <p:strVal val="visible"/>
+                                      </p:to>
+                                    </p:set>
+                                  </p:childTnLst>
+                                </p:cTn>
+                              </p:par>
+                            </p:childTnLst>
+                          </p:cTn>
+                        </p:par>
+                      </p:childTnLst>
+                    </p:cTn>
+                  </p:par>
+                  <p:par>
+                    <p:cTn id="15" fill="hold">
+                      <p:stCondLst>
+                        <p:cond delay="indefinite"/>
+                      </p:stCondLst>
+                      <p:childTnLst>
+                        <p:par>
+                          <p:cTn id="16" fill="hold">
+                            <p:stCondLst>
+                              <p:cond delay="0"/>
+                            </p:stCondLst>
+                            <p:childTnLst>
+                              <p:par>
+                                <p:cTn id="17" presetID="1" presetClass="entr" presetSubtype="0" fill="hold" grpId="0" nodeType="clickEffect">
+                                  <p:stCondLst>
+                                    <p:cond delay="0"/>
+                                  </p:stCondLst>
+                                  <p:childTnLst>
+                                    <p:set>
+                                      <p:cBhvr>
+                                        <p:cTn id="18" dur="1" fill="hold">
+                                          <p:stCondLst>
+                                            <p:cond delay="0"/>
+                                          </p:stCondLst>
+                                        </p:cTn>
+                                        <p:tgtEl>
+                                          <p:spTgt spid="3">
+                                            <p:txEl>
+                                              <p:pRg st="3" end="3"/>
+                                            </p:txEl>
+                                          </p:spTgt>
+                                        </p:tgtEl>
+                                        <p:attrNameLst>
+                                          <p:attrName>style.visibility</p:attrName>
+                                        </p:attrNameLst>
+                                      </p:cBhvr>
+                                      <p:to>
+                                        <p:strVal val="visible"/>
+                                      </p:to>
+                                    </p:set>
+                                  </p:childTnLst>
+                                </p:cTn>
+                              </p:par>
+                            </p:childTnLst>
+                          </p:cTn>
+                        </p:par>
+                      </p:childTnLst>
+                    </p:cTn>
+                  </p:par>
+                  <p:par>
+                    <p:cTn id="19" fill="hold">
+                      <p:stCondLst>
+                        <p:cond delay="indefinite"/>
+                      </p:stCondLst>
+                      <p:childTnLst>
+                        <p:par>
+                          <p:cTn id="20" fill="hold">
+                            <p:stCondLst>
+                              <p:cond delay="0"/>
+                            </p:stCondLst>
+                            <p:childTnLst>
+                              <p:par>
+                                <p:cTn id="21" presetID="1" presetClass="entr" presetSubtype="0" fill="hold" grpId="0" nodeType="clickEffect">
+                                  <p:stCondLst>
+                                    <p:cond delay="0"/>
+                                  </p:stCondLst>
+                                  <p:childTnLst>
+                                    <p:set>
+                                      <p:cBhvr>
+                                        <p:cTn id="22" dur="1" fill="hold">
+                                          <p:stCondLst>
+                                            <p:cond delay="0"/>
+                                          </p:stCondLst>
+                                        </p:cTn>
+                                        <p:tgtEl>
+                                          <p:spTgt spid="3">
+                                            <p:txEl>
+                                              <p:pRg st="5" end="5"/>
+                                            </p:txEl>
+                                          </p:spTgt>
+                                        </p:tgtEl>
+                                        <p:attrNameLst>
+                                          <p:attrName>style.visibility</p:attrName>
+                                        </p:attrNameLst>
+                                      </p:cBhvr>
+                                      <p:to>
+                                        <p:strVal val="visible"/>
+                                      </p:to>
+                                    </p:set>
+                                  </p:childTnLst>
+                                </p:cTn>
+                              </p:par>
+                            </p:childTnLst>
+                          </p:cTn>
+                        </p:par>
+                      </p:childTnLst>
+                    </p:cTn>
+                  </p:par>
+                </p:childTnLst>
+              </p:cTn>
+              <p:prevCondLst>
+                <p:cond evt="onPrev" delay="0">
+                  <p:tgtEl>
+                    <p:sldTgt/>
+                  </p:tgtEl>
+                </p:cond>
+              </p:prevCondLst>
+              <p:nextCondLst>
+                <p:cond evt="onNext" delay="0">
+                  <p:tgtEl>
+                    <p:sldTgt/>
+                  </p:tgtEl>
+                </p:cond>
+              </p:nextCondLst>
+            </p:seq>
+          </p:childTnLst>
+        </p:cTn>
+      </p:par>
+    </p:tnLst>
+    <p:bldLst>
+      <p:bldP spid="3" grpId="0" build="p"/>
+    </p:bldLst>
+  </p:timing>
 </p:sld>
 </file>
 
@@ -4039,12 +7494,18 @@
         </p:nvSpPr>
         <p:spPr/>
         <p:txBody>
-          <a:bodyPr/>
-          <a:lstStyle/>
-          <a:p>
+          <a:bodyPr>
+            <a:normAutofit/>
+          </a:bodyPr>
+          <a:lstStyle/>
+          <a:p>
+            <a:r>
+              <a:rPr lang="en-US" dirty="0"/>
+              <a:t>F</a:t>
+            </a:r>
             <a:r>
               <a:rPr lang="en-US" dirty="0" smtClean="0"/>
-              <a:t>Scope again</a:t>
+              <a:t>unctions as properties of objects</a:t>
             </a:r>
             <a:endParaRPr lang="en-US" dirty="0"/>
           </a:p>
@@ -4062,19 +7523,28 @@
         </p:nvSpPr>
         <p:spPr/>
         <p:txBody>
-          <a:bodyPr/>
-          <a:lstStyle/>
-          <a:p>
-            <a:r>
-              <a:rPr lang="en-US" dirty="0" smtClean="0"/>
-              <a:t>But named functions aren’t necessarily global</a:t>
-            </a:r>
-          </a:p>
+          <a:bodyPr>
+            <a:normAutofit/>
+          </a:bodyPr>
+          <a:lstStyle/>
           <a:p>
             <a:pPr marL="0" indent="0">
               <a:buNone/>
             </a:pPr>
-            <a:endParaRPr lang="en-US" dirty="0"/>
+            <a:r>
+              <a:rPr lang="en-US" sz="2800" dirty="0" err="1" smtClean="0">
+                <a:latin typeface="Consolas"/>
+                <a:cs typeface="Consolas"/>
+              </a:rPr>
+              <a:t>var</a:t>
+            </a:r>
+            <a:r>
+              <a:rPr lang="en-US" sz="2800" dirty="0" smtClean="0">
+                <a:latin typeface="Consolas"/>
+                <a:cs typeface="Consolas"/>
+              </a:rPr>
+              <a:t> ninja = {</a:t>
+            </a:r>
           </a:p>
           <a:p>
             <a:pPr marL="0" indent="0">
@@ -4085,18 +7555,6 @@
                 <a:latin typeface="Consolas"/>
                 <a:cs typeface="Consolas"/>
               </a:rPr>
-              <a:t>(function(){</a:t>
-            </a:r>
-          </a:p>
-          <a:p>
-            <a:pPr marL="0" indent="0">
-              <a:buNone/>
-            </a:pPr>
-            <a:r>
-              <a:rPr lang="en-US" sz="2800" dirty="0">
-                <a:latin typeface="Consolas"/>
-                <a:cs typeface="Consolas"/>
-              </a:rPr>
               <a:t>	</a:t>
             </a:r>
             <a:r>
@@ -4104,21 +7562,35 @@
                 <a:latin typeface="Consolas"/>
                 <a:cs typeface="Consolas"/>
               </a:rPr>
-              <a:t>function </a:t>
+              <a:t>scream</a:t>
+            </a:r>
+            <a:r>
+              <a:rPr lang="en-US" sz="2800" dirty="0" smtClean="0">
+                <a:latin typeface="Consolas"/>
+                <a:cs typeface="Consolas"/>
+              </a:rPr>
+              <a:t>: </a:t>
+            </a:r>
+            <a:r>
+              <a:rPr lang="en-US" sz="2800" dirty="0" smtClean="0">
+                <a:latin typeface="Consolas"/>
+                <a:cs typeface="Consolas"/>
+              </a:rPr>
+              <a:t>function(){return “</a:t>
             </a:r>
             <a:r>
               <a:rPr lang="en-US" sz="2800" dirty="0" err="1" smtClean="0">
                 <a:latin typeface="Consolas"/>
                 <a:cs typeface="Consolas"/>
               </a:rPr>
-              <a:t>isNimble</a:t>
+              <a:t>arrrggh</a:t>
             </a:r>
             <a:r>
               <a:rPr lang="en-US" sz="2800" dirty="0" smtClean="0">
                 <a:latin typeface="Consolas"/>
                 <a:cs typeface="Consolas"/>
               </a:rPr>
-              <a:t>(){return true;}</a:t>
+              <a:t>”;}</a:t>
             </a:r>
             <a:endParaRPr lang="en-US" sz="2800" dirty="0">
               <a:latin typeface="Consolas"/>
@@ -4134,68 +7606,67 @@
                 <a:latin typeface="Consolas"/>
                 <a:cs typeface="Consolas"/>
               </a:rPr>
-              <a:t>})();</a:t>
-            </a:r>
-            <a:r>
-              <a:rPr lang="en-US" sz="2800" dirty="0" smtClean="0"/>
-              <a:t> </a:t>
+              <a:t>}</a:t>
             </a:r>
           </a:p>
           <a:p>
             <a:pPr marL="0" indent="0">
               <a:buNone/>
             </a:pPr>
-            <a:endParaRPr lang="en-US" sz="2800" dirty="0"/>
-          </a:p>
-          <a:p>
-            <a:pPr marL="0" indent="0">
-              <a:buNone/>
-            </a:pPr>
-            <a:r>
-              <a:rPr lang="en-US" sz="2400" dirty="0" err="1" smtClean="0">
-                <a:latin typeface="Consolas"/>
-                <a:cs typeface="Consolas"/>
-              </a:rPr>
-              <a:t>console.log</a:t>
-            </a:r>
-            <a:r>
-              <a:rPr lang="en-US" sz="2400" dirty="0" smtClean="0">
-                <a:latin typeface="Consolas"/>
-                <a:cs typeface="Consolas"/>
-              </a:rPr>
-              <a:t>(</a:t>
-            </a:r>
-            <a:r>
-              <a:rPr lang="en-US" sz="2400" dirty="0" err="1" smtClean="0">
-                <a:latin typeface="Consolas"/>
-                <a:cs typeface="Consolas"/>
-              </a:rPr>
-              <a:t>isNimble</a:t>
-            </a:r>
-            <a:r>
-              <a:rPr lang="en-US" sz="2400" dirty="0" smtClean="0">
-                <a:latin typeface="Consolas"/>
-                <a:cs typeface="Consolas"/>
-              </a:rPr>
-              <a:t>()); //causes an error</a:t>
-            </a:r>
-            <a:endParaRPr lang="en-US" sz="2400" dirty="0">
+            <a:endParaRPr lang="en-US" sz="2800" dirty="0">
               <a:latin typeface="Consolas"/>
               <a:cs typeface="Consolas"/>
             </a:endParaRPr>
           </a:p>
+          <a:p>
+            <a:pPr marL="0" indent="0">
+              <a:buNone/>
+            </a:pPr>
+            <a:r>
+              <a:rPr lang="en-US" sz="2800" dirty="0" err="1" smtClean="0">
+                <a:latin typeface="Consolas"/>
+                <a:cs typeface="Consolas"/>
+              </a:rPr>
+              <a:t>ninja.scream</a:t>
+            </a:r>
+            <a:r>
+              <a:rPr lang="en-US" sz="2800" dirty="0" smtClean="0">
+                <a:latin typeface="Consolas"/>
+                <a:cs typeface="Consolas"/>
+              </a:rPr>
+              <a:t>(</a:t>
+            </a:r>
+            <a:r>
+              <a:rPr lang="en-US" sz="2800" dirty="0" smtClean="0">
+                <a:latin typeface="Consolas"/>
+                <a:cs typeface="Consolas"/>
+              </a:rPr>
+              <a:t>);</a:t>
+            </a:r>
+            <a:endParaRPr lang="en-US" sz="2800" dirty="0">
+              <a:latin typeface="Consolas"/>
+              <a:cs typeface="Consolas"/>
+            </a:endParaRPr>
+          </a:p>
         </p:txBody>
       </p:sp>
     </p:spTree>
     <p:extLst>
       <p:ext uri="{BB962C8B-B14F-4D97-AF65-F5344CB8AC3E}">
-        <p14:creationId xmlns:p14="http://schemas.microsoft.com/office/powerpoint/2010/main" val="146253246"/>
+        <p14:creationId xmlns:p14="http://schemas.microsoft.com/office/powerpoint/2010/main" val="1390358961"/>
       </p:ext>
     </p:extLst>
   </p:cSld>
   <p:clrMapOvr>
     <a:masterClrMapping/>
   </p:clrMapOvr>
+  <p:timing>
+    <p:tnLst>
+      <p:par>
+        <p:cTn xmlns:p14="http://schemas.microsoft.com/office/powerpoint/2010/main" id="1" dur="indefinite" restart="never" nodeType="tmRoot"/>
+      </p:par>
+    </p:tnLst>
+  </p:timing>
 </p:sld>
 </file>
 
@@ -4228,52 +7699,50 @@
         </p:nvSpPr>
         <p:spPr/>
         <p:txBody>
+          <a:bodyPr/>
+          <a:lstStyle/>
+          <a:p>
+            <a:r>
+              <a:rPr lang="en-US" dirty="0"/>
+              <a:t>D</a:t>
+            </a:r>
+            <a:r>
+              <a:rPr lang="en-US" dirty="0" smtClean="0"/>
+              <a:t>ata persistence through objects</a:t>
+            </a:r>
+            <a:endParaRPr lang="en-US" dirty="0"/>
+          </a:p>
+        </p:txBody>
+      </p:sp>
+      <p:sp>
+        <p:nvSpPr>
+          <p:cNvPr id="3" name="Content Placeholder 2"/>
+          <p:cNvSpPr>
+            <a:spLocks noGrp="1"/>
+          </p:cNvSpPr>
+          <p:nvPr>
+            <p:ph idx="1"/>
+          </p:nvPr>
+        </p:nvSpPr>
+        <p:spPr/>
+        <p:txBody>
           <a:bodyPr>
             <a:normAutofit/>
           </a:bodyPr>
           <a:lstStyle/>
           <a:p>
-            <a:r>
-              <a:rPr lang="en-US" dirty="0"/>
-              <a:t>F</a:t>
-            </a:r>
-            <a:r>
-              <a:rPr lang="en-US" dirty="0" smtClean="0"/>
-              <a:t>unctions as properties of objects</a:t>
-            </a:r>
-            <a:endParaRPr lang="en-US" dirty="0"/>
-          </a:p>
-        </p:txBody>
-      </p:sp>
-      <p:sp>
-        <p:nvSpPr>
-          <p:cNvPr id="3" name="Content Placeholder 2"/>
-          <p:cNvSpPr>
-            <a:spLocks noGrp="1"/>
-          </p:cNvSpPr>
-          <p:nvPr>
-            <p:ph idx="1"/>
-          </p:nvPr>
-        </p:nvSpPr>
-        <p:spPr/>
-        <p:txBody>
-          <a:bodyPr>
-            <a:normAutofit/>
-          </a:bodyPr>
-          <a:lstStyle/>
-          <a:p>
             <a:pPr marL="0" indent="0">
               <a:buNone/>
             </a:pPr>
             <a:r>
-              <a:rPr lang="en-US" sz="2800" dirty="0" err="1" smtClean="0">
+              <a:rPr lang="en-US" sz="2000" dirty="0" err="1">
                 <a:latin typeface="Consolas"/>
                 <a:cs typeface="Consolas"/>
               </a:rPr>
               <a:t>var</a:t>
             </a:r>
             <a:r>
-              <a:rPr lang="en-US" sz="2800" dirty="0" smtClean="0">
+              <a:rPr lang="en-US" sz="2000" dirty="0">
                 <a:latin typeface="Consolas"/>
                 <a:cs typeface="Consolas"/>
               </a:rPr>
@@ -4285,27 +7754,122 @@
               <a:buNone/>
             </a:pPr>
             <a:r>
-              <a:rPr lang="en-US" sz="2800" dirty="0" smtClean="0">
-                <a:latin typeface="Consolas"/>
-                <a:cs typeface="Consolas"/>
-              </a:rPr>
-              <a:t>	yell: function(){return “</a:t>
-            </a:r>
-            <a:r>
-              <a:rPr lang="en-US" sz="2800" dirty="0" err="1" smtClean="0">
-                <a:latin typeface="Consolas"/>
-                <a:cs typeface="Consolas"/>
-              </a:rPr>
-              <a:t>arrrggh</a:t>
-            </a:r>
-            <a:r>
-              <a:rPr lang="en-US" sz="2800" dirty="0" smtClean="0">
-                <a:latin typeface="Consolas"/>
-                <a:cs typeface="Consolas"/>
-              </a:rPr>
-              <a:t>”;}</a:t>
-            </a:r>
-            <a:endParaRPr lang="en-US" sz="2800" dirty="0">
+              <a:rPr lang="en-US" sz="2000" dirty="0">
+                <a:latin typeface="Consolas"/>
+                <a:cs typeface="Consolas"/>
+              </a:rPr>
+              <a:t>    yell: "</a:t>
+            </a:r>
+            <a:r>
+              <a:rPr lang="en-US" sz="2000" dirty="0" err="1">
+                <a:latin typeface="Consolas"/>
+                <a:cs typeface="Consolas"/>
+              </a:rPr>
+              <a:t>argghhh</a:t>
+            </a:r>
+            <a:r>
+              <a:rPr lang="en-US" sz="2000" dirty="0">
+                <a:latin typeface="Consolas"/>
+                <a:cs typeface="Consolas"/>
+              </a:rPr>
+              <a:t>",</a:t>
+            </a:r>
+          </a:p>
+          <a:p>
+            <a:pPr marL="0" indent="0">
+              <a:buNone/>
+            </a:pPr>
+            <a:r>
+              <a:rPr lang="en-US" sz="2000" dirty="0">
+                <a:latin typeface="Consolas"/>
+                <a:cs typeface="Consolas"/>
+              </a:rPr>
+              <a:t>    scream: function(){</a:t>
+            </a:r>
+          </a:p>
+          <a:p>
+            <a:pPr marL="0" indent="0">
+              <a:buNone/>
+            </a:pPr>
+            <a:r>
+              <a:rPr lang="en-US" sz="2000" dirty="0">
+                <a:latin typeface="Consolas"/>
+                <a:cs typeface="Consolas"/>
+              </a:rPr>
+              <a:t>        $('#</a:t>
+            </a:r>
+            <a:r>
+              <a:rPr lang="en-US" sz="2000" dirty="0" err="1">
+                <a:latin typeface="Consolas"/>
+                <a:cs typeface="Consolas"/>
+              </a:rPr>
+              <a:t>testOutput</a:t>
+            </a:r>
+            <a:r>
+              <a:rPr lang="en-US" sz="2000" dirty="0">
+                <a:latin typeface="Consolas"/>
+                <a:cs typeface="Consolas"/>
+              </a:rPr>
+              <a:t>').</a:t>
+            </a:r>
+            <a:r>
+              <a:rPr lang="en-US" sz="2000" dirty="0" err="1">
+                <a:latin typeface="Consolas"/>
+                <a:cs typeface="Consolas"/>
+              </a:rPr>
+              <a:t>val</a:t>
+            </a:r>
+            <a:r>
+              <a:rPr lang="en-US" sz="2000" dirty="0">
+                <a:latin typeface="Consolas"/>
+                <a:cs typeface="Consolas"/>
+              </a:rPr>
+              <a:t>(</a:t>
+            </a:r>
+            <a:r>
+              <a:rPr lang="en-US" sz="2000" dirty="0" err="1">
+                <a:latin typeface="Consolas"/>
+                <a:cs typeface="Consolas"/>
+              </a:rPr>
+              <a:t>this.yell</a:t>
+            </a:r>
+            <a:r>
+              <a:rPr lang="en-US" sz="2000" dirty="0">
+                <a:latin typeface="Consolas"/>
+                <a:cs typeface="Consolas"/>
+              </a:rPr>
+              <a:t>);</a:t>
+            </a:r>
+          </a:p>
+          <a:p>
+            <a:pPr marL="0" indent="0">
+              <a:buNone/>
+            </a:pPr>
+            <a:r>
+              <a:rPr lang="en-US" sz="2000" dirty="0">
+                <a:latin typeface="Consolas"/>
+                <a:cs typeface="Consolas"/>
+              </a:rPr>
+              <a:t>    }</a:t>
+            </a:r>
+          </a:p>
+          <a:p>
+            <a:pPr marL="0" indent="0">
+              <a:buNone/>
+            </a:pPr>
+            <a:r>
+              <a:rPr lang="en-US" sz="2000" dirty="0">
+                <a:latin typeface="Consolas"/>
+                <a:cs typeface="Consolas"/>
+              </a:rPr>
+              <a:t>};</a:t>
+            </a:r>
+          </a:p>
+          <a:p>
+            <a:pPr marL="0" indent="0">
+              <a:buNone/>
+            </a:pPr>
+            <a:endParaRPr lang="en-US" sz="2000" dirty="0">
               <a:latin typeface="Consolas"/>
               <a:cs typeface="Consolas"/>
             </a:endParaRPr>
@@ -4315,42 +7879,52 @@
               <a:buNone/>
             </a:pPr>
             <a:r>
-              <a:rPr lang="en-US" sz="2800" dirty="0" smtClean="0">
-                <a:latin typeface="Consolas"/>
-                <a:cs typeface="Consolas"/>
-              </a:rPr>
-              <a:t>}</a:t>
+              <a:rPr lang="en-US" sz="2000" dirty="0" err="1">
+                <a:latin typeface="Consolas"/>
+                <a:cs typeface="Consolas"/>
+              </a:rPr>
+              <a:t>ninja.scream</a:t>
+            </a:r>
+            <a:r>
+              <a:rPr lang="en-US" sz="2000" dirty="0">
+                <a:latin typeface="Consolas"/>
+                <a:cs typeface="Consolas"/>
+              </a:rPr>
+              <a:t>()</a:t>
+            </a:r>
+            <a:r>
+              <a:rPr lang="en-US" sz="2000" dirty="0" smtClean="0">
+                <a:latin typeface="Consolas"/>
+                <a:cs typeface="Consolas"/>
+              </a:rPr>
+              <a:t>;</a:t>
             </a:r>
           </a:p>
           <a:p>
             <a:pPr marL="0" indent="0">
               <a:buNone/>
             </a:pPr>
-            <a:endParaRPr lang="en-US" sz="2800" dirty="0">
+            <a:endParaRPr lang="en-US" sz="2000" dirty="0">
               <a:latin typeface="Consolas"/>
               <a:cs typeface="Consolas"/>
             </a:endParaRPr>
           </a:p>
           <a:p>
-            <a:pPr marL="0" indent="0">
-              <a:buNone/>
-            </a:pPr>
-            <a:r>
-              <a:rPr lang="en-US" sz="2800" dirty="0" err="1" smtClean="0">
-                <a:latin typeface="Consolas"/>
-                <a:cs typeface="Consolas"/>
-              </a:rPr>
-              <a:t>ninja.yell</a:t>
-            </a:r>
             <a:r>
               <a:rPr lang="en-US" sz="2800" dirty="0" smtClean="0">
-                <a:latin typeface="Consolas"/>
-                <a:cs typeface="Consolas"/>
-              </a:rPr>
-              <a:t>();</a:t>
-            </a:r>
-            <a:endParaRPr lang="en-US" sz="2800" dirty="0">
-              <a:latin typeface="Consolas"/>
+                <a:cs typeface="Consolas"/>
+              </a:rPr>
+              <a:t>‘this’ is the parent object</a:t>
+            </a:r>
+          </a:p>
+          <a:p>
+            <a:r>
+              <a:rPr lang="en-US" sz="2800" i="1" dirty="0" smtClean="0">
+                <a:cs typeface="Consolas"/>
+              </a:rPr>
+              <a:t>look at ‘3. data persistence through objects’</a:t>
+            </a:r>
+            <a:endParaRPr lang="en-US" sz="2800" i="1" dirty="0">
               <a:cs typeface="Consolas"/>
             </a:endParaRPr>
           </a:p>
@@ -4359,13 +7933,20 @@
     </p:spTree>
     <p:extLst>
       <p:ext uri="{BB962C8B-B14F-4D97-AF65-F5344CB8AC3E}">
-        <p14:creationId xmlns:p14="http://schemas.microsoft.com/office/powerpoint/2010/main" val="1390358961"/>
+        <p14:creationId xmlns:p14="http://schemas.microsoft.com/office/powerpoint/2010/main" val="2283512338"/>
       </p:ext>
     </p:extLst>
   </p:cSld>
   <p:clrMapOvr>
     <a:masterClrMapping/>
   </p:clrMapOvr>
+  <p:timing>
+    <p:tnLst>
+      <p:par>
+        <p:cTn xmlns:p14="http://schemas.microsoft.com/office/powerpoint/2010/main" id="1" dur="indefinite" restart="never" nodeType="tmRoot"/>
+      </p:par>
+    </p:tnLst>
+  </p:timing>
 </p:sld>
 </file>
 
@@ -4421,7 +8002,9 @@
         </p:nvSpPr>
         <p:spPr/>
         <p:txBody>
-          <a:bodyPr/>
+          <a:bodyPr>
+            <a:normAutofit fontScale="92500" lnSpcReduction="20000"/>
+          </a:bodyPr>
           <a:lstStyle/>
           <a:p>
             <a:pPr marL="0" indent="0">
@@ -4540,11 +8123,25 @@
               <a:buNone/>
             </a:pPr>
             <a:r>
+              <a:rPr lang="en-US" dirty="0" err="1" smtClean="0">
+                <a:latin typeface="Consolas"/>
+                <a:cs typeface="Consolas"/>
+              </a:rPr>
+              <a:t>var</a:t>
+            </a:r>
+            <a:r>
               <a:rPr lang="en-US" dirty="0" smtClean="0">
                 <a:latin typeface="Consolas"/>
                 <a:cs typeface="Consolas"/>
               </a:rPr>
-              <a:t>ninja = { scream: yell };</a:t>
+              <a:t> ninja </a:t>
+            </a:r>
+            <a:r>
+              <a:rPr lang="en-US" dirty="0" smtClean="0">
+                <a:latin typeface="Consolas"/>
+                <a:cs typeface="Consolas"/>
+              </a:rPr>
+              <a:t>= { scream: yell };</a:t>
             </a:r>
           </a:p>
           <a:p>
@@ -4572,10 +8169,45 @@
                 <a:latin typeface="Consolas"/>
                 <a:cs typeface="Consolas"/>
               </a:rPr>
-              <a:t>();</a:t>
-            </a:r>
+              <a:t>()</a:t>
+            </a:r>
+            <a:r>
+              <a:rPr lang="en-US" dirty="0" smtClean="0">
+                <a:latin typeface="Consolas"/>
+                <a:cs typeface="Consolas"/>
+              </a:rPr>
+              <a:t>;</a:t>
+            </a:r>
+          </a:p>
+          <a:p>
+            <a:pPr marL="0" indent="0">
+              <a:buNone/>
+            </a:pPr>
             <a:endParaRPr lang="en-US" dirty="0">
               <a:latin typeface="Consolas"/>
+              <a:cs typeface="Consolas"/>
+            </a:endParaRPr>
+          </a:p>
+          <a:p>
+            <a:r>
+              <a:rPr lang="en-US" dirty="0" smtClean="0">
+                <a:cs typeface="Consolas"/>
+              </a:rPr>
+              <a:t>Now try ‘4. </a:t>
+            </a:r>
+            <a:r>
+              <a:rPr lang="en-US" dirty="0">
+                <a:cs typeface="Consolas"/>
+              </a:rPr>
+              <a:t>F</a:t>
+            </a:r>
+            <a:r>
+              <a:rPr lang="en-US" dirty="0" smtClean="0">
+                <a:cs typeface="Consolas"/>
+              </a:rPr>
+              <a:t>unction pointers’</a:t>
+            </a:r>
+            <a:endParaRPr lang="en-US" dirty="0">
               <a:cs typeface="Consolas"/>
             </a:endParaRPr>
           </a:p>
@@ -4597,6 +8229,13 @@
   <p:clrMapOvr>
     <a:masterClrMapping/>
   </p:clrMapOvr>
+  <p:timing>
+    <p:tnLst>
+      <p:par>
+        <p:cTn xmlns:p14="http://schemas.microsoft.com/office/powerpoint/2010/main" id="1" dur="indefinite" restart="never" nodeType="tmRoot"/>
+      </p:par>
+    </p:tnLst>
+  </p:timing>
 </p:sld>
 </file>
 
@@ -4634,36 +8273,28 @@
           <a:p>
             <a:r>
               <a:rPr lang="en-US" dirty="0" smtClean="0"/>
-              <a:t>A recursive example</a:t>
+              <a:t>2 </a:t>
+            </a:r>
+            <a:r>
+              <a:rPr lang="en-US" dirty="0" smtClean="0"/>
+              <a:t>ways of </a:t>
+            </a:r>
+            <a:r>
+              <a:rPr lang="en-US" dirty="0"/>
+              <a:t>d</a:t>
+            </a:r>
+            <a:r>
+              <a:rPr lang="en-US" dirty="0" smtClean="0"/>
+              <a:t>efining </a:t>
+            </a:r>
+            <a:r>
+              <a:rPr lang="en-US" dirty="0" smtClean="0"/>
+              <a:t>functions</a:t>
             </a:r>
             <a:endParaRPr lang="en-US" dirty="0"/>
           </a:p>
         </p:txBody>
       </p:sp>
-      <p:pic>
-        <p:nvPicPr>
-          <p:cNvPr id="4" name="Picture 3"/>
-          <p:cNvPicPr>
-            <a:picLocks noChangeAspect="1"/>
-          </p:cNvPicPr>
-          <p:nvPr/>
-        </p:nvPicPr>
-        <p:blipFill>
-          <a:blip r:embed="rId3"/>
-          <a:stretch>
-            <a:fillRect/>
-          </a:stretch>
-        </p:blipFill>
-        <p:spPr>
-          <a:xfrm flipH="1">
-            <a:off x="4074075" y="2965990"/>
-            <a:ext cx="4745580" cy="3288009"/>
-          </a:xfrm>
-          <a:prstGeom prst="rect">
-            <a:avLst/>
-          </a:prstGeom>
-        </p:spPr>
-      </p:pic>
       <p:sp>
         <p:nvSpPr>
           <p:cNvPr id="3" name="Content Placeholder 2"/>
@@ -4676,118 +8307,10 @@
         </p:nvSpPr>
         <p:spPr/>
         <p:txBody>
-          <a:bodyPr/>
-          <a:lstStyle/>
-          <a:p>
-            <a:pPr marL="0" indent="0">
-              <a:buNone/>
-            </a:pPr>
-            <a:r>
-              <a:rPr lang="en-US" sz="2400" dirty="0">
-                <a:latin typeface="Consolas"/>
-                <a:cs typeface="Consolas"/>
-              </a:rPr>
-              <a:t>function yell(n){ </a:t>
-            </a:r>
-          </a:p>
-          <a:p>
-            <a:pPr marL="0" indent="0">
-              <a:buNone/>
-            </a:pPr>
-            <a:r>
-              <a:rPr lang="en-US" sz="2400" dirty="0">
-                <a:latin typeface="Consolas"/>
-                <a:cs typeface="Consolas"/>
-              </a:rPr>
-              <a:t>  return </a:t>
-            </a:r>
-            <a:r>
-              <a:rPr lang="en-US" sz="2400" dirty="0" smtClean="0">
-                <a:latin typeface="Consolas"/>
-                <a:cs typeface="Consolas"/>
-              </a:rPr>
-              <a:t>(n </a:t>
-            </a:r>
-            <a:r>
-              <a:rPr lang="en-US" sz="2400" dirty="0">
-                <a:latin typeface="Consolas"/>
-                <a:cs typeface="Consolas"/>
-              </a:rPr>
-              <a:t>&gt; </a:t>
-            </a:r>
-            <a:r>
-              <a:rPr lang="en-US" sz="2400" dirty="0" smtClean="0">
-                <a:latin typeface="Consolas"/>
-                <a:cs typeface="Consolas"/>
-              </a:rPr>
-              <a:t>0) </a:t>
-            </a:r>
-            <a:r>
-              <a:rPr lang="en-US" sz="2400" dirty="0">
-                <a:latin typeface="Consolas"/>
-                <a:cs typeface="Consolas"/>
-              </a:rPr>
-              <a:t>? yell(n-1) + "a" : "</a:t>
-            </a:r>
-            <a:r>
-              <a:rPr lang="en-US" sz="2400" dirty="0" err="1">
-                <a:latin typeface="Consolas"/>
-                <a:cs typeface="Consolas"/>
-              </a:rPr>
-              <a:t>hiy</a:t>
-            </a:r>
-            <a:r>
-              <a:rPr lang="en-US" sz="2400" dirty="0">
-                <a:latin typeface="Consolas"/>
-                <a:cs typeface="Consolas"/>
-              </a:rPr>
-              <a:t>"; </a:t>
-            </a:r>
-          </a:p>
-          <a:p>
-            <a:pPr marL="0" indent="0">
-              <a:buNone/>
-            </a:pPr>
-            <a:r>
-              <a:rPr lang="en-US" sz="2400" dirty="0">
-                <a:latin typeface="Consolas"/>
-                <a:cs typeface="Consolas"/>
-              </a:rPr>
-              <a:t>} </a:t>
-            </a:r>
-            <a:endParaRPr lang="en-US" sz="2400" dirty="0" smtClean="0">
-              <a:latin typeface="Consolas"/>
-              <a:cs typeface="Consolas"/>
-            </a:endParaRPr>
-          </a:p>
-          <a:p>
-            <a:pPr marL="0" indent="0">
-              <a:buNone/>
-            </a:pPr>
-            <a:endParaRPr lang="en-US" sz="2400" dirty="0">
-              <a:latin typeface="Consolas"/>
-              <a:cs typeface="Consolas"/>
-            </a:endParaRPr>
-          </a:p>
-          <a:p>
-            <a:pPr marL="0" indent="0">
-              <a:buNone/>
-            </a:pPr>
-            <a:r>
-              <a:rPr lang="en-US" sz="2400" dirty="0" err="1" smtClean="0">
-                <a:latin typeface="Consolas"/>
-                <a:cs typeface="Consolas"/>
-              </a:rPr>
-              <a:t>console.log</a:t>
-            </a:r>
-            <a:r>
-              <a:rPr lang="en-US" sz="2400" dirty="0" smtClean="0">
-                <a:latin typeface="Consolas"/>
-                <a:cs typeface="Consolas"/>
-              </a:rPr>
-              <a:t>(yell(4));</a:t>
-            </a:r>
-          </a:p>
+          <a:bodyPr>
+            <a:normAutofit/>
+          </a:bodyPr>
+          <a:lstStyle/>
           <a:p>
             <a:pPr marL="0" indent="0">
               <a:buNone/>
@@ -4798,37 +8321,167 @@
             </a:endParaRPr>
           </a:p>
           <a:p>
+            <a:pPr marL="0" indent="0">
+              <a:buNone/>
+            </a:pPr>
+            <a:r>
+              <a:rPr lang="en-US" dirty="0" smtClean="0">
+                <a:cs typeface="Consolas"/>
+              </a:rPr>
+              <a:t>Anonymous Function</a:t>
+            </a:r>
+            <a:endParaRPr lang="en-US" dirty="0">
+              <a:cs typeface="Consolas"/>
+            </a:endParaRPr>
+          </a:p>
+          <a:p>
+            <a:pPr marL="0" indent="0">
+              <a:buNone/>
+            </a:pPr>
+            <a:r>
+              <a:rPr lang="en-US" sz="2400" dirty="0" err="1">
+                <a:latin typeface="Consolas"/>
+                <a:cs typeface="Consolas"/>
+              </a:rPr>
+              <a:t>var</a:t>
+            </a:r>
+            <a:r>
+              <a:rPr lang="en-US" sz="2400" dirty="0">
+                <a:latin typeface="Consolas"/>
+                <a:cs typeface="Consolas"/>
+              </a:rPr>
+              <a:t> </a:t>
+            </a:r>
+            <a:r>
+              <a:rPr lang="en-US" sz="2400" dirty="0" err="1">
+                <a:latin typeface="Consolas"/>
+                <a:cs typeface="Consolas"/>
+              </a:rPr>
+              <a:t>canFly</a:t>
+            </a:r>
+            <a:r>
+              <a:rPr lang="en-US" sz="2400" dirty="0">
+                <a:latin typeface="Consolas"/>
+                <a:cs typeface="Consolas"/>
+              </a:rPr>
+              <a:t> = function(){ return true; };</a:t>
+            </a:r>
+          </a:p>
+          <a:p>
+            <a:pPr marL="0" indent="0">
+              <a:buNone/>
+            </a:pPr>
+            <a:endParaRPr lang="en-US" sz="2400" dirty="0" smtClean="0">
+              <a:latin typeface="Consolas"/>
+              <a:cs typeface="Consolas"/>
+            </a:endParaRPr>
+          </a:p>
+          <a:p>
+            <a:pPr marL="0" indent="0">
+              <a:buNone/>
+            </a:pPr>
+            <a:r>
+              <a:rPr lang="en-US" dirty="0" smtClean="0">
+                <a:cs typeface="Consolas"/>
+              </a:rPr>
+              <a:t>Named Function</a:t>
+            </a:r>
+            <a:endParaRPr lang="en-US" dirty="0" smtClean="0">
+              <a:latin typeface="Consolas"/>
+              <a:cs typeface="Consolas"/>
+            </a:endParaRPr>
+          </a:p>
+          <a:p>
+            <a:pPr marL="0" indent="0">
+              <a:buNone/>
+            </a:pPr>
             <a:r>
               <a:rPr lang="en-US" sz="2400" dirty="0" smtClean="0">
-                <a:cs typeface="Consolas"/>
-              </a:rPr>
-              <a:t>can you predict the output ?</a:t>
-            </a:r>
+                <a:latin typeface="Consolas"/>
+                <a:cs typeface="Consolas"/>
+              </a:rPr>
+              <a:t>function </a:t>
+            </a:r>
+            <a:r>
+              <a:rPr lang="en-US" sz="2400" dirty="0" err="1" smtClean="0">
+                <a:latin typeface="Consolas"/>
+                <a:cs typeface="Consolas"/>
+              </a:rPr>
+              <a:t>isNimble</a:t>
+            </a:r>
+            <a:r>
+              <a:rPr lang="en-US" sz="2400" dirty="0" smtClean="0">
+                <a:latin typeface="Consolas"/>
+                <a:cs typeface="Consolas"/>
+              </a:rPr>
+              <a:t>(){ return true; } </a:t>
+            </a:r>
+          </a:p>
+          <a:p>
+            <a:pPr marL="0" indent="0">
+              <a:buNone/>
+            </a:pPr>
+            <a:r>
+              <a:rPr lang="en-US" sz="2400" dirty="0" smtClean="0">
+                <a:latin typeface="Consolas"/>
+                <a:cs typeface="Consolas"/>
+              </a:rPr>
+              <a:t> </a:t>
+            </a:r>
+            <a:endParaRPr lang="en-US" sz="2400" dirty="0" smtClean="0">
+              <a:latin typeface="Consolas"/>
+              <a:cs typeface="Consolas"/>
+            </a:endParaRPr>
+          </a:p>
+          <a:p>
+            <a:r>
+              <a:rPr lang="en-US" sz="2400" dirty="0" smtClean="0">
+                <a:cs typeface="Consolas"/>
+              </a:rPr>
+              <a:t>What’s the difference between these </a:t>
+            </a:r>
+            <a:r>
+              <a:rPr lang="en-US" sz="2400" dirty="0" smtClean="0">
+                <a:cs typeface="Consolas"/>
+              </a:rPr>
+              <a:t>?</a:t>
+            </a:r>
+          </a:p>
+          <a:p>
+            <a:r>
+              <a:rPr lang="en-US" sz="2400" dirty="0" smtClean="0">
+                <a:cs typeface="Consolas"/>
+              </a:rPr>
+              <a:t>Try out  “5. defining functions”</a:t>
+            </a:r>
+            <a:endParaRPr lang="en-US" sz="2400" dirty="0" smtClean="0">
+              <a:cs typeface="Consolas"/>
+            </a:endParaRPr>
+          </a:p>
+          <a:p>
             <a:endParaRPr lang="en-US" sz="2400" dirty="0">
               <a:cs typeface="Consolas"/>
             </a:endParaRPr>
           </a:p>
-          <a:p>
-            <a:pPr marL="0" indent="0">
-              <a:buNone/>
-            </a:pPr>
-            <a:endParaRPr lang="en-US" sz="2400" dirty="0">
-              <a:latin typeface="Consolas"/>
-              <a:cs typeface="Consolas"/>
-            </a:endParaRPr>
-          </a:p>
         </p:txBody>
       </p:sp>
     </p:spTree>
     <p:extLst>
       <p:ext uri="{BB962C8B-B14F-4D97-AF65-F5344CB8AC3E}">
-        <p14:creationId xmlns:p14="http://schemas.microsoft.com/office/powerpoint/2010/main" val="2813231312"/>
+        <p14:creationId xmlns:p14="http://schemas.microsoft.com/office/powerpoint/2010/main" val="3292752590"/>
       </p:ext>
     </p:extLst>
   </p:cSld>
   <p:clrMapOvr>
     <a:masterClrMapping/>
   </p:clrMapOvr>
+  <p:timing>
+    <p:tnLst>
+      <p:par>
+        <p:cTn xmlns:p14="http://schemas.microsoft.com/office/powerpoint/2010/main" id="1" dur="indefinite" restart="never" nodeType="tmRoot"/>
+      </p:par>
+    </p:tnLst>
+  </p:timing>
 </p:sld>
 </file>
 
@@ -4866,11 +8519,7 @@
           <a:p>
             <a:r>
               <a:rPr lang="en-US" dirty="0" smtClean="0"/>
-              <a:t>Adding properties to </a:t>
-            </a:r>
-            <a:r>
-              <a:rPr lang="en-US" dirty="0" smtClean="0"/>
-              <a:t>functions</a:t>
+              <a:t>Named functions</a:t>
             </a:r>
             <a:endParaRPr lang="en-US" dirty="0"/>
           </a:p>
@@ -4888,32 +8537,37 @@
         </p:nvSpPr>
         <p:spPr/>
         <p:txBody>
-          <a:bodyPr/>
-          <a:lstStyle/>
+          <a:bodyPr>
+            <a:normAutofit fontScale="92500" lnSpcReduction="20000"/>
+          </a:bodyPr>
+          <a:lstStyle/>
+          <a:p>
+            <a:r>
+              <a:rPr lang="en-US" sz="2400" dirty="0" smtClean="0">
+                <a:cs typeface="Consolas"/>
+              </a:rPr>
+              <a:t>created before runtime  </a:t>
+            </a:r>
+          </a:p>
+          <a:p>
+            <a:r>
+              <a:rPr lang="en-US" sz="2400" dirty="0" smtClean="0">
+                <a:cs typeface="Consolas"/>
+              </a:rPr>
+              <a:t>they can </a:t>
+            </a:r>
+            <a:r>
+              <a:rPr lang="en-US" sz="2400" dirty="0" smtClean="0">
+                <a:cs typeface="Consolas"/>
+              </a:rPr>
+              <a:t>be called before they are defined in the code</a:t>
+            </a:r>
+          </a:p>
           <a:p>
             <a:pPr marL="0" indent="0">
               <a:buNone/>
             </a:pPr>
-            <a:r>
-              <a:rPr lang="en-US" dirty="0" err="1" smtClean="0">
-                <a:latin typeface="Consolas"/>
-                <a:cs typeface="Consolas"/>
-              </a:rPr>
-              <a:t>var</a:t>
-            </a:r>
-            <a:r>
-              <a:rPr lang="en-US" dirty="0" smtClean="0">
-                <a:latin typeface="Consolas"/>
-                <a:cs typeface="Consolas"/>
-              </a:rPr>
-              <a:t> foo = function(){};</a:t>
-            </a:r>
-          </a:p>
-          <a:p>
-            <a:pPr marL="0" indent="0">
-              <a:buNone/>
-            </a:pPr>
-            <a:endParaRPr lang="en-US" dirty="0" smtClean="0">
+            <a:endParaRPr lang="en-US" sz="2400" dirty="0" smtClean="0">
               <a:latin typeface="Consolas"/>
               <a:cs typeface="Consolas"/>
             </a:endParaRPr>
@@ -4923,33 +8577,126 @@
               <a:buNone/>
             </a:pPr>
             <a:r>
-              <a:rPr lang="en-US" dirty="0" err="1" smtClean="0">
-                <a:latin typeface="Consolas"/>
-                <a:cs typeface="Consolas"/>
-              </a:rPr>
-              <a:t>foo.kung</a:t>
-            </a:r>
-            <a:r>
-              <a:rPr lang="en-US" dirty="0" smtClean="0">
-                <a:latin typeface="Consolas"/>
-                <a:cs typeface="Consolas"/>
-              </a:rPr>
-              <a:t> = “</a:t>
-            </a:r>
-            <a:r>
-              <a:rPr lang="en-US" dirty="0" err="1" smtClean="0">
-                <a:latin typeface="Consolas"/>
-                <a:cs typeface="Consolas"/>
-              </a:rPr>
-              <a:t>hiyaaaa</a:t>
-            </a:r>
-            <a:r>
-              <a:rPr lang="en-US" dirty="0" smtClean="0">
-                <a:latin typeface="Consolas"/>
-                <a:cs typeface="Consolas"/>
-              </a:rPr>
-              <a:t>”;</a:t>
-            </a:r>
+              <a:rPr lang="en-US" sz="2400" dirty="0" smtClean="0">
+                <a:latin typeface="Consolas"/>
+                <a:cs typeface="Consolas"/>
+              </a:rPr>
+              <a:t>function </a:t>
+            </a:r>
+            <a:r>
+              <a:rPr lang="en-US" sz="2400" dirty="0" smtClean="0">
+                <a:latin typeface="Consolas"/>
+                <a:cs typeface="Consolas"/>
+              </a:rPr>
+              <a:t>foo(</a:t>
+            </a:r>
+            <a:r>
+              <a:rPr lang="en-US" sz="2400" dirty="0" smtClean="0">
+                <a:latin typeface="Consolas"/>
+                <a:cs typeface="Consolas"/>
+              </a:rPr>
+              <a:t>){ return true; } </a:t>
+            </a:r>
+          </a:p>
+          <a:p>
+            <a:pPr marL="0" indent="0">
+              <a:buNone/>
+            </a:pPr>
+            <a:endParaRPr lang="en-US" sz="2400" dirty="0" smtClean="0">
+              <a:cs typeface="Consolas"/>
+            </a:endParaRPr>
+          </a:p>
+          <a:p>
+            <a:pPr marL="0" indent="0" algn="ctr">
+              <a:buNone/>
+            </a:pPr>
+            <a:r>
+              <a:rPr lang="en-US" sz="4300" dirty="0" smtClean="0">
+                <a:latin typeface="+mj-lt"/>
+                <a:cs typeface="Consolas"/>
+              </a:rPr>
+              <a:t>Anonymous </a:t>
+            </a:r>
+            <a:r>
+              <a:rPr lang="en-US" sz="4300" dirty="0" smtClean="0">
+                <a:latin typeface="+mj-lt"/>
+                <a:cs typeface="Consolas"/>
+              </a:rPr>
+              <a:t>functions</a:t>
+            </a:r>
+          </a:p>
+          <a:p>
+            <a:pPr marL="0" indent="0" algn="ctr">
+              <a:buNone/>
+            </a:pPr>
+            <a:endParaRPr lang="en-US" sz="4000" dirty="0" smtClean="0">
+              <a:latin typeface="+mj-lt"/>
+              <a:cs typeface="Consolas"/>
+            </a:endParaRPr>
+          </a:p>
+          <a:p>
+            <a:r>
+              <a:rPr lang="en-US" sz="2400" dirty="0" smtClean="0">
+                <a:cs typeface="Consolas"/>
+              </a:rPr>
+              <a:t>created during runtime</a:t>
+            </a:r>
+          </a:p>
+          <a:p>
+            <a:r>
+              <a:rPr lang="en-US" sz="2400" dirty="0" smtClean="0">
+                <a:cs typeface="Consolas"/>
+              </a:rPr>
+              <a:t>can’t be called before they are defined</a:t>
+            </a:r>
+          </a:p>
+          <a:p>
+            <a:endParaRPr lang="en-US" sz="2000" dirty="0">
+              <a:cs typeface="Consolas"/>
+            </a:endParaRPr>
+          </a:p>
+          <a:p>
+            <a:pPr marL="0" indent="0">
+              <a:buNone/>
+            </a:pPr>
+            <a:r>
+              <a:rPr lang="en-US" sz="2400" dirty="0" err="1" smtClean="0">
+                <a:latin typeface="Consolas"/>
+                <a:cs typeface="Consolas"/>
+              </a:rPr>
+              <a:t>var</a:t>
+            </a:r>
+            <a:r>
+              <a:rPr lang="en-US" sz="2400" dirty="0" smtClean="0">
+                <a:latin typeface="Consolas"/>
+                <a:cs typeface="Consolas"/>
+              </a:rPr>
+              <a:t> </a:t>
+            </a:r>
+            <a:r>
+              <a:rPr lang="en-US" sz="2400" dirty="0" smtClean="0">
+                <a:latin typeface="Consolas"/>
+                <a:cs typeface="Consolas"/>
+              </a:rPr>
+              <a:t>bar </a:t>
+            </a:r>
+            <a:r>
+              <a:rPr lang="en-US" sz="2400" dirty="0" smtClean="0">
+                <a:latin typeface="Consolas"/>
+                <a:cs typeface="Consolas"/>
+              </a:rPr>
+              <a:t>= function(){ return true; }</a:t>
+            </a:r>
+            <a:r>
+              <a:rPr lang="en-US" sz="2400" dirty="0" smtClean="0">
+                <a:latin typeface="Consolas"/>
+                <a:cs typeface="Consolas"/>
+              </a:rPr>
+              <a:t>;</a:t>
+            </a:r>
+            <a:endParaRPr lang="en-US" sz="2400" dirty="0">
+              <a:cs typeface="Consolas"/>
+            </a:endParaRPr>
           </a:p>
           <a:p>
             <a:pPr marL="0" indent="0">
@@ -4960,41 +8707,25 @@
               <a:cs typeface="Consolas"/>
             </a:endParaRPr>
           </a:p>
-          <a:p>
-            <a:r>
-              <a:rPr lang="en-US" dirty="0" smtClean="0">
-                <a:cs typeface="Consolas"/>
-              </a:rPr>
-              <a:t>but what if we want to </a:t>
-            </a:r>
-            <a:r>
-              <a:rPr lang="en-US" dirty="0" err="1" smtClean="0">
-                <a:cs typeface="Consolas"/>
-              </a:rPr>
-              <a:t>initialise</a:t>
-            </a:r>
-            <a:r>
-              <a:rPr lang="en-US" dirty="0" smtClean="0">
-                <a:cs typeface="Consolas"/>
-              </a:rPr>
-              <a:t> the properties when we define the function ?</a:t>
-            </a:r>
-            <a:endParaRPr lang="en-US" dirty="0">
-              <a:cs typeface="Consolas"/>
-            </a:endParaRPr>
-          </a:p>
         </p:txBody>
       </p:sp>
     </p:spTree>
     <p:extLst>
       <p:ext uri="{BB962C8B-B14F-4D97-AF65-F5344CB8AC3E}">
-        <p14:creationId xmlns:p14="http://schemas.microsoft.com/office/powerpoint/2010/main" val="1227183003"/>
+        <p14:creationId xmlns:p14="http://schemas.microsoft.com/office/powerpoint/2010/main" val="2637370294"/>
       </p:ext>
     </p:extLst>
   </p:cSld>
   <p:clrMapOvr>
     <a:masterClrMapping/>
   </p:clrMapOvr>
+  <p:timing>
+    <p:tnLst>
+      <p:par>
+        <p:cTn xmlns:p14="http://schemas.microsoft.com/office/powerpoint/2010/main" id="1" dur="indefinite" restart="never" nodeType="tmRoot"/>
+      </p:par>
+    </p:tnLst>
+  </p:timing>
 </p:sld>
 </file>
 
@@ -5032,7 +8763,7 @@
           <a:p>
             <a:r>
               <a:rPr lang="en-US" dirty="0" smtClean="0"/>
-              <a:t>What does new really mean ?</a:t>
+              <a:t>Scope again</a:t>
             </a:r>
             <a:endParaRPr lang="en-US" dirty="0"/>
           </a:p>
@@ -5053,20 +8784,144 @@
           <a:bodyPr/>
           <a:lstStyle/>
           <a:p>
-            <a:endParaRPr lang="en-US"/>
+            <a:r>
+              <a:rPr lang="en-US" dirty="0" smtClean="0"/>
+              <a:t>But named functions aren’t necessarily global</a:t>
+            </a:r>
+          </a:p>
+          <a:p>
+            <a:pPr marL="0" indent="0">
+              <a:buNone/>
+            </a:pPr>
+            <a:endParaRPr lang="en-US" dirty="0"/>
+          </a:p>
+          <a:p>
+            <a:pPr marL="0" indent="0">
+              <a:buNone/>
+            </a:pPr>
+            <a:r>
+              <a:rPr lang="en-US" sz="2800" dirty="0" smtClean="0">
+                <a:latin typeface="Consolas"/>
+                <a:cs typeface="Consolas"/>
+              </a:rPr>
+              <a:t>(function(){</a:t>
+            </a:r>
+          </a:p>
+          <a:p>
+            <a:pPr marL="0" indent="0">
+              <a:buNone/>
+            </a:pPr>
+            <a:r>
+              <a:rPr lang="en-US" sz="2800" dirty="0">
+                <a:latin typeface="Consolas"/>
+                <a:cs typeface="Consolas"/>
+              </a:rPr>
+              <a:t>	</a:t>
+            </a:r>
+            <a:r>
+              <a:rPr lang="en-US" sz="2800" dirty="0" smtClean="0">
+                <a:latin typeface="Consolas"/>
+                <a:cs typeface="Consolas"/>
+              </a:rPr>
+              <a:t>function </a:t>
+            </a:r>
+            <a:r>
+              <a:rPr lang="en-US" sz="2800" dirty="0" err="1" smtClean="0">
+                <a:latin typeface="Consolas"/>
+                <a:cs typeface="Consolas"/>
+              </a:rPr>
+              <a:t>isNimble</a:t>
+            </a:r>
+            <a:r>
+              <a:rPr lang="en-US" sz="2800" dirty="0" smtClean="0">
+                <a:latin typeface="Consolas"/>
+                <a:cs typeface="Consolas"/>
+              </a:rPr>
+              <a:t>(){return true;}</a:t>
+            </a:r>
+            <a:endParaRPr lang="en-US" sz="2800" dirty="0">
+              <a:latin typeface="Consolas"/>
+              <a:cs typeface="Consolas"/>
+            </a:endParaRPr>
+          </a:p>
+          <a:p>
+            <a:pPr marL="0" indent="0">
+              <a:buNone/>
+            </a:pPr>
+            <a:r>
+              <a:rPr lang="en-US" sz="2800" dirty="0" smtClean="0">
+                <a:latin typeface="Consolas"/>
+                <a:cs typeface="Consolas"/>
+              </a:rPr>
+              <a:t>})();</a:t>
+            </a:r>
+            <a:r>
+              <a:rPr lang="en-US" sz="2800" dirty="0" smtClean="0"/>
+              <a:t> </a:t>
+            </a:r>
+          </a:p>
+          <a:p>
+            <a:pPr marL="0" indent="0">
+              <a:buNone/>
+            </a:pPr>
+            <a:endParaRPr lang="en-US" sz="2800" dirty="0"/>
+          </a:p>
+          <a:p>
+            <a:pPr marL="0" indent="0">
+              <a:buNone/>
+            </a:pPr>
+            <a:r>
+              <a:rPr lang="en-US" sz="2400" dirty="0" err="1" smtClean="0">
+                <a:latin typeface="Consolas"/>
+                <a:cs typeface="Consolas"/>
+              </a:rPr>
+              <a:t>console.log</a:t>
+            </a:r>
+            <a:r>
+              <a:rPr lang="en-US" sz="2400" dirty="0" smtClean="0">
+                <a:latin typeface="Consolas"/>
+                <a:cs typeface="Consolas"/>
+              </a:rPr>
+              <a:t>(</a:t>
+            </a:r>
+            <a:r>
+              <a:rPr lang="en-US" sz="2400" dirty="0" err="1" smtClean="0">
+                <a:latin typeface="Consolas"/>
+                <a:cs typeface="Consolas"/>
+              </a:rPr>
+              <a:t>isNimble</a:t>
+            </a:r>
+            <a:r>
+              <a:rPr lang="en-US" sz="2400" dirty="0" smtClean="0">
+                <a:latin typeface="Consolas"/>
+                <a:cs typeface="Consolas"/>
+              </a:rPr>
+              <a:t>()); //causes an error</a:t>
+            </a:r>
+            <a:endParaRPr lang="en-US" sz="2400" dirty="0">
+              <a:latin typeface="Consolas"/>
+              <a:cs typeface="Consolas"/>
+            </a:endParaRPr>
           </a:p>
         </p:txBody>
       </p:sp>
     </p:spTree>
     <p:extLst>
       <p:ext uri="{BB962C8B-B14F-4D97-AF65-F5344CB8AC3E}">
-        <p14:creationId xmlns:p14="http://schemas.microsoft.com/office/powerpoint/2010/main" val="3902866657"/>
+        <p14:creationId xmlns:p14="http://schemas.microsoft.com/office/powerpoint/2010/main" val="146253246"/>
       </p:ext>
     </p:extLst>
   </p:cSld>
   <p:clrMapOvr>
     <a:masterClrMapping/>
   </p:clrMapOvr>
+  <p:timing>
+    <p:tnLst>
+      <p:par>
+        <p:cTn xmlns:p14="http://schemas.microsoft.com/office/powerpoint/2010/main" id="1" dur="indefinite" restart="never" nodeType="tmRoot"/>
+      </p:par>
+    </p:tnLst>
+  </p:timing>
 </p:sld>
 </file>
 

--- a/week8/slides/week8.pptx
+++ b/week8/slides/week8.pptx
@@ -209,7 +209,7 @@
           <a:p>
             <a:fld id="{0DBE50BE-FB33-7D4D-BB6C-E2431BE8C69E}" type="datetimeFigureOut">
               <a:rPr lang="en-US" smtClean="0"/>
-              <a:t>18/03/2014</a:t>
+              <a:t>19/03/2014</a:t>
             </a:fld>
             <a:endParaRPr lang="en-US"/>
           </a:p>
@@ -1378,7 +1378,7 @@
           <a:p>
             <a:fld id="{4EDEF9D4-7CA3-944C-A014-03EE8B7FB9E5}" type="datetimeFigureOut">
               <a:rPr lang="en-US" smtClean="0"/>
-              <a:t>18/03/2014</a:t>
+              <a:t>19/03/2014</a:t>
             </a:fld>
             <a:endParaRPr lang="en-US"/>
           </a:p>
@@ -1548,7 +1548,7 @@
           <a:p>
             <a:fld id="{4EDEF9D4-7CA3-944C-A014-03EE8B7FB9E5}" type="datetimeFigureOut">
               <a:rPr lang="en-US" smtClean="0"/>
-              <a:t>18/03/2014</a:t>
+              <a:t>19/03/2014</a:t>
             </a:fld>
             <a:endParaRPr lang="en-US"/>
           </a:p>
@@ -1728,7 +1728,7 @@
           <a:p>
             <a:fld id="{4EDEF9D4-7CA3-944C-A014-03EE8B7FB9E5}" type="datetimeFigureOut">
               <a:rPr lang="en-US" smtClean="0"/>
-              <a:t>18/03/2014</a:t>
+              <a:t>19/03/2014</a:t>
             </a:fld>
             <a:endParaRPr lang="en-US"/>
           </a:p>
@@ -1898,7 +1898,7 @@
           <a:p>
             <a:fld id="{4EDEF9D4-7CA3-944C-A014-03EE8B7FB9E5}" type="datetimeFigureOut">
               <a:rPr lang="en-US" smtClean="0"/>
-              <a:t>18/03/2014</a:t>
+              <a:t>19/03/2014</a:t>
             </a:fld>
             <a:endParaRPr lang="en-US"/>
           </a:p>
@@ -2144,7 +2144,7 @@
           <a:p>
             <a:fld id="{4EDEF9D4-7CA3-944C-A014-03EE8B7FB9E5}" type="datetimeFigureOut">
               <a:rPr lang="en-US" smtClean="0"/>
-              <a:t>18/03/2014</a:t>
+              <a:t>19/03/2014</a:t>
             </a:fld>
             <a:endParaRPr lang="en-US"/>
           </a:p>
@@ -2432,7 +2432,7 @@
           <a:p>
             <a:fld id="{4EDEF9D4-7CA3-944C-A014-03EE8B7FB9E5}" type="datetimeFigureOut">
               <a:rPr lang="en-US" smtClean="0"/>
-              <a:t>18/03/2014</a:t>
+              <a:t>19/03/2014</a:t>
             </a:fld>
             <a:endParaRPr lang="en-US"/>
           </a:p>
@@ -2854,7 +2854,7 @@
           <a:p>
             <a:fld id="{4EDEF9D4-7CA3-944C-A014-03EE8B7FB9E5}" type="datetimeFigureOut">
               <a:rPr lang="en-US" smtClean="0"/>
-              <a:t>18/03/2014</a:t>
+              <a:t>19/03/2014</a:t>
             </a:fld>
             <a:endParaRPr lang="en-US"/>
           </a:p>
@@ -2972,7 +2972,7 @@
           <a:p>
             <a:fld id="{4EDEF9D4-7CA3-944C-A014-03EE8B7FB9E5}" type="datetimeFigureOut">
               <a:rPr lang="en-US" smtClean="0"/>
-              <a:t>18/03/2014</a:t>
+              <a:t>19/03/2014</a:t>
             </a:fld>
             <a:endParaRPr lang="en-US"/>
           </a:p>
@@ -3067,7 +3067,7 @@
           <a:p>
             <a:fld id="{4EDEF9D4-7CA3-944C-A014-03EE8B7FB9E5}" type="datetimeFigureOut">
               <a:rPr lang="en-US" smtClean="0"/>
-              <a:t>18/03/2014</a:t>
+              <a:t>19/03/2014</a:t>
             </a:fld>
             <a:endParaRPr lang="en-US"/>
           </a:p>
@@ -3344,7 +3344,7 @@
           <a:p>
             <a:fld id="{4EDEF9D4-7CA3-944C-A014-03EE8B7FB9E5}" type="datetimeFigureOut">
               <a:rPr lang="en-US" smtClean="0"/>
-              <a:t>18/03/2014</a:t>
+              <a:t>19/03/2014</a:t>
             </a:fld>
             <a:endParaRPr lang="en-US"/>
           </a:p>
@@ -3597,7 +3597,7 @@
           <a:p>
             <a:fld id="{4EDEF9D4-7CA3-944C-A014-03EE8B7FB9E5}" type="datetimeFigureOut">
               <a:rPr lang="en-US" smtClean="0"/>
-              <a:t>18/03/2014</a:t>
+              <a:t>19/03/2014</a:t>
             </a:fld>
             <a:endParaRPr lang="en-US"/>
           </a:p>
@@ -3810,7 +3810,7 @@
           <a:p>
             <a:fld id="{4EDEF9D4-7CA3-944C-A014-03EE8B7FB9E5}" type="datetimeFigureOut">
               <a:rPr lang="en-US" smtClean="0"/>
-              <a:t>18/03/2014</a:t>
+              <a:t>19/03/2014</a:t>
             </a:fld>
             <a:endParaRPr lang="en-US"/>
           </a:p>
@@ -4218,6 +4218,13 @@
   <p:clrMapOvr>
     <a:masterClrMapping/>
   </p:clrMapOvr>
+  <p:timing>
+    <p:tnLst>
+      <p:par>
+        <p:cTn xmlns:p14="http://schemas.microsoft.com/office/powerpoint/2010/main" id="1" dur="indefinite" restart="never" nodeType="tmRoot"/>
+      </p:par>
+    </p:tnLst>
+  </p:timing>
 </p:sld>
 </file>
 
@@ -4523,14 +4530,7 @@
                 <a:latin typeface="Consolas"/>
                 <a:cs typeface="Consolas"/>
               </a:rPr>
-              <a:t>function foo(</a:t>
-            </a:r>
-            <a:r>
-              <a:rPr lang="en-US" dirty="0" smtClean="0">
-                <a:latin typeface="Consolas"/>
-                <a:cs typeface="Consolas"/>
-              </a:rPr>
-              <a:t>){};</a:t>
+              <a:t>function foo(){};</a:t>
             </a:r>
           </a:p>
           <a:p>
@@ -7081,6 +7081,13 @@
   <p:clrMapOvr>
     <a:masterClrMapping/>
   </p:clrMapOvr>
+  <p:timing>
+    <p:tnLst>
+      <p:par>
+        <p:cTn xmlns:p14="http://schemas.microsoft.com/office/powerpoint/2010/main" id="1" dur="indefinite" restart="never" nodeType="tmRoot"/>
+      </p:par>
+    </p:tnLst>
+  </p:timing>
 </p:sld>
 </file>
 
@@ -7555,28 +7562,7 @@
                 <a:latin typeface="Consolas"/>
                 <a:cs typeface="Consolas"/>
               </a:rPr>
-              <a:t>	</a:t>
-            </a:r>
-            <a:r>
-              <a:rPr lang="en-US" sz="2800" dirty="0" smtClean="0">
-                <a:latin typeface="Consolas"/>
-                <a:cs typeface="Consolas"/>
-              </a:rPr>
-              <a:t>scream</a:t>
-            </a:r>
-            <a:r>
-              <a:rPr lang="en-US" sz="2800" dirty="0" smtClean="0">
-                <a:latin typeface="Consolas"/>
-                <a:cs typeface="Consolas"/>
-              </a:rPr>
-              <a:t>: </a:t>
-            </a:r>
-            <a:r>
-              <a:rPr lang="en-US" sz="2800" dirty="0" smtClean="0">
-                <a:latin typeface="Consolas"/>
-                <a:cs typeface="Consolas"/>
-              </a:rPr>
-              <a:t>function(){return “</a:t>
+              <a:t>	scream: function(){return “</a:t>
             </a:r>
             <a:r>
               <a:rPr lang="en-US" sz="2800" dirty="0" err="1" smtClean="0">
@@ -7634,14 +7620,7 @@
                 <a:latin typeface="Consolas"/>
                 <a:cs typeface="Consolas"/>
               </a:rPr>
-              <a:t>(</a:t>
-            </a:r>
-            <a:r>
-              <a:rPr lang="en-US" sz="2800" dirty="0" smtClean="0">
-                <a:latin typeface="Consolas"/>
-                <a:cs typeface="Consolas"/>
-              </a:rPr>
-              <a:t>);</a:t>
+              <a:t>();</a:t>
             </a:r>
             <a:endParaRPr lang="en-US" sz="2800" dirty="0">
               <a:latin typeface="Consolas"/>
@@ -8003,7 +7982,7 @@
         <p:spPr/>
         <p:txBody>
           <a:bodyPr>
-            <a:normAutofit fontScale="92500" lnSpcReduction="20000"/>
+            <a:normAutofit fontScale="85000" lnSpcReduction="20000"/>
           </a:bodyPr>
           <a:lstStyle/>
           <a:p>
@@ -8059,6 +8038,36 @@
               </a:rPr>
               <a:t>{</a:t>
             </a:r>
+          </a:p>
+          <a:p>
+            <a:pPr marL="0" indent="0">
+              <a:buNone/>
+            </a:pPr>
+            <a:r>
+              <a:rPr lang="en-US" dirty="0" smtClean="0">
+                <a:latin typeface="Consolas"/>
+                <a:cs typeface="Consolas"/>
+              </a:rPr>
+              <a:t>	</a:t>
+            </a:r>
+            <a:r>
+              <a:rPr lang="en-US" dirty="0" err="1" smtClean="0">
+                <a:latin typeface="Consolas"/>
+                <a:cs typeface="Consolas"/>
+              </a:rPr>
+              <a:t>this.bar</a:t>
+            </a:r>
+            <a:r>
+              <a:rPr lang="en-US" dirty="0" smtClean="0">
+                <a:latin typeface="Consolas"/>
+                <a:cs typeface="Consolas"/>
+              </a:rPr>
+              <a:t> = “hi”</a:t>
+            </a:r>
+            <a:endParaRPr lang="en-US" dirty="0" smtClean="0">
+              <a:latin typeface="Consolas"/>
+              <a:cs typeface="Consolas"/>
+            </a:endParaRPr>
           </a:p>
           <a:p>
             <a:pPr marL="0" indent="0">
@@ -8134,14 +8143,7 @@
                 <a:latin typeface="Consolas"/>
                 <a:cs typeface="Consolas"/>
               </a:rPr>
-              <a:t> ninja </a:t>
-            </a:r>
-            <a:r>
-              <a:rPr lang="en-US" dirty="0" smtClean="0">
-                <a:latin typeface="Consolas"/>
-                <a:cs typeface="Consolas"/>
-              </a:rPr>
-              <a:t>= { scream: yell };</a:t>
+              <a:t> ninja = { scream: yell };</a:t>
             </a:r>
           </a:p>
           <a:p>
@@ -8169,14 +8171,7 @@
                 <a:latin typeface="Consolas"/>
                 <a:cs typeface="Consolas"/>
               </a:rPr>
-              <a:t>()</a:t>
-            </a:r>
-            <a:r>
-              <a:rPr lang="en-US" dirty="0" smtClean="0">
-                <a:latin typeface="Consolas"/>
-                <a:cs typeface="Consolas"/>
-              </a:rPr>
-              <a:t>;</a:t>
+              <a:t>();</a:t>
             </a:r>
           </a:p>
           <a:p>
@@ -8273,11 +8268,7 @@
           <a:p>
             <a:r>
               <a:rPr lang="en-US" dirty="0" smtClean="0"/>
-              <a:t>2 </a:t>
-            </a:r>
-            <a:r>
-              <a:rPr lang="en-US" dirty="0" smtClean="0"/>
-              <a:t>ways of </a:t>
+              <a:t>2 ways of </a:t>
             </a:r>
             <a:r>
               <a:rPr lang="en-US" dirty="0"/>
@@ -8285,11 +8276,7 @@
             </a:r>
             <a:r>
               <a:rPr lang="en-US" dirty="0" smtClean="0"/>
-              <a:t>efining </a:t>
-            </a:r>
-            <a:r>
-              <a:rPr lang="en-US" dirty="0" smtClean="0"/>
-              <a:t>functions</a:t>
+              <a:t>efining functions</a:t>
             </a:r>
             <a:endParaRPr lang="en-US" dirty="0"/>
           </a:p>
@@ -8428,35 +8415,22 @@
               </a:rPr>
               <a:t> </a:t>
             </a:r>
-            <a:endParaRPr lang="en-US" sz="2400" dirty="0" smtClean="0">
-              <a:latin typeface="Consolas"/>
-              <a:cs typeface="Consolas"/>
-            </a:endParaRPr>
           </a:p>
           <a:p>
             <a:r>
               <a:rPr lang="en-US" sz="2400" dirty="0" smtClean="0">
                 <a:cs typeface="Consolas"/>
               </a:rPr>
-              <a:t>What’s the difference between these </a:t>
-            </a:r>
+              <a:t>What’s the difference between these ?</a:t>
+            </a:r>
+          </a:p>
+          <a:p>
             <a:r>
               <a:rPr lang="en-US" sz="2400" dirty="0" smtClean="0">
                 <a:cs typeface="Consolas"/>
               </a:rPr>
-              <a:t>?</a:t>
-            </a:r>
-          </a:p>
-          <a:p>
-            <a:r>
-              <a:rPr lang="en-US" sz="2400" dirty="0" smtClean="0">
-                <a:cs typeface="Consolas"/>
-              </a:rPr>
               <a:t>Try out  “5. defining functions”</a:t>
             </a:r>
-            <a:endParaRPr lang="en-US" sz="2400" dirty="0" smtClean="0">
-              <a:cs typeface="Consolas"/>
-            </a:endParaRPr>
           </a:p>
           <a:p>
             <a:endParaRPr lang="en-US" sz="2400" dirty="0">
@@ -8554,13 +8528,7 @@
               <a:rPr lang="en-US" sz="2400" dirty="0" smtClean="0">
                 <a:cs typeface="Consolas"/>
               </a:rPr>
-              <a:t>they can </a:t>
-            </a:r>
-            <a:r>
-              <a:rPr lang="en-US" sz="2400" dirty="0" smtClean="0">
-                <a:cs typeface="Consolas"/>
-              </a:rPr>
-              <a:t>be called before they are defined in the code</a:t>
+              <a:t>they can be called before they are defined in the code</a:t>
             </a:r>
           </a:p>
           <a:p>
@@ -8581,21 +8549,7 @@
                 <a:latin typeface="Consolas"/>
                 <a:cs typeface="Consolas"/>
               </a:rPr>
-              <a:t>function </a:t>
-            </a:r>
-            <a:r>
-              <a:rPr lang="en-US" sz="2400" dirty="0" smtClean="0">
-                <a:latin typeface="Consolas"/>
-                <a:cs typeface="Consolas"/>
-              </a:rPr>
-              <a:t>foo(</a:t>
-            </a:r>
-            <a:r>
-              <a:rPr lang="en-US" sz="2400" dirty="0" smtClean="0">
-                <a:latin typeface="Consolas"/>
-                <a:cs typeface="Consolas"/>
-              </a:rPr>
-              <a:t>){ return true; } </a:t>
+              <a:t>function foo(){ return true; } </a:t>
             </a:r>
           </a:p>
           <a:p>
@@ -8615,14 +8569,7 @@
                 <a:latin typeface="+mj-lt"/>
                 <a:cs typeface="Consolas"/>
               </a:rPr>
-              <a:t>Anonymous </a:t>
-            </a:r>
-            <a:r>
-              <a:rPr lang="en-US" sz="4300" dirty="0" smtClean="0">
-                <a:latin typeface="+mj-lt"/>
-                <a:cs typeface="Consolas"/>
-              </a:rPr>
-              <a:t>functions</a:t>
+              <a:t>Anonymous functions</a:t>
             </a:r>
           </a:p>
           <a:p>
@@ -8671,28 +8618,7 @@
                 <a:latin typeface="Consolas"/>
                 <a:cs typeface="Consolas"/>
               </a:rPr>
-              <a:t> </a:t>
-            </a:r>
-            <a:r>
-              <a:rPr lang="en-US" sz="2400" dirty="0" smtClean="0">
-                <a:latin typeface="Consolas"/>
-                <a:cs typeface="Consolas"/>
-              </a:rPr>
-              <a:t>bar </a:t>
-            </a:r>
-            <a:r>
-              <a:rPr lang="en-US" sz="2400" dirty="0" smtClean="0">
-                <a:latin typeface="Consolas"/>
-                <a:cs typeface="Consolas"/>
-              </a:rPr>
-              <a:t>= function(){ return true; }</a:t>
-            </a:r>
-            <a:r>
-              <a:rPr lang="en-US" sz="2400" dirty="0" smtClean="0">
-                <a:latin typeface="Consolas"/>
-                <a:cs typeface="Consolas"/>
-              </a:rPr>
-              <a:t>;</a:t>
+              <a:t> bar = function(){ return true; };</a:t>
             </a:r>
             <a:endParaRPr lang="en-US" sz="2400" dirty="0">
               <a:cs typeface="Consolas"/>
